--- a/wide-column-stores.pptx
+++ b/wide-column-stores.pptx
@@ -5,13 +5,21 @@
     <p:sldMasterId id="2147483648" r:id="rId1"/>
   </p:sldMasterIdLst>
   <p:notesMasterIdLst>
-    <p:notesMasterId r:id="rId6"/>
+    <p:notesMasterId r:id="rId14"/>
   </p:notesMasterIdLst>
   <p:sldIdLst>
     <p:sldId id="256" r:id="rId2"/>
     <p:sldId id="280" r:id="rId3"/>
     <p:sldId id="281" r:id="rId4"/>
     <p:sldId id="282" r:id="rId5"/>
+    <p:sldId id="283" r:id="rId6"/>
+    <p:sldId id="284" r:id="rId7"/>
+    <p:sldId id="285" r:id="rId8"/>
+    <p:sldId id="286" r:id="rId9"/>
+    <p:sldId id="287" r:id="rId10"/>
+    <p:sldId id="288" r:id="rId11"/>
+    <p:sldId id="290" r:id="rId12"/>
+    <p:sldId id="289" r:id="rId13"/>
   </p:sldIdLst>
   <p:sldSz cx="18288000" cy="13716000"/>
   <p:notesSz cx="6858000" cy="9144000"/>
@@ -594,6 +602,500 @@
 </p:notes>
 </file>
 
+<file path=ppt/notesSlides/notesSlide10.xml><?xml version="1.0" encoding="utf-8"?>
+<p:notes xmlns:a="http://schemas.openxmlformats.org/drawingml/2006/main" xmlns:r="http://schemas.openxmlformats.org/officeDocument/2006/relationships" xmlns:p="http://schemas.openxmlformats.org/presentationml/2006/main">
+  <p:cSld>
+    <p:spTree>
+      <p:nvGrpSpPr>
+        <p:cNvPr id="1" name=""/>
+        <p:cNvGrpSpPr/>
+        <p:nvPr/>
+      </p:nvGrpSpPr>
+      <p:grpSpPr>
+        <a:xfrm>
+          <a:off x="0" y="0"/>
+          <a:ext cx="0" cy="0"/>
+          <a:chOff x="0" y="0"/>
+          <a:chExt cx="0" cy="0"/>
+        </a:xfrm>
+      </p:grpSpPr>
+      <p:sp>
+        <p:nvSpPr>
+          <p:cNvPr id="121" name="Shape 121"/>
+          <p:cNvSpPr>
+            <a:spLocks noGrp="1" noRot="1" noChangeAspect="1"/>
+          </p:cNvSpPr>
+          <p:nvPr>
+            <p:ph type="sldImg"/>
+          </p:nvPr>
+        </p:nvSpPr>
+        <p:spPr>
+          <a:xfrm>
+            <a:off x="1143000" y="685800"/>
+            <a:ext cx="4572000" cy="3429000"/>
+          </a:xfrm>
+          <a:prstGeom prst="rect">
+            <a:avLst/>
+          </a:prstGeom>
+        </p:spPr>
+        <p:txBody>
+          <a:bodyPr/>
+          <a:lstStyle/>
+          <a:p>
+            <a:endParaRPr/>
+          </a:p>
+        </p:txBody>
+      </p:sp>
+      <p:sp>
+        <p:nvSpPr>
+          <p:cNvPr id="122" name="Shape 122"/>
+          <p:cNvSpPr>
+            <a:spLocks noGrp="1"/>
+          </p:cNvSpPr>
+          <p:nvPr>
+            <p:ph type="body" sz="quarter" idx="1"/>
+          </p:nvPr>
+        </p:nvSpPr>
+        <p:spPr>
+          <a:prstGeom prst="rect">
+            <a:avLst/>
+          </a:prstGeom>
+        </p:spPr>
+        <p:txBody>
+          <a:bodyPr/>
+          <a:lstStyle/>
+          <a:p>
+            <a:pPr marL="342900" lvl="2" indent="-342900">
+              <a:buSzPct val="75000"/>
+              <a:buFont typeface="Arial" charset="0"/>
+              <a:buChar char="•"/>
+            </a:pPr>
+            <a:r>
+              <a:rPr lang="nb-NO" baseline="0" dirty="0" smtClean="0"/>
+              <a:t>Apache </a:t>
+            </a:r>
+            <a:r>
+              <a:rPr lang="nb-NO" baseline="0" dirty="0" err="1" smtClean="0"/>
+              <a:t>Hbase</a:t>
+            </a:r>
+            <a:r>
+              <a:rPr lang="nb-NO" baseline="0" dirty="0" smtClean="0"/>
+              <a:t>: ”The </a:t>
+            </a:r>
+            <a:r>
+              <a:rPr lang="nb-NO" baseline="0" dirty="0" err="1" smtClean="0"/>
+              <a:t>Hadoop</a:t>
+            </a:r>
+            <a:r>
+              <a:rPr lang="nb-NO" baseline="0" dirty="0" smtClean="0"/>
+              <a:t> database”</a:t>
+            </a:r>
+          </a:p>
+          <a:p>
+            <a:pPr marL="342900" lvl="2" indent="-342900">
+              <a:buSzPct val="75000"/>
+              <a:buFont typeface="Arial" charset="0"/>
+              <a:buChar char="•"/>
+            </a:pPr>
+            <a:r>
+              <a:rPr lang="nb-NO" baseline="0" dirty="0" smtClean="0"/>
+              <a:t>Apache </a:t>
+            </a:r>
+            <a:r>
+              <a:rPr lang="nb-NO" baseline="0" dirty="0" err="1" smtClean="0"/>
+              <a:t>Accumulo</a:t>
+            </a:r>
+            <a:r>
+              <a:rPr lang="nb-NO" baseline="0" dirty="0" smtClean="0"/>
+              <a:t>: Opprinnelig laget av NSA (!!)</a:t>
+            </a:r>
+          </a:p>
+          <a:p>
+            <a:pPr marL="342900" lvl="2" indent="-342900">
+              <a:buSzPct val="75000"/>
+              <a:buFont typeface="Arial" charset="0"/>
+              <a:buChar char="•"/>
+            </a:pPr>
+            <a:r>
+              <a:rPr lang="nb-NO" baseline="0" dirty="0" smtClean="0"/>
+              <a:t>Apache Cassandra: Opprinnelig laget av </a:t>
+            </a:r>
+            <a:r>
+              <a:rPr lang="nb-NO" baseline="0" dirty="0" err="1" smtClean="0"/>
+              <a:t>Facebook</a:t>
+            </a:r>
+            <a:endParaRPr lang="nb-NO" baseline="0" dirty="0" smtClean="0"/>
+          </a:p>
+          <a:p>
+            <a:pPr marL="342900" lvl="2" indent="-342900">
+              <a:buSzPct val="75000"/>
+              <a:buFont typeface="Arial" charset="0"/>
+              <a:buChar char="•"/>
+            </a:pPr>
+            <a:r>
+              <a:rPr lang="nb-NO" baseline="0" dirty="0" smtClean="0"/>
+              <a:t>Presentasjonen - Eksempler og detaljer er fra Cassandra</a:t>
+            </a:r>
+          </a:p>
+          <a:p>
+            <a:pPr marL="342900" lvl="2" indent="-342900">
+              <a:buSzPct val="75000"/>
+              <a:buFont typeface="Arial" charset="0"/>
+              <a:buChar char="•"/>
+            </a:pPr>
+            <a:endParaRPr lang="nb-NO" baseline="0" dirty="0" smtClean="0"/>
+          </a:p>
+          <a:p>
+            <a:pPr marL="342900" lvl="2" indent="-342900">
+              <a:buSzPct val="75000"/>
+              <a:buFont typeface="Arial" charset="0"/>
+              <a:buChar char="•"/>
+            </a:pPr>
+            <a:r>
+              <a:rPr lang="nb-NO" baseline="0" dirty="0" smtClean="0"/>
+              <a:t>Baserer seg på et </a:t>
+            </a:r>
+            <a:r>
+              <a:rPr lang="nb-NO" baseline="0" dirty="0" err="1" smtClean="0"/>
+              <a:t>paper</a:t>
+            </a:r>
+            <a:r>
+              <a:rPr lang="nb-NO" baseline="0" dirty="0" smtClean="0"/>
+              <a:t> fra Google &gt; </a:t>
+            </a:r>
+            <a:r>
+              <a:rPr lang="nb-NO" baseline="0" dirty="0" err="1" smtClean="0"/>
+              <a:t>BigTable</a:t>
+            </a:r>
+            <a:endParaRPr lang="nb-NO" baseline="0" dirty="0" smtClean="0"/>
+          </a:p>
+          <a:p>
+            <a:pPr marL="342900" lvl="2" indent="-342900">
+              <a:buSzPct val="75000"/>
+              <a:buFont typeface="Arial" charset="0"/>
+              <a:buChar char="•"/>
+            </a:pPr>
+            <a:r>
+              <a:rPr lang="nb-NO" baseline="0" dirty="0" smtClean="0"/>
+              <a:t>&gt; </a:t>
+            </a:r>
+            <a:r>
+              <a:rPr lang="nb-NO" baseline="0" dirty="0" err="1" smtClean="0"/>
+              <a:t>BigTable</a:t>
+            </a:r>
+            <a:endParaRPr lang="nb-NO" baseline="0" dirty="0" smtClean="0"/>
+          </a:p>
+          <a:p>
+            <a:pPr marL="342900" lvl="2" indent="-342900">
+              <a:buSzPct val="75000"/>
+              <a:buFont typeface="Arial" charset="0"/>
+              <a:buChar char="•"/>
+            </a:pPr>
+            <a:r>
+              <a:rPr lang="nb-NO" baseline="0" dirty="0" err="1" smtClean="0"/>
+              <a:t>BigTable</a:t>
+            </a:r>
+            <a:r>
+              <a:rPr lang="nb-NO" baseline="0" dirty="0" smtClean="0"/>
+              <a:t> regnes som ”grunnlaget” for </a:t>
+            </a:r>
+            <a:r>
+              <a:rPr lang="nb-NO" baseline="0" dirty="0" err="1" smtClean="0"/>
+              <a:t>Wide</a:t>
+            </a:r>
+            <a:r>
+              <a:rPr lang="nb-NO" baseline="0" dirty="0" smtClean="0"/>
+              <a:t> </a:t>
+            </a:r>
+            <a:r>
+              <a:rPr lang="nb-NO" baseline="0" dirty="0" err="1" smtClean="0"/>
+              <a:t>Column</a:t>
+            </a:r>
+            <a:r>
+              <a:rPr lang="nb-NO" baseline="0" dirty="0" smtClean="0"/>
+              <a:t> Stores</a:t>
+            </a:r>
+          </a:p>
+          <a:p>
+            <a:pPr marL="342900" lvl="2" indent="-342900">
+              <a:buSzPct val="75000"/>
+              <a:buFont typeface="Arial" charset="0"/>
+              <a:buChar char="•"/>
+            </a:pPr>
+            <a:r>
+              <a:rPr lang="nb-NO" baseline="0" dirty="0" err="1" smtClean="0"/>
+              <a:t>BigTable</a:t>
+            </a:r>
+            <a:r>
+              <a:rPr lang="nb-NO" baseline="0" dirty="0" smtClean="0"/>
+              <a:t> er Google sin interne database</a:t>
+            </a:r>
+          </a:p>
+          <a:p>
+            <a:pPr marL="342900" lvl="2" indent="-342900">
+              <a:buSzPct val="75000"/>
+              <a:buFont typeface="Arial" charset="0"/>
+              <a:buChar char="•"/>
+            </a:pPr>
+            <a:r>
+              <a:rPr lang="nb-NO" baseline="0" dirty="0" smtClean="0"/>
+              <a:t>Er nå gjort åpen via en tjeneste i Google </a:t>
+            </a:r>
+            <a:r>
+              <a:rPr lang="nb-NO" baseline="0" dirty="0" err="1" smtClean="0"/>
+              <a:t>Cloud</a:t>
+            </a:r>
+            <a:endParaRPr lang="nb-NO" baseline="0" dirty="0" smtClean="0"/>
+          </a:p>
+          <a:p>
+            <a:pPr marL="342900" lvl="2" indent="-342900">
+              <a:buSzPct val="75000"/>
+              <a:buFont typeface="Arial" charset="0"/>
+              <a:buChar char="•"/>
+            </a:pPr>
+            <a:r>
+              <a:rPr lang="nb-NO" baseline="0" dirty="0" smtClean="0"/>
+              <a:t>Lenke til </a:t>
+            </a:r>
+            <a:r>
+              <a:rPr lang="nb-NO" baseline="0" dirty="0" err="1" smtClean="0"/>
+              <a:t>paperet</a:t>
+            </a:r>
+            <a:r>
+              <a:rPr lang="nb-NO" baseline="0" dirty="0" smtClean="0"/>
+              <a:t> som beskriver </a:t>
+            </a:r>
+            <a:r>
+              <a:rPr lang="nb-NO" baseline="0" dirty="0" err="1" smtClean="0"/>
+              <a:t>BigTable</a:t>
+            </a:r>
+            <a:endParaRPr lang="nb-NO" baseline="0" dirty="0" smtClean="0"/>
+          </a:p>
+          <a:p>
+            <a:pPr marL="342900" lvl="2" indent="-342900">
+              <a:buSzPct val="75000"/>
+              <a:buFont typeface="Arial" charset="0"/>
+              <a:buChar char="•"/>
+            </a:pPr>
+            <a:endParaRPr lang="nb-NO" baseline="0" dirty="0" smtClean="0"/>
+          </a:p>
+          <a:p>
+            <a:pPr marL="342900" lvl="2" indent="-342900">
+              <a:buSzPct val="75000"/>
+              <a:buFont typeface="Arial" charset="0"/>
+              <a:buChar char="•"/>
+            </a:pPr>
+            <a:endParaRPr lang="nb-NO" baseline="0" dirty="0" smtClean="0"/>
+          </a:p>
+          <a:p>
+            <a:pPr marL="342900" lvl="2" indent="-342900">
+              <a:buSzPct val="75000"/>
+              <a:buFont typeface="Arial" charset="0"/>
+              <a:buChar char="•"/>
+            </a:pPr>
+            <a:endParaRPr lang="nb-NO" baseline="0" dirty="0" smtClean="0"/>
+          </a:p>
+          <a:p>
+            <a:pPr marL="342900" lvl="2" indent="-342900">
+              <a:buSzPct val="75000"/>
+              <a:buFont typeface="Arial" charset="0"/>
+              <a:buChar char="•"/>
+            </a:pPr>
+            <a:endParaRPr lang="nb-NO" baseline="0" dirty="0" smtClean="0"/>
+          </a:p>
+          <a:p>
+            <a:pPr marL="342900" lvl="2" indent="-342900">
+              <a:buSzPct val="75000"/>
+              <a:buFont typeface="Arial" charset="0"/>
+              <a:buChar char="•"/>
+            </a:pPr>
+            <a:endParaRPr lang="nb-NO" baseline="0" dirty="0" smtClean="0"/>
+          </a:p>
+        </p:txBody>
+      </p:sp>
+    </p:spTree>
+    <p:extLst>
+      <p:ext uri="{BB962C8B-B14F-4D97-AF65-F5344CB8AC3E}">
+        <p14:creationId xmlns:p14="http://schemas.microsoft.com/office/powerpoint/2010/main" val="1444922011"/>
+      </p:ext>
+    </p:extLst>
+  </p:cSld>
+  <p:clrMapOvr>
+    <a:masterClrMapping/>
+  </p:clrMapOvr>
+</p:notes>
+</file>
+
+<file path=ppt/notesSlides/notesSlide11.xml><?xml version="1.0" encoding="utf-8"?>
+<p:notes xmlns:a="http://schemas.openxmlformats.org/drawingml/2006/main" xmlns:r="http://schemas.openxmlformats.org/officeDocument/2006/relationships" xmlns:p="http://schemas.openxmlformats.org/presentationml/2006/main">
+  <p:cSld>
+    <p:spTree>
+      <p:nvGrpSpPr>
+        <p:cNvPr id="1" name=""/>
+        <p:cNvGrpSpPr/>
+        <p:nvPr/>
+      </p:nvGrpSpPr>
+      <p:grpSpPr>
+        <a:xfrm>
+          <a:off x="0" y="0"/>
+          <a:ext cx="0" cy="0"/>
+          <a:chOff x="0" y="0"/>
+          <a:chExt cx="0" cy="0"/>
+        </a:xfrm>
+      </p:grpSpPr>
+      <p:sp>
+        <p:nvSpPr>
+          <p:cNvPr id="121" name="Shape 121"/>
+          <p:cNvSpPr>
+            <a:spLocks noGrp="1" noRot="1" noChangeAspect="1"/>
+          </p:cNvSpPr>
+          <p:nvPr>
+            <p:ph type="sldImg"/>
+          </p:nvPr>
+        </p:nvSpPr>
+        <p:spPr>
+          <a:xfrm>
+            <a:off x="1143000" y="685800"/>
+            <a:ext cx="4572000" cy="3429000"/>
+          </a:xfrm>
+          <a:prstGeom prst="rect">
+            <a:avLst/>
+          </a:prstGeom>
+        </p:spPr>
+        <p:txBody>
+          <a:bodyPr/>
+          <a:lstStyle/>
+          <a:p>
+            <a:endParaRPr/>
+          </a:p>
+        </p:txBody>
+      </p:sp>
+      <p:sp>
+        <p:nvSpPr>
+          <p:cNvPr id="122" name="Shape 122"/>
+          <p:cNvSpPr>
+            <a:spLocks noGrp="1"/>
+          </p:cNvSpPr>
+          <p:nvPr>
+            <p:ph type="body" sz="quarter" idx="1"/>
+          </p:nvPr>
+        </p:nvSpPr>
+        <p:spPr>
+          <a:prstGeom prst="rect">
+            <a:avLst/>
+          </a:prstGeom>
+        </p:spPr>
+        <p:txBody>
+          <a:bodyPr/>
+          <a:lstStyle/>
+          <a:p>
+            <a:pPr marL="342900" lvl="2" indent="-342900">
+              <a:buSzPct val="75000"/>
+              <a:buFont typeface="Arial" charset="0"/>
+              <a:buChar char="•"/>
+            </a:pPr>
+            <a:endParaRPr lang="nb-NO" baseline="0" dirty="0" smtClean="0"/>
+          </a:p>
+        </p:txBody>
+      </p:sp>
+    </p:spTree>
+    <p:extLst>
+      <p:ext uri="{BB962C8B-B14F-4D97-AF65-F5344CB8AC3E}">
+        <p14:creationId xmlns:p14="http://schemas.microsoft.com/office/powerpoint/2010/main" val="1585402007"/>
+      </p:ext>
+    </p:extLst>
+  </p:cSld>
+  <p:clrMapOvr>
+    <a:masterClrMapping/>
+  </p:clrMapOvr>
+</p:notes>
+</file>
+
+<file path=ppt/notesSlides/notesSlide12.xml><?xml version="1.0" encoding="utf-8"?>
+<p:notes xmlns:a="http://schemas.openxmlformats.org/drawingml/2006/main" xmlns:r="http://schemas.openxmlformats.org/officeDocument/2006/relationships" xmlns:p="http://schemas.openxmlformats.org/presentationml/2006/main">
+  <p:cSld>
+    <p:spTree>
+      <p:nvGrpSpPr>
+        <p:cNvPr id="1" name=""/>
+        <p:cNvGrpSpPr/>
+        <p:nvPr/>
+      </p:nvGrpSpPr>
+      <p:grpSpPr>
+        <a:xfrm>
+          <a:off x="0" y="0"/>
+          <a:ext cx="0" cy="0"/>
+          <a:chOff x="0" y="0"/>
+          <a:chExt cx="0" cy="0"/>
+        </a:xfrm>
+      </p:grpSpPr>
+      <p:sp>
+        <p:nvSpPr>
+          <p:cNvPr id="121" name="Shape 121"/>
+          <p:cNvSpPr>
+            <a:spLocks noGrp="1" noRot="1" noChangeAspect="1"/>
+          </p:cNvSpPr>
+          <p:nvPr>
+            <p:ph type="sldImg"/>
+          </p:nvPr>
+        </p:nvSpPr>
+        <p:spPr>
+          <a:xfrm>
+            <a:off x="1143000" y="685800"/>
+            <a:ext cx="4572000" cy="3429000"/>
+          </a:xfrm>
+          <a:prstGeom prst="rect">
+            <a:avLst/>
+          </a:prstGeom>
+        </p:spPr>
+        <p:txBody>
+          <a:bodyPr/>
+          <a:lstStyle/>
+          <a:p>
+            <a:endParaRPr/>
+          </a:p>
+        </p:txBody>
+      </p:sp>
+      <p:sp>
+        <p:nvSpPr>
+          <p:cNvPr id="122" name="Shape 122"/>
+          <p:cNvSpPr>
+            <a:spLocks noGrp="1"/>
+          </p:cNvSpPr>
+          <p:nvPr>
+            <p:ph type="body" sz="quarter" idx="1"/>
+          </p:nvPr>
+        </p:nvSpPr>
+        <p:spPr>
+          <a:prstGeom prst="rect">
+            <a:avLst/>
+          </a:prstGeom>
+        </p:spPr>
+        <p:txBody>
+          <a:bodyPr/>
+          <a:lstStyle/>
+          <a:p>
+            <a:pPr marL="342900" lvl="2" indent="-342900">
+              <a:buSzPct val="75000"/>
+              <a:buFont typeface="Arial" charset="0"/>
+              <a:buChar char="•"/>
+            </a:pPr>
+            <a:endParaRPr lang="nb-NO" baseline="0" dirty="0" smtClean="0"/>
+          </a:p>
+        </p:txBody>
+      </p:sp>
+    </p:spTree>
+    <p:extLst>
+      <p:ext uri="{BB962C8B-B14F-4D97-AF65-F5344CB8AC3E}">
+        <p14:creationId xmlns:p14="http://schemas.microsoft.com/office/powerpoint/2010/main" val="818370576"/>
+      </p:ext>
+    </p:extLst>
+  </p:cSld>
+  <p:clrMapOvr>
+    <a:masterClrMapping/>
+  </p:clrMapOvr>
+</p:notes>
+</file>
+
 <file path=ppt/notesSlides/notesSlide2.xml><?xml version="1.0" encoding="utf-8"?>
 <p:notes xmlns:a="http://schemas.openxmlformats.org/drawingml/2006/main" xmlns:r="http://schemas.openxmlformats.org/officeDocument/2006/relationships" xmlns:p="http://schemas.openxmlformats.org/presentationml/2006/main">
   <p:cSld>
@@ -790,6 +1292,58 @@
               <a:t> stores for Big Data</a:t>
             </a:r>
           </a:p>
+          <a:p>
+            <a:pPr marL="342900" lvl="2" indent="-342900">
+              <a:buSzPct val="75000"/>
+              <a:buFont typeface="Arial" charset="0"/>
+              <a:buChar char="•"/>
+            </a:pPr>
+            <a:r>
+              <a:rPr lang="nb-NO" baseline="0" dirty="0" smtClean="0"/>
+              <a:t>Hva vil det si?</a:t>
+            </a:r>
+          </a:p>
+          <a:p>
+            <a:pPr marL="342900" lvl="2" indent="-342900">
+              <a:buSzPct val="75000"/>
+              <a:buFont typeface="Arial" charset="0"/>
+              <a:buChar char="•"/>
+            </a:pPr>
+            <a:r>
+              <a:rPr lang="nb-NO" baseline="0" dirty="0" smtClean="0"/>
+              <a:t>Hva er Big Data?</a:t>
+            </a:r>
+          </a:p>
+          <a:p>
+            <a:pPr marL="342900" lvl="2" indent="-342900">
+              <a:buSzPct val="75000"/>
+              <a:buFont typeface="Arial" charset="0"/>
+              <a:buChar char="•"/>
+            </a:pPr>
+            <a:r>
+              <a:rPr lang="nb-NO" baseline="0" dirty="0" smtClean="0"/>
+              <a:t>Hva er </a:t>
+            </a:r>
+            <a:r>
+              <a:rPr lang="nb-NO" baseline="0" dirty="0" err="1" smtClean="0"/>
+              <a:t>Column</a:t>
+            </a:r>
+            <a:r>
+              <a:rPr lang="nb-NO" baseline="0" dirty="0" smtClean="0"/>
+              <a:t> Stores?</a:t>
+            </a:r>
+          </a:p>
+          <a:p>
+            <a:pPr marL="342900" lvl="2" indent="-342900">
+              <a:buSzPct val="75000"/>
+              <a:buFont typeface="Arial" charset="0"/>
+              <a:buChar char="•"/>
+            </a:pPr>
+            <a:r>
+              <a:rPr lang="nb-NO" baseline="0" dirty="0" smtClean="0"/>
+              <a:t>....</a:t>
+            </a:r>
+          </a:p>
         </p:txBody>
       </p:sp>
     </p:spTree>
@@ -874,8 +1428,8 @@
               <a:buChar char="•"/>
             </a:pPr>
             <a:r>
-              <a:rPr lang="nb-NO" baseline="0" smtClean="0"/>
-              <a:t>Wide column stores ...</a:t>
+              <a:rPr lang="nb-NO" baseline="0" dirty="0" smtClean="0"/>
+              <a:t>Kort fortalt: Store datamengder</a:t>
             </a:r>
           </a:p>
           <a:p>
@@ -885,8 +1439,8 @@
               <a:buChar char="•"/>
             </a:pPr>
             <a:r>
-              <a:rPr lang="nb-NO" baseline="0" smtClean="0"/>
-              <a:t>Hva er det egentlig?</a:t>
+              <a:rPr lang="nb-NO" baseline="0" dirty="0" smtClean="0"/>
+              <a:t>Et behov for å prosessere disse?</a:t>
             </a:r>
           </a:p>
           <a:p>
@@ -896,8 +1450,30 @@
               <a:buChar char="•"/>
             </a:pPr>
             <a:r>
-              <a:rPr lang="nb-NO" baseline="0" smtClean="0"/>
-              <a:t>Column stores for Big Data</a:t>
+              <a:rPr lang="nb-NO" baseline="0" dirty="0" smtClean="0"/>
+              <a:t>Eksisterende verktøy ikke gode nok</a:t>
+            </a:r>
+          </a:p>
+          <a:p>
+            <a:pPr marL="342900" lvl="2" indent="-342900">
+              <a:buSzPct val="75000"/>
+              <a:buFont typeface="Arial" charset="0"/>
+              <a:buChar char="•"/>
+            </a:pPr>
+            <a:r>
+              <a:rPr lang="nb-NO" baseline="0" dirty="0" smtClean="0"/>
+              <a:t>Real-time, for mye data</a:t>
+            </a:r>
+          </a:p>
+          <a:p>
+            <a:pPr marL="342900" lvl="2" indent="-342900">
+              <a:buSzPct val="75000"/>
+              <a:buFont typeface="Arial" charset="0"/>
+              <a:buChar char="•"/>
+            </a:pPr>
+            <a:r>
+              <a:rPr lang="nb-NO" baseline="0" dirty="0" smtClean="0"/>
+              <a:t>Nye verktøy dukket opp for å håndtere dette</a:t>
             </a:r>
           </a:p>
         </p:txBody>
@@ -906,6 +1482,778 @@
     <p:extLst>
       <p:ext uri="{BB962C8B-B14F-4D97-AF65-F5344CB8AC3E}">
         <p14:creationId xmlns:p14="http://schemas.microsoft.com/office/powerpoint/2010/main" val="1584249613"/>
+      </p:ext>
+    </p:extLst>
+  </p:cSld>
+  <p:clrMapOvr>
+    <a:masterClrMapping/>
+  </p:clrMapOvr>
+</p:notes>
+</file>
+
+<file path=ppt/notesSlides/notesSlide5.xml><?xml version="1.0" encoding="utf-8"?>
+<p:notes xmlns:a="http://schemas.openxmlformats.org/drawingml/2006/main" xmlns:r="http://schemas.openxmlformats.org/officeDocument/2006/relationships" xmlns:p="http://schemas.openxmlformats.org/presentationml/2006/main">
+  <p:cSld>
+    <p:spTree>
+      <p:nvGrpSpPr>
+        <p:cNvPr id="1" name=""/>
+        <p:cNvGrpSpPr/>
+        <p:nvPr/>
+      </p:nvGrpSpPr>
+      <p:grpSpPr>
+        <a:xfrm>
+          <a:off x="0" y="0"/>
+          <a:ext cx="0" cy="0"/>
+          <a:chOff x="0" y="0"/>
+          <a:chExt cx="0" cy="0"/>
+        </a:xfrm>
+      </p:grpSpPr>
+      <p:sp>
+        <p:nvSpPr>
+          <p:cNvPr id="121" name="Shape 121"/>
+          <p:cNvSpPr>
+            <a:spLocks noGrp="1" noRot="1" noChangeAspect="1"/>
+          </p:cNvSpPr>
+          <p:nvPr>
+            <p:ph type="sldImg"/>
+          </p:nvPr>
+        </p:nvSpPr>
+        <p:spPr>
+          <a:xfrm>
+            <a:off x="1143000" y="685800"/>
+            <a:ext cx="4572000" cy="3429000"/>
+          </a:xfrm>
+          <a:prstGeom prst="rect">
+            <a:avLst/>
+          </a:prstGeom>
+        </p:spPr>
+        <p:txBody>
+          <a:bodyPr/>
+          <a:lstStyle/>
+          <a:p>
+            <a:endParaRPr/>
+          </a:p>
+        </p:txBody>
+      </p:sp>
+      <p:sp>
+        <p:nvSpPr>
+          <p:cNvPr id="122" name="Shape 122"/>
+          <p:cNvSpPr>
+            <a:spLocks noGrp="1"/>
+          </p:cNvSpPr>
+          <p:nvPr>
+            <p:ph type="body" sz="quarter" idx="1"/>
+          </p:nvPr>
+        </p:nvSpPr>
+        <p:spPr>
+          <a:prstGeom prst="rect">
+            <a:avLst/>
+          </a:prstGeom>
+        </p:spPr>
+        <p:txBody>
+          <a:bodyPr/>
+          <a:lstStyle/>
+          <a:p>
+            <a:pPr marL="342900" lvl="2" indent="-342900">
+              <a:buSzPct val="75000"/>
+              <a:buFont typeface="Arial" charset="0"/>
+              <a:buChar char="•"/>
+            </a:pPr>
+            <a:r>
+              <a:rPr lang="nb-NO" baseline="0" dirty="0" smtClean="0"/>
+              <a:t>Men hva er </a:t>
+            </a:r>
+            <a:r>
+              <a:rPr lang="nb-NO" baseline="0" dirty="0" err="1" smtClean="0"/>
+              <a:t>Column</a:t>
+            </a:r>
+            <a:r>
+              <a:rPr lang="nb-NO" baseline="0" dirty="0" smtClean="0"/>
+              <a:t> Stores</a:t>
+            </a:r>
+            <a:r>
+              <a:rPr lang="nb-NO" baseline="0" dirty="0" smtClean="0"/>
+              <a:t>?</a:t>
+            </a:r>
+          </a:p>
+        </p:txBody>
+      </p:sp>
+    </p:spTree>
+    <p:extLst>
+      <p:ext uri="{BB962C8B-B14F-4D97-AF65-F5344CB8AC3E}">
+        <p14:creationId xmlns:p14="http://schemas.microsoft.com/office/powerpoint/2010/main" val="1927706905"/>
+      </p:ext>
+    </p:extLst>
+  </p:cSld>
+  <p:clrMapOvr>
+    <a:masterClrMapping/>
+  </p:clrMapOvr>
+</p:notes>
+</file>
+
+<file path=ppt/notesSlides/notesSlide6.xml><?xml version="1.0" encoding="utf-8"?>
+<p:notes xmlns:a="http://schemas.openxmlformats.org/drawingml/2006/main" xmlns:r="http://schemas.openxmlformats.org/officeDocument/2006/relationships" xmlns:p="http://schemas.openxmlformats.org/presentationml/2006/main">
+  <p:cSld>
+    <p:spTree>
+      <p:nvGrpSpPr>
+        <p:cNvPr id="1" name=""/>
+        <p:cNvGrpSpPr/>
+        <p:nvPr/>
+      </p:nvGrpSpPr>
+      <p:grpSpPr>
+        <a:xfrm>
+          <a:off x="0" y="0"/>
+          <a:ext cx="0" cy="0"/>
+          <a:chOff x="0" y="0"/>
+          <a:chExt cx="0" cy="0"/>
+        </a:xfrm>
+      </p:grpSpPr>
+      <p:sp>
+        <p:nvSpPr>
+          <p:cNvPr id="121" name="Shape 121"/>
+          <p:cNvSpPr>
+            <a:spLocks noGrp="1" noRot="1" noChangeAspect="1"/>
+          </p:cNvSpPr>
+          <p:nvPr>
+            <p:ph type="sldImg"/>
+          </p:nvPr>
+        </p:nvSpPr>
+        <p:spPr>
+          <a:xfrm>
+            <a:off x="1143000" y="685800"/>
+            <a:ext cx="4572000" cy="3429000"/>
+          </a:xfrm>
+          <a:prstGeom prst="rect">
+            <a:avLst/>
+          </a:prstGeom>
+        </p:spPr>
+        <p:txBody>
+          <a:bodyPr/>
+          <a:lstStyle/>
+          <a:p>
+            <a:endParaRPr/>
+          </a:p>
+        </p:txBody>
+      </p:sp>
+      <p:sp>
+        <p:nvSpPr>
+          <p:cNvPr id="122" name="Shape 122"/>
+          <p:cNvSpPr>
+            <a:spLocks noGrp="1"/>
+          </p:cNvSpPr>
+          <p:nvPr>
+            <p:ph type="body" sz="quarter" idx="1"/>
+          </p:nvPr>
+        </p:nvSpPr>
+        <p:spPr>
+          <a:prstGeom prst="rect">
+            <a:avLst/>
+          </a:prstGeom>
+        </p:spPr>
+        <p:txBody>
+          <a:bodyPr/>
+          <a:lstStyle/>
+          <a:p>
+            <a:pPr marL="342900" lvl="2" indent="-342900">
+              <a:buSzPct val="75000"/>
+              <a:buFont typeface="Arial" charset="0"/>
+              <a:buChar char="•"/>
+            </a:pPr>
+            <a:r>
+              <a:rPr lang="nb-NO" baseline="0" dirty="0" smtClean="0"/>
+              <a:t>I motsetning til en ”</a:t>
+            </a:r>
+            <a:r>
+              <a:rPr lang="nb-NO" baseline="0" dirty="0" err="1" smtClean="0"/>
+              <a:t>Row</a:t>
+            </a:r>
+            <a:r>
+              <a:rPr lang="nb-NO" baseline="0" dirty="0" smtClean="0"/>
+              <a:t> store”</a:t>
+            </a:r>
+          </a:p>
+          <a:p>
+            <a:pPr marL="342900" lvl="2" indent="-342900">
+              <a:buSzPct val="75000"/>
+              <a:buFont typeface="Arial" charset="0"/>
+              <a:buChar char="•"/>
+            </a:pPr>
+            <a:r>
+              <a:rPr lang="nb-NO" baseline="0" dirty="0" err="1" smtClean="0"/>
+              <a:t>Row</a:t>
+            </a:r>
+            <a:r>
+              <a:rPr lang="nb-NO" baseline="0" dirty="0" smtClean="0"/>
+              <a:t> Store = Lagrer data fra en Rad i databasen sammen &gt; raskere å lese ut en rad</a:t>
+            </a:r>
+          </a:p>
+          <a:p>
+            <a:pPr marL="342900" lvl="2" indent="-342900">
+              <a:buSzPct val="75000"/>
+              <a:buFont typeface="Arial" charset="0"/>
+              <a:buChar char="•"/>
+            </a:pPr>
+            <a:r>
+              <a:rPr lang="nb-NO" baseline="0" dirty="0" err="1" smtClean="0"/>
+              <a:t>Column</a:t>
+            </a:r>
+            <a:r>
+              <a:rPr lang="nb-NO" baseline="0" dirty="0" smtClean="0"/>
+              <a:t> store = Lagrer data fra samme kolonne sammen &gt; raskere å lese ut en kolonne</a:t>
+            </a:r>
+          </a:p>
+          <a:p>
+            <a:pPr marL="342900" lvl="2" indent="-342900">
+              <a:buSzPct val="75000"/>
+              <a:buFont typeface="Arial" charset="0"/>
+              <a:buChar char="•"/>
+            </a:pPr>
+            <a:r>
+              <a:rPr lang="nb-NO" baseline="0" dirty="0" smtClean="0"/>
+              <a:t>En rad blir spredt over flere kolonner</a:t>
+            </a:r>
+          </a:p>
+          <a:p>
+            <a:pPr marL="342900" lvl="2" indent="-342900">
+              <a:buSzPct val="75000"/>
+              <a:buFont typeface="Arial" charset="0"/>
+              <a:buChar char="•"/>
+            </a:pPr>
+            <a:r>
+              <a:rPr lang="nb-NO" baseline="0" dirty="0" err="1" smtClean="0"/>
+              <a:t>Pros</a:t>
+            </a:r>
+            <a:r>
+              <a:rPr lang="nb-NO" baseline="0" dirty="0" smtClean="0"/>
+              <a:t> and </a:t>
+            </a:r>
+            <a:r>
+              <a:rPr lang="nb-NO" baseline="0" dirty="0" err="1" smtClean="0"/>
+              <a:t>cons</a:t>
+            </a:r>
+            <a:r>
+              <a:rPr lang="nb-NO" baseline="0" dirty="0" smtClean="0"/>
+              <a:t> med begge løsningene</a:t>
+            </a:r>
+          </a:p>
+          <a:p>
+            <a:pPr marL="342900" lvl="2" indent="-342900">
+              <a:buSzPct val="75000"/>
+              <a:buFont typeface="Arial" charset="0"/>
+              <a:buChar char="•"/>
+            </a:pPr>
+            <a:r>
+              <a:rPr lang="nb-NO" baseline="0" dirty="0" smtClean="0"/>
+              <a:t>Ulike bruksområder</a:t>
+            </a:r>
+            <a:endParaRPr lang="nb-NO" baseline="0" dirty="0" smtClean="0"/>
+          </a:p>
+        </p:txBody>
+      </p:sp>
+    </p:spTree>
+    <p:extLst>
+      <p:ext uri="{BB962C8B-B14F-4D97-AF65-F5344CB8AC3E}">
+        <p14:creationId xmlns:p14="http://schemas.microsoft.com/office/powerpoint/2010/main" val="361302417"/>
+      </p:ext>
+    </p:extLst>
+  </p:cSld>
+  <p:clrMapOvr>
+    <a:masterClrMapping/>
+  </p:clrMapOvr>
+</p:notes>
+</file>
+
+<file path=ppt/notesSlides/notesSlide7.xml><?xml version="1.0" encoding="utf-8"?>
+<p:notes xmlns:a="http://schemas.openxmlformats.org/drawingml/2006/main" xmlns:r="http://schemas.openxmlformats.org/officeDocument/2006/relationships" xmlns:p="http://schemas.openxmlformats.org/presentationml/2006/main">
+  <p:cSld>
+    <p:spTree>
+      <p:nvGrpSpPr>
+        <p:cNvPr id="1" name=""/>
+        <p:cNvGrpSpPr/>
+        <p:nvPr/>
+      </p:nvGrpSpPr>
+      <p:grpSpPr>
+        <a:xfrm>
+          <a:off x="0" y="0"/>
+          <a:ext cx="0" cy="0"/>
+          <a:chOff x="0" y="0"/>
+          <a:chExt cx="0" cy="0"/>
+        </a:xfrm>
+      </p:grpSpPr>
+      <p:sp>
+        <p:nvSpPr>
+          <p:cNvPr id="121" name="Shape 121"/>
+          <p:cNvSpPr>
+            <a:spLocks noGrp="1" noRot="1" noChangeAspect="1"/>
+          </p:cNvSpPr>
+          <p:nvPr>
+            <p:ph type="sldImg"/>
+          </p:nvPr>
+        </p:nvSpPr>
+        <p:spPr>
+          <a:xfrm>
+            <a:off x="1143000" y="685800"/>
+            <a:ext cx="4572000" cy="3429000"/>
+          </a:xfrm>
+          <a:prstGeom prst="rect">
+            <a:avLst/>
+          </a:prstGeom>
+        </p:spPr>
+        <p:txBody>
+          <a:bodyPr/>
+          <a:lstStyle/>
+          <a:p>
+            <a:endParaRPr/>
+          </a:p>
+        </p:txBody>
+      </p:sp>
+      <p:sp>
+        <p:nvSpPr>
+          <p:cNvPr id="122" name="Shape 122"/>
+          <p:cNvSpPr>
+            <a:spLocks noGrp="1"/>
+          </p:cNvSpPr>
+          <p:nvPr>
+            <p:ph type="body" sz="quarter" idx="1"/>
+          </p:nvPr>
+        </p:nvSpPr>
+        <p:spPr>
+          <a:prstGeom prst="rect">
+            <a:avLst/>
+          </a:prstGeom>
+        </p:spPr>
+        <p:txBody>
+          <a:bodyPr/>
+          <a:lstStyle/>
+          <a:p>
+            <a:pPr marL="342900" lvl="2" indent="-342900">
+              <a:buSzPct val="75000"/>
+              <a:buFont typeface="Arial" charset="0"/>
+              <a:buChar char="•"/>
+            </a:pPr>
+            <a:r>
+              <a:rPr lang="nb-NO" baseline="0" dirty="0" smtClean="0"/>
+              <a:t>Tenk denne tabellen</a:t>
+            </a:r>
+          </a:p>
+          <a:p>
+            <a:pPr marL="342900" lvl="2" indent="-342900">
+              <a:buSzPct val="75000"/>
+              <a:buFont typeface="Arial" charset="0"/>
+              <a:buChar char="•"/>
+            </a:pPr>
+            <a:endParaRPr lang="nb-NO" baseline="0" dirty="0" smtClean="0"/>
+          </a:p>
+          <a:p>
+            <a:pPr marL="342900" lvl="2" indent="-342900">
+              <a:buSzPct val="75000"/>
+              <a:buFont typeface="Arial" charset="0"/>
+              <a:buChar char="•"/>
+            </a:pPr>
+            <a:r>
+              <a:rPr lang="nb-NO" baseline="0" dirty="0" err="1" smtClean="0"/>
+              <a:t>Row</a:t>
+            </a:r>
+            <a:r>
+              <a:rPr lang="nb-NO" baseline="0" dirty="0" smtClean="0"/>
+              <a:t> Store:</a:t>
+            </a:r>
+          </a:p>
+          <a:p>
+            <a:pPr marL="342900" lvl="3" indent="-342900">
+              <a:buSzPct val="75000"/>
+              <a:buFont typeface="Arial" charset="0"/>
+              <a:buChar char="•"/>
+            </a:pPr>
+            <a:r>
+              <a:rPr lang="nb-NO" baseline="0" dirty="0" smtClean="0"/>
+              <a:t>Hver rad lagres sammen/</a:t>
+            </a:r>
+            <a:r>
+              <a:rPr lang="nb-NO" baseline="0" dirty="0" err="1" smtClean="0"/>
+              <a:t>etterhverandre</a:t>
+            </a:r>
+            <a:endParaRPr lang="nb-NO" baseline="0" dirty="0" smtClean="0"/>
+          </a:p>
+          <a:p>
+            <a:pPr marL="342900" lvl="3" indent="-342900">
+              <a:buSzPct val="75000"/>
+              <a:buFont typeface="Arial" charset="0"/>
+              <a:buChar char="•"/>
+            </a:pPr>
+            <a:r>
+              <a:rPr lang="nb-NO" baseline="0" dirty="0" smtClean="0"/>
+              <a:t>Raskt å hente ut en rad, bare å lese bortover på disk</a:t>
+            </a:r>
+          </a:p>
+          <a:p>
+            <a:pPr marL="342900" lvl="3" indent="-342900">
+              <a:buSzPct val="75000"/>
+              <a:buFont typeface="Arial" charset="0"/>
+              <a:buChar char="•"/>
+            </a:pPr>
+            <a:r>
+              <a:rPr lang="nb-NO" baseline="0" dirty="0" smtClean="0"/>
+              <a:t>Tregt å hente ut kun en kolonne. Må lese alle rader og forkaste alt annet</a:t>
+            </a:r>
+          </a:p>
+          <a:p>
+            <a:pPr marL="342900" lvl="3" indent="-342900">
+              <a:buSzPct val="75000"/>
+              <a:buFont typeface="Arial" charset="0"/>
+              <a:buChar char="•"/>
+            </a:pPr>
+            <a:endParaRPr lang="nb-NO" baseline="0" dirty="0" smtClean="0"/>
+          </a:p>
+          <a:p>
+            <a:pPr marL="342900" lvl="3" indent="-342900">
+              <a:buSzPct val="75000"/>
+              <a:buFont typeface="Arial" charset="0"/>
+              <a:buChar char="•"/>
+            </a:pPr>
+            <a:r>
+              <a:rPr lang="nb-NO" baseline="0" dirty="0" err="1" smtClean="0"/>
+              <a:t>Column</a:t>
+            </a:r>
+            <a:r>
+              <a:rPr lang="nb-NO" baseline="0" dirty="0" smtClean="0"/>
+              <a:t> Store:</a:t>
+            </a:r>
+          </a:p>
+          <a:p>
+            <a:pPr marL="342900" lvl="3" indent="-342900">
+              <a:buSzPct val="75000"/>
+              <a:buFont typeface="Arial" charset="0"/>
+              <a:buChar char="•"/>
+            </a:pPr>
+            <a:r>
+              <a:rPr lang="nb-NO" baseline="0" dirty="0" smtClean="0"/>
+              <a:t>Hver kolonne lagres sammen/</a:t>
+            </a:r>
+            <a:r>
+              <a:rPr lang="nb-NO" baseline="0" dirty="0" err="1" smtClean="0"/>
+              <a:t>etterhverandre</a:t>
+            </a:r>
+            <a:endParaRPr lang="nb-NO" baseline="0" dirty="0" smtClean="0"/>
+          </a:p>
+          <a:p>
+            <a:pPr marL="342900" lvl="3" indent="-342900">
+              <a:buSzPct val="75000"/>
+              <a:buFont typeface="Arial" charset="0"/>
+              <a:buChar char="•"/>
+            </a:pPr>
+            <a:r>
+              <a:rPr lang="nb-NO" baseline="0" dirty="0" smtClean="0"/>
+              <a:t>Raskt å hente ut en kolonne</a:t>
+            </a:r>
+          </a:p>
+          <a:p>
+            <a:pPr marL="342900" lvl="3" indent="-342900">
+              <a:buSzPct val="75000"/>
+              <a:buFont typeface="Arial" charset="0"/>
+              <a:buChar char="•"/>
+            </a:pPr>
+            <a:r>
+              <a:rPr lang="nb-NO" baseline="0" dirty="0" smtClean="0"/>
+              <a:t>For å hente en rad må man lete igjennom alle ”kolonne-filene” på disk &gt; tungt</a:t>
+            </a:r>
+          </a:p>
+        </p:txBody>
+      </p:sp>
+    </p:spTree>
+    <p:extLst>
+      <p:ext uri="{BB962C8B-B14F-4D97-AF65-F5344CB8AC3E}">
+        <p14:creationId xmlns:p14="http://schemas.microsoft.com/office/powerpoint/2010/main" val="77435689"/>
+      </p:ext>
+    </p:extLst>
+  </p:cSld>
+  <p:clrMapOvr>
+    <a:masterClrMapping/>
+  </p:clrMapOvr>
+</p:notes>
+</file>
+
+<file path=ppt/notesSlides/notesSlide8.xml><?xml version="1.0" encoding="utf-8"?>
+<p:notes xmlns:a="http://schemas.openxmlformats.org/drawingml/2006/main" xmlns:r="http://schemas.openxmlformats.org/officeDocument/2006/relationships" xmlns:p="http://schemas.openxmlformats.org/presentationml/2006/main">
+  <p:cSld>
+    <p:spTree>
+      <p:nvGrpSpPr>
+        <p:cNvPr id="1" name=""/>
+        <p:cNvGrpSpPr/>
+        <p:nvPr/>
+      </p:nvGrpSpPr>
+      <p:grpSpPr>
+        <a:xfrm>
+          <a:off x="0" y="0"/>
+          <a:ext cx="0" cy="0"/>
+          <a:chOff x="0" y="0"/>
+          <a:chExt cx="0" cy="0"/>
+        </a:xfrm>
+      </p:grpSpPr>
+      <p:sp>
+        <p:nvSpPr>
+          <p:cNvPr id="121" name="Shape 121"/>
+          <p:cNvSpPr>
+            <a:spLocks noGrp="1" noRot="1" noChangeAspect="1"/>
+          </p:cNvSpPr>
+          <p:nvPr>
+            <p:ph type="sldImg"/>
+          </p:nvPr>
+        </p:nvSpPr>
+        <p:spPr>
+          <a:xfrm>
+            <a:off x="1143000" y="685800"/>
+            <a:ext cx="4572000" cy="3429000"/>
+          </a:xfrm>
+          <a:prstGeom prst="rect">
+            <a:avLst/>
+          </a:prstGeom>
+        </p:spPr>
+        <p:txBody>
+          <a:bodyPr/>
+          <a:lstStyle/>
+          <a:p>
+            <a:endParaRPr/>
+          </a:p>
+        </p:txBody>
+      </p:sp>
+      <p:sp>
+        <p:nvSpPr>
+          <p:cNvPr id="122" name="Shape 122"/>
+          <p:cNvSpPr>
+            <a:spLocks noGrp="1"/>
+          </p:cNvSpPr>
+          <p:nvPr>
+            <p:ph type="body" sz="quarter" idx="1"/>
+          </p:nvPr>
+        </p:nvSpPr>
+        <p:spPr>
+          <a:prstGeom prst="rect">
+            <a:avLst/>
+          </a:prstGeom>
+        </p:spPr>
+        <p:txBody>
+          <a:bodyPr/>
+          <a:lstStyle/>
+          <a:p>
+            <a:pPr marL="342900" lvl="2" indent="-342900">
+              <a:buSzPct val="75000"/>
+              <a:buFont typeface="Arial" charset="0"/>
+              <a:buChar char="•"/>
+            </a:pPr>
+            <a:r>
+              <a:rPr lang="nb-NO" baseline="0" dirty="0" smtClean="0"/>
+              <a:t>En form for </a:t>
+            </a:r>
+            <a:r>
+              <a:rPr lang="nb-NO" baseline="0" dirty="0" err="1" smtClean="0"/>
+              <a:t>Column</a:t>
+            </a:r>
+            <a:r>
+              <a:rPr lang="nb-NO" baseline="0" dirty="0" smtClean="0"/>
+              <a:t> Stores</a:t>
+            </a:r>
+          </a:p>
+          <a:p>
+            <a:pPr marL="342900" lvl="2" indent="-342900">
+              <a:buSzPct val="75000"/>
+              <a:buFont typeface="Arial" charset="0"/>
+              <a:buChar char="•"/>
+            </a:pPr>
+            <a:r>
+              <a:rPr lang="nb-NO" baseline="0" dirty="0" smtClean="0"/>
+              <a:t>En ”bred” </a:t>
+            </a:r>
+            <a:r>
+              <a:rPr lang="nb-NO" baseline="0" dirty="0" err="1" smtClean="0"/>
+              <a:t>column</a:t>
+            </a:r>
+            <a:r>
+              <a:rPr lang="nb-NO" baseline="0" dirty="0" smtClean="0"/>
+              <a:t> Store</a:t>
+            </a:r>
+          </a:p>
+          <a:p>
+            <a:pPr marL="342900" lvl="2" indent="-342900">
+              <a:buSzPct val="75000"/>
+              <a:buFont typeface="Arial" charset="0"/>
+              <a:buChar char="•"/>
+            </a:pPr>
+            <a:r>
+              <a:rPr lang="nb-NO" baseline="0" dirty="0" smtClean="0"/>
+              <a:t>En </a:t>
+            </a:r>
+            <a:r>
+              <a:rPr lang="nb-NO" baseline="0" dirty="0" err="1" smtClean="0"/>
+              <a:t>Column</a:t>
+            </a:r>
+            <a:r>
+              <a:rPr lang="nb-NO" baseline="0" dirty="0" smtClean="0"/>
+              <a:t> Store ment for Big Data/Store Datamengder</a:t>
+            </a:r>
+          </a:p>
+          <a:p>
+            <a:pPr marL="342900" lvl="2" indent="-342900">
+              <a:buSzPct val="75000"/>
+              <a:buFont typeface="Arial" charset="0"/>
+              <a:buChar char="•"/>
+            </a:pPr>
+            <a:endParaRPr lang="nb-NO" baseline="0" dirty="0" smtClean="0"/>
+          </a:p>
+        </p:txBody>
+      </p:sp>
+    </p:spTree>
+    <p:extLst>
+      <p:ext uri="{BB962C8B-B14F-4D97-AF65-F5344CB8AC3E}">
+        <p14:creationId xmlns:p14="http://schemas.microsoft.com/office/powerpoint/2010/main" val="295413480"/>
+      </p:ext>
+    </p:extLst>
+  </p:cSld>
+  <p:clrMapOvr>
+    <a:masterClrMapping/>
+  </p:clrMapOvr>
+</p:notes>
+</file>
+
+<file path=ppt/notesSlides/notesSlide9.xml><?xml version="1.0" encoding="utf-8"?>
+<p:notes xmlns:a="http://schemas.openxmlformats.org/drawingml/2006/main" xmlns:r="http://schemas.openxmlformats.org/officeDocument/2006/relationships" xmlns:p="http://schemas.openxmlformats.org/presentationml/2006/main">
+  <p:cSld>
+    <p:spTree>
+      <p:nvGrpSpPr>
+        <p:cNvPr id="1" name=""/>
+        <p:cNvGrpSpPr/>
+        <p:nvPr/>
+      </p:nvGrpSpPr>
+      <p:grpSpPr>
+        <a:xfrm>
+          <a:off x="0" y="0"/>
+          <a:ext cx="0" cy="0"/>
+          <a:chOff x="0" y="0"/>
+          <a:chExt cx="0" cy="0"/>
+        </a:xfrm>
+      </p:grpSpPr>
+      <p:sp>
+        <p:nvSpPr>
+          <p:cNvPr id="121" name="Shape 121"/>
+          <p:cNvSpPr>
+            <a:spLocks noGrp="1" noRot="1" noChangeAspect="1"/>
+          </p:cNvSpPr>
+          <p:nvPr>
+            <p:ph type="sldImg"/>
+          </p:nvPr>
+        </p:nvSpPr>
+        <p:spPr>
+          <a:xfrm>
+            <a:off x="1143000" y="685800"/>
+            <a:ext cx="4572000" cy="3429000"/>
+          </a:xfrm>
+          <a:prstGeom prst="rect">
+            <a:avLst/>
+          </a:prstGeom>
+        </p:spPr>
+        <p:txBody>
+          <a:bodyPr/>
+          <a:lstStyle/>
+          <a:p>
+            <a:endParaRPr/>
+          </a:p>
+        </p:txBody>
+      </p:sp>
+      <p:sp>
+        <p:nvSpPr>
+          <p:cNvPr id="122" name="Shape 122"/>
+          <p:cNvSpPr>
+            <a:spLocks noGrp="1"/>
+          </p:cNvSpPr>
+          <p:nvPr>
+            <p:ph type="body" sz="quarter" idx="1"/>
+          </p:nvPr>
+        </p:nvSpPr>
+        <p:spPr>
+          <a:prstGeom prst="rect">
+            <a:avLst/>
+          </a:prstGeom>
+        </p:spPr>
+        <p:txBody>
+          <a:bodyPr/>
+          <a:lstStyle/>
+          <a:p>
+            <a:pPr marL="342900" lvl="2" indent="-342900">
+              <a:buSzPct val="75000"/>
+              <a:buFont typeface="Arial" charset="0"/>
+              <a:buChar char="•"/>
+            </a:pPr>
+            <a:r>
+              <a:rPr lang="nb-NO" baseline="0" dirty="0" smtClean="0"/>
+              <a:t>Big Data = Store datamengder</a:t>
+            </a:r>
+          </a:p>
+          <a:p>
+            <a:pPr marL="342900" lvl="2" indent="-342900">
+              <a:buSzPct val="75000"/>
+              <a:buFont typeface="Arial" charset="0"/>
+              <a:buChar char="•"/>
+            </a:pPr>
+            <a:r>
+              <a:rPr lang="nb-NO" baseline="0" dirty="0" smtClean="0"/>
+              <a:t>Fått navnet </a:t>
+            </a:r>
+            <a:r>
+              <a:rPr lang="nb-NO" baseline="0" dirty="0" err="1" smtClean="0"/>
+              <a:t>pga</a:t>
+            </a:r>
+            <a:r>
+              <a:rPr lang="nb-NO" baseline="0" dirty="0" smtClean="0"/>
+              <a:t> flere MRD kolonner pr rad</a:t>
+            </a:r>
+          </a:p>
+          <a:p>
+            <a:pPr marL="342900" lvl="2" indent="-342900">
+              <a:buSzPct val="75000"/>
+              <a:buFont typeface="Arial" charset="0"/>
+              <a:buChar char="•"/>
+            </a:pPr>
+            <a:r>
+              <a:rPr lang="nb-NO" baseline="0" dirty="0" smtClean="0"/>
+              <a:t>Ikke ”statiske” kolonner som du definerer i et skjema.</a:t>
+            </a:r>
+          </a:p>
+          <a:p>
+            <a:pPr marL="342900" lvl="2" indent="-342900">
+              <a:buSzPct val="75000"/>
+              <a:buFont typeface="Arial" charset="0"/>
+              <a:buChar char="•"/>
+            </a:pPr>
+            <a:r>
+              <a:rPr lang="nb-NO" baseline="0" dirty="0" smtClean="0"/>
+              <a:t>Kommer tilbake til hvordan det er i praksis.</a:t>
+            </a:r>
+          </a:p>
+          <a:p>
+            <a:pPr marL="342900" lvl="2" indent="-342900">
+              <a:buSzPct val="75000"/>
+              <a:buFont typeface="Arial" charset="0"/>
+              <a:buChar char="•"/>
+            </a:pPr>
+            <a:r>
+              <a:rPr lang="nb-NO" baseline="0" dirty="0" smtClean="0"/>
+              <a:t>Flere implementasjoner. De tre mest kjente er</a:t>
+            </a:r>
+          </a:p>
+          <a:p>
+            <a:pPr marL="342900" lvl="2" indent="-342900">
+              <a:buSzPct val="75000"/>
+              <a:buFont typeface="Arial" charset="0"/>
+              <a:buChar char="•"/>
+            </a:pPr>
+            <a:endParaRPr lang="nb-NO" baseline="0" dirty="0" smtClean="0"/>
+          </a:p>
+        </p:txBody>
+      </p:sp>
+    </p:spTree>
+    <p:extLst>
+      <p:ext uri="{BB962C8B-B14F-4D97-AF65-F5344CB8AC3E}">
+        <p14:creationId xmlns:p14="http://schemas.microsoft.com/office/powerpoint/2010/main" val="2062417424"/>
       </p:ext>
     </p:extLst>
   </p:cSld>
@@ -3443,8 +4791,8 @@
         </p:nvSpPr>
         <p:spPr>
           <a:xfrm>
-            <a:off x="0" y="4386333"/>
-            <a:ext cx="17582147" cy="5376471"/>
+            <a:off x="585216" y="4386333"/>
+            <a:ext cx="16996931" cy="5376471"/>
           </a:xfrm>
           <a:prstGeom prst="rect">
             <a:avLst/>
@@ -3472,22 +4820,42 @@
               </a:defRPr>
             </a:pPr>
             <a:r>
-              <a:rPr lang="nb-NO" sz="17000" dirty="0">
+              <a:rPr lang="nb-NO" sz="17000" dirty="0" smtClean="0">
+                <a:solidFill>
+                  <a:srgbClr val="17BDB4"/>
+                </a:solidFill>
                 <a:latin typeface="Calibri" charset="0"/>
                 <a:ea typeface="Calibri" charset="0"/>
                 <a:cs typeface="Calibri" charset="0"/>
               </a:rPr>
-              <a:t>WIDE COLUMN </a:t>
-            </a:r>
-            <a:r>
-              <a:rPr lang="nb-NO" sz="17000" dirty="0" smtClean="0">
+              <a:t>WIDE </a:t>
+            </a:r>
+            <a:r>
+              <a:rPr lang="nb-NO" sz="17000" dirty="0">
+                <a:solidFill>
+                  <a:srgbClr val="17BDB4"/>
+                </a:solidFill>
                 <a:latin typeface="Calibri" charset="0"/>
                 <a:ea typeface="Calibri" charset="0"/>
                 <a:cs typeface="Calibri" charset="0"/>
               </a:rPr>
+              <a:t>COLUMN </a:t>
+            </a:r>
+            <a:r>
+              <a:rPr lang="nb-NO" sz="17000" dirty="0" smtClean="0">
+                <a:solidFill>
+                  <a:srgbClr val="17BDB4"/>
+                </a:solidFill>
+                <a:latin typeface="Calibri" charset="0"/>
+                <a:ea typeface="Calibri" charset="0"/>
+                <a:cs typeface="Calibri" charset="0"/>
+              </a:rPr>
               <a:t>STORES</a:t>
             </a:r>
             <a:endParaRPr lang="nb-NO" sz="17000" dirty="0">
+              <a:solidFill>
+                <a:srgbClr val="17BDB4"/>
+              </a:solidFill>
               <a:latin typeface="Calibri" charset="0"/>
               <a:ea typeface="Calibri" charset="0"/>
               <a:cs typeface="Calibri" charset="0"/>
@@ -3571,6 +4939,1587 @@
     <a:masterClrMapping/>
   </p:clrMapOvr>
   <p:transition spd="med"/>
+</p:sld>
+</file>
+
+<file path=ppt/slides/slide10.xml><?xml version="1.0" encoding="utf-8"?>
+<p:sld xmlns:a="http://schemas.openxmlformats.org/drawingml/2006/main" xmlns:r="http://schemas.openxmlformats.org/officeDocument/2006/relationships" xmlns:p="http://schemas.openxmlformats.org/presentationml/2006/main">
+  <p:cSld>
+    <p:bg>
+      <p:bgPr>
+        <a:solidFill>
+          <a:schemeClr val="tx1"/>
+        </a:solidFill>
+        <a:effectLst/>
+      </p:bgPr>
+    </p:bg>
+    <p:spTree>
+      <p:nvGrpSpPr>
+        <p:cNvPr id="1" name=""/>
+        <p:cNvGrpSpPr/>
+        <p:nvPr/>
+      </p:nvGrpSpPr>
+      <p:grpSpPr>
+        <a:xfrm>
+          <a:off x="0" y="0"/>
+          <a:ext cx="0" cy="0"/>
+          <a:chOff x="0" y="0"/>
+          <a:chExt cx="0" cy="0"/>
+        </a:xfrm>
+      </p:grpSpPr>
+      <p:sp>
+        <p:nvSpPr>
+          <p:cNvPr id="5" name="Rectangle 4"/>
+          <p:cNvSpPr/>
+          <p:nvPr/>
+        </p:nvSpPr>
+        <p:spPr>
+          <a:xfrm>
+            <a:off x="8485632" y="12331027"/>
+            <a:ext cx="9180576" cy="1015663"/>
+          </a:xfrm>
+          <a:prstGeom prst="rect">
+            <a:avLst/>
+          </a:prstGeom>
+        </p:spPr>
+        <p:txBody>
+          <a:bodyPr wrap="square">
+            <a:spAutoFit/>
+          </a:bodyPr>
+          <a:lstStyle/>
+          <a:p>
+            <a:pPr algn="l"/>
+            <a:r>
+              <a:rPr lang="en-US" sz="2000" dirty="0">
+                <a:solidFill>
+                  <a:schemeClr val="bg2">
+                    <a:lumMod val="50000"/>
+                  </a:schemeClr>
+                </a:solidFill>
+                <a:latin typeface="Consolas" charset="0"/>
+                <a:ea typeface="Consolas" charset="0"/>
+                <a:cs typeface="Consolas" charset="0"/>
+              </a:rPr>
+              <a:t>https://</a:t>
+            </a:r>
+            <a:r>
+              <a:rPr lang="en-US" sz="2000" dirty="0" err="1">
+                <a:solidFill>
+                  <a:schemeClr val="bg2">
+                    <a:lumMod val="50000"/>
+                  </a:schemeClr>
+                </a:solidFill>
+                <a:latin typeface="Consolas" charset="0"/>
+                <a:ea typeface="Consolas" charset="0"/>
+                <a:cs typeface="Consolas" charset="0"/>
+              </a:rPr>
+              <a:t>hbase.apache.org</a:t>
+            </a:r>
+            <a:r>
+              <a:rPr lang="en-US" sz="2000" dirty="0">
+                <a:solidFill>
+                  <a:schemeClr val="bg2">
+                    <a:lumMod val="50000"/>
+                  </a:schemeClr>
+                </a:solidFill>
+                <a:latin typeface="Consolas" charset="0"/>
+                <a:ea typeface="Consolas" charset="0"/>
+                <a:cs typeface="Consolas" charset="0"/>
+              </a:rPr>
+              <a:t>/images/</a:t>
+            </a:r>
+            <a:r>
+              <a:rPr lang="en-US" sz="2000" dirty="0" err="1">
+                <a:solidFill>
+                  <a:schemeClr val="bg2">
+                    <a:lumMod val="50000"/>
+                  </a:schemeClr>
+                </a:solidFill>
+                <a:latin typeface="Consolas" charset="0"/>
+                <a:ea typeface="Consolas" charset="0"/>
+                <a:cs typeface="Consolas" charset="0"/>
+              </a:rPr>
+              <a:t>hbase_logo_with_orca_large.png</a:t>
+            </a:r>
+            <a:r>
+              <a:rPr lang="en-US" sz="2000" dirty="0">
+                <a:solidFill>
+                  <a:schemeClr val="bg2">
+                    <a:lumMod val="50000"/>
+                  </a:schemeClr>
+                </a:solidFill>
+                <a:latin typeface="Consolas" charset="0"/>
+                <a:ea typeface="Consolas" charset="0"/>
+                <a:cs typeface="Consolas" charset="0"/>
+              </a:rPr>
+              <a:t/>
+            </a:r>
+            <a:br>
+              <a:rPr lang="en-US" sz="2000" dirty="0">
+                <a:solidFill>
+                  <a:schemeClr val="bg2">
+                    <a:lumMod val="50000"/>
+                  </a:schemeClr>
+                </a:solidFill>
+                <a:latin typeface="Consolas" charset="0"/>
+                <a:ea typeface="Consolas" charset="0"/>
+                <a:cs typeface="Consolas" charset="0"/>
+              </a:rPr>
+            </a:br>
+            <a:r>
+              <a:rPr lang="en-US" sz="2000" dirty="0">
+                <a:solidFill>
+                  <a:schemeClr val="bg2">
+                    <a:lumMod val="50000"/>
+                  </a:schemeClr>
+                </a:solidFill>
+                <a:latin typeface="Consolas" charset="0"/>
+                <a:ea typeface="Consolas" charset="0"/>
+                <a:cs typeface="Consolas" charset="0"/>
+              </a:rPr>
+              <a:t>https://</a:t>
+            </a:r>
+            <a:r>
+              <a:rPr lang="en-US" sz="2000" dirty="0" err="1" smtClean="0">
+                <a:solidFill>
+                  <a:schemeClr val="bg2">
+                    <a:lumMod val="50000"/>
+                  </a:schemeClr>
+                </a:solidFill>
+                <a:latin typeface="Consolas" charset="0"/>
+                <a:ea typeface="Consolas" charset="0"/>
+                <a:cs typeface="Consolas" charset="0"/>
+              </a:rPr>
+              <a:t>accumulo.apache.org</a:t>
+            </a:r>
+            <a:r>
+              <a:rPr lang="en-US" sz="2000" dirty="0" smtClean="0">
+                <a:solidFill>
+                  <a:schemeClr val="bg2">
+                    <a:lumMod val="50000"/>
+                  </a:schemeClr>
+                </a:solidFill>
+                <a:latin typeface="Consolas" charset="0"/>
+                <a:ea typeface="Consolas" charset="0"/>
+                <a:cs typeface="Consolas" charset="0"/>
+              </a:rPr>
+              <a:t>/images/</a:t>
+            </a:r>
+            <a:r>
+              <a:rPr lang="en-US" sz="2000" dirty="0" err="1" smtClean="0">
+                <a:solidFill>
+                  <a:schemeClr val="bg2">
+                    <a:lumMod val="50000"/>
+                  </a:schemeClr>
+                </a:solidFill>
+                <a:latin typeface="Consolas" charset="0"/>
+                <a:ea typeface="Consolas" charset="0"/>
+                <a:cs typeface="Consolas" charset="0"/>
+              </a:rPr>
+              <a:t>accumulo-logo.png</a:t>
+            </a:r>
+            <a:endParaRPr lang="en-US" sz="2000" dirty="0" smtClean="0">
+              <a:solidFill>
+                <a:schemeClr val="bg2">
+                  <a:lumMod val="50000"/>
+                </a:schemeClr>
+              </a:solidFill>
+              <a:latin typeface="Consolas" charset="0"/>
+              <a:ea typeface="Consolas" charset="0"/>
+              <a:cs typeface="Consolas" charset="0"/>
+            </a:endParaRPr>
+          </a:p>
+          <a:p>
+            <a:pPr algn="l"/>
+            <a:r>
+              <a:rPr lang="en-US" sz="2000" dirty="0">
+                <a:solidFill>
+                  <a:schemeClr val="bg2">
+                    <a:lumMod val="50000"/>
+                  </a:schemeClr>
+                </a:solidFill>
+                <a:latin typeface="Consolas" charset="0"/>
+                <a:ea typeface="Consolas" charset="0"/>
+                <a:cs typeface="Consolas" charset="0"/>
+              </a:rPr>
+              <a:t>http://</a:t>
+            </a:r>
+            <a:r>
+              <a:rPr lang="en-US" sz="2000" dirty="0" err="1">
+                <a:solidFill>
+                  <a:schemeClr val="bg2">
+                    <a:lumMod val="50000"/>
+                  </a:schemeClr>
+                </a:solidFill>
+                <a:latin typeface="Consolas" charset="0"/>
+                <a:ea typeface="Consolas" charset="0"/>
+                <a:cs typeface="Consolas" charset="0"/>
+              </a:rPr>
+              <a:t>cassandra.apache.org</a:t>
+            </a:r>
+            <a:r>
+              <a:rPr lang="en-US" sz="2000" dirty="0">
+                <a:solidFill>
+                  <a:schemeClr val="bg2">
+                    <a:lumMod val="50000"/>
+                  </a:schemeClr>
+                </a:solidFill>
+                <a:latin typeface="Consolas" charset="0"/>
+                <a:ea typeface="Consolas" charset="0"/>
+                <a:cs typeface="Consolas" charset="0"/>
+              </a:rPr>
+              <a:t>/media/</a:t>
+            </a:r>
+            <a:r>
+              <a:rPr lang="en-US" sz="2000" dirty="0" err="1">
+                <a:solidFill>
+                  <a:schemeClr val="bg2">
+                    <a:lumMod val="50000"/>
+                  </a:schemeClr>
+                </a:solidFill>
+                <a:latin typeface="Consolas" charset="0"/>
+                <a:ea typeface="Consolas" charset="0"/>
+                <a:cs typeface="Consolas" charset="0"/>
+              </a:rPr>
+              <a:t>img</a:t>
+            </a:r>
+            <a:r>
+              <a:rPr lang="en-US" sz="2000" dirty="0">
+                <a:solidFill>
+                  <a:schemeClr val="bg2">
+                    <a:lumMod val="50000"/>
+                  </a:schemeClr>
+                </a:solidFill>
+                <a:latin typeface="Consolas" charset="0"/>
+                <a:ea typeface="Consolas" charset="0"/>
+                <a:cs typeface="Consolas" charset="0"/>
+              </a:rPr>
+              <a:t>/</a:t>
+            </a:r>
+            <a:r>
+              <a:rPr lang="en-US" sz="2000" dirty="0" err="1">
+                <a:solidFill>
+                  <a:schemeClr val="bg2">
+                    <a:lumMod val="50000"/>
+                  </a:schemeClr>
+                </a:solidFill>
+                <a:latin typeface="Consolas" charset="0"/>
+                <a:ea typeface="Consolas" charset="0"/>
+                <a:cs typeface="Consolas" charset="0"/>
+              </a:rPr>
+              <a:t>cassandra_logo.png</a:t>
+            </a:r>
+            <a:endParaRPr lang="en-US" sz="2000" dirty="0">
+              <a:solidFill>
+                <a:schemeClr val="bg2">
+                  <a:lumMod val="50000"/>
+                </a:schemeClr>
+              </a:solidFill>
+              <a:latin typeface="Consolas" charset="0"/>
+              <a:ea typeface="Consolas" charset="0"/>
+              <a:cs typeface="Consolas" charset="0"/>
+            </a:endParaRPr>
+          </a:p>
+        </p:txBody>
+      </p:sp>
+      <p:pic>
+        <p:nvPicPr>
+          <p:cNvPr id="6" name="Picture 5"/>
+          <p:cNvPicPr>
+            <a:picLocks noChangeAspect="1"/>
+          </p:cNvPicPr>
+          <p:nvPr/>
+        </p:nvPicPr>
+        <p:blipFill>
+          <a:blip r:embed="rId3"/>
+          <a:stretch>
+            <a:fillRect/>
+          </a:stretch>
+        </p:blipFill>
+        <p:spPr>
+          <a:xfrm>
+            <a:off x="9692684" y="5369320"/>
+            <a:ext cx="6320492" cy="1615237"/>
+          </a:xfrm>
+          <a:prstGeom prst="rect">
+            <a:avLst/>
+          </a:prstGeom>
+        </p:spPr>
+      </p:pic>
+      <p:pic>
+        <p:nvPicPr>
+          <p:cNvPr id="7" name="Picture 6"/>
+          <p:cNvPicPr>
+            <a:picLocks noChangeAspect="1"/>
+          </p:cNvPicPr>
+          <p:nvPr/>
+        </p:nvPicPr>
+        <p:blipFill>
+          <a:blip r:embed="rId4"/>
+          <a:stretch>
+            <a:fillRect/>
+          </a:stretch>
+        </p:blipFill>
+        <p:spPr>
+          <a:xfrm>
+            <a:off x="9663176" y="2595197"/>
+            <a:ext cx="5969000" cy="1524000"/>
+          </a:xfrm>
+          <a:prstGeom prst="rect">
+            <a:avLst/>
+          </a:prstGeom>
+          <a:solidFill>
+            <a:srgbClr val="FFFFFF"/>
+          </a:solidFill>
+        </p:spPr>
+      </p:pic>
+      <p:pic>
+        <p:nvPicPr>
+          <p:cNvPr id="9" name="Picture 8"/>
+          <p:cNvPicPr>
+            <a:picLocks noChangeAspect="1"/>
+          </p:cNvPicPr>
+          <p:nvPr/>
+        </p:nvPicPr>
+        <p:blipFill>
+          <a:blip r:embed="rId5"/>
+          <a:stretch>
+            <a:fillRect/>
+          </a:stretch>
+        </p:blipFill>
+        <p:spPr>
+          <a:xfrm>
+            <a:off x="9663176" y="8234680"/>
+            <a:ext cx="6350000" cy="1270000"/>
+          </a:xfrm>
+          <a:prstGeom prst="rect">
+            <a:avLst/>
+          </a:prstGeom>
+        </p:spPr>
+      </p:pic>
+      <p:pic>
+        <p:nvPicPr>
+          <p:cNvPr id="10" name="Picture 9"/>
+          <p:cNvPicPr>
+            <a:picLocks noChangeAspect="1"/>
+          </p:cNvPicPr>
+          <p:nvPr/>
+        </p:nvPicPr>
+        <p:blipFill>
+          <a:blip r:embed="rId6"/>
+          <a:stretch>
+            <a:fillRect/>
+          </a:stretch>
+        </p:blipFill>
+        <p:spPr>
+          <a:xfrm>
+            <a:off x="2196846" y="4800189"/>
+            <a:ext cx="1906524" cy="2468880"/>
+          </a:xfrm>
+          <a:prstGeom prst="rect">
+            <a:avLst/>
+          </a:prstGeom>
+        </p:spPr>
+      </p:pic>
+      <p:sp>
+        <p:nvSpPr>
+          <p:cNvPr id="11" name="TextBox 10"/>
+          <p:cNvSpPr txBox="1"/>
+          <p:nvPr/>
+        </p:nvSpPr>
+        <p:spPr>
+          <a:xfrm>
+            <a:off x="2015986" y="3662341"/>
+            <a:ext cx="2268249" cy="913711"/>
+          </a:xfrm>
+          <a:prstGeom prst="rect">
+            <a:avLst/>
+          </a:prstGeom>
+          <a:noFill/>
+          <a:ln w="12700" cap="flat">
+            <a:noFill/>
+            <a:miter lim="400000"/>
+          </a:ln>
+          <a:effectLst/>
+          <a:sp3d/>
+        </p:spPr>
+        <p:style>
+          <a:lnRef idx="0">
+            <a:scrgbClr r="0" g="0" b="0"/>
+          </a:lnRef>
+          <a:fillRef idx="0">
+            <a:scrgbClr r="0" g="0" b="0"/>
+          </a:fillRef>
+          <a:effectRef idx="0">
+            <a:scrgbClr r="0" g="0" b="0"/>
+          </a:effectRef>
+          <a:fontRef idx="none"/>
+        </p:style>
+        <p:txBody>
+          <a:bodyPr rot="0" spcFirstLastPara="1" vertOverflow="overflow" horzOverflow="overflow" vert="horz" wrap="none" lIns="71437" tIns="71437" rIns="71437" bIns="71437" numCol="1" spcCol="38100" rtlCol="0" anchor="ctr">
+            <a:spAutoFit/>
+          </a:bodyPr>
+          <a:lstStyle/>
+          <a:p>
+            <a:pPr marL="0" marR="0" indent="0" algn="ctr" defTabSz="821531" rtl="0" fontAlgn="auto" latinLnBrk="0" hangingPunct="0">
+              <a:lnSpc>
+                <a:spcPct val="100000"/>
+              </a:lnSpc>
+              <a:spcBef>
+                <a:spcPts val="0"/>
+              </a:spcBef>
+              <a:spcAft>
+                <a:spcPts val="0"/>
+              </a:spcAft>
+              <a:buClrTx/>
+              <a:buSzTx/>
+              <a:buFontTx/>
+              <a:buNone/>
+              <a:tabLst/>
+            </a:pPr>
+            <a:r>
+              <a:rPr lang="nb-NO" dirty="0" err="1" smtClean="0">
+                <a:solidFill>
+                  <a:schemeClr val="bg2">
+                    <a:lumMod val="50000"/>
+                  </a:schemeClr>
+                </a:solidFill>
+                <a:latin typeface="Calibri" charset="0"/>
+                <a:ea typeface="Calibri" charset="0"/>
+                <a:cs typeface="Calibri" charset="0"/>
+              </a:rPr>
+              <a:t>Bigtable</a:t>
+            </a:r>
+            <a:endParaRPr kumimoji="0" sz="5000" b="0" i="0" u="none" strike="noStrike" cap="none" spc="0" normalizeH="0" baseline="0" dirty="0">
+              <a:ln>
+                <a:noFill/>
+              </a:ln>
+              <a:solidFill>
+                <a:schemeClr val="bg2">
+                  <a:lumMod val="50000"/>
+                </a:schemeClr>
+              </a:solidFill>
+              <a:effectLst/>
+              <a:uFillTx/>
+              <a:latin typeface="Calibri" charset="0"/>
+              <a:ea typeface="Calibri" charset="0"/>
+              <a:cs typeface="Calibri" charset="0"/>
+              <a:sym typeface="Conduit ITC Light"/>
+            </a:endParaRPr>
+          </a:p>
+        </p:txBody>
+      </p:sp>
+      <p:cxnSp>
+        <p:nvCxnSpPr>
+          <p:cNvPr id="13" name="Straight Connector 12"/>
+          <p:cNvCxnSpPr/>
+          <p:nvPr/>
+        </p:nvCxnSpPr>
+        <p:spPr>
+          <a:xfrm flipV="1">
+            <a:off x="4505728" y="3657601"/>
+            <a:ext cx="4638272" cy="2519336"/>
+          </a:xfrm>
+          <a:prstGeom prst="line">
+            <a:avLst/>
+          </a:prstGeom>
+          <a:noFill/>
+          <a:ln w="25400" cap="flat">
+            <a:solidFill>
+              <a:srgbClr val="000000"/>
+            </a:solidFill>
+            <a:prstDash val="solid"/>
+            <a:miter lim="400000"/>
+          </a:ln>
+          <a:effectLst/>
+          <a:sp3d/>
+        </p:spPr>
+        <p:style>
+          <a:lnRef idx="0">
+            <a:scrgbClr r="0" g="0" b="0"/>
+          </a:lnRef>
+          <a:fillRef idx="0">
+            <a:scrgbClr r="0" g="0" b="0"/>
+          </a:fillRef>
+          <a:effectRef idx="0">
+            <a:scrgbClr r="0" g="0" b="0"/>
+          </a:effectRef>
+          <a:fontRef idx="none"/>
+        </p:style>
+      </p:cxnSp>
+      <p:cxnSp>
+        <p:nvCxnSpPr>
+          <p:cNvPr id="15" name="Straight Connector 14"/>
+          <p:cNvCxnSpPr/>
+          <p:nvPr/>
+        </p:nvCxnSpPr>
+        <p:spPr>
+          <a:xfrm>
+            <a:off x="4505728" y="6176938"/>
+            <a:ext cx="4382240" cy="0"/>
+          </a:xfrm>
+          <a:prstGeom prst="line">
+            <a:avLst/>
+          </a:prstGeom>
+          <a:noFill/>
+          <a:ln w="25400" cap="flat">
+            <a:solidFill>
+              <a:srgbClr val="000000"/>
+            </a:solidFill>
+            <a:prstDash val="solid"/>
+            <a:miter lim="400000"/>
+          </a:ln>
+          <a:effectLst/>
+          <a:sp3d/>
+        </p:spPr>
+        <p:style>
+          <a:lnRef idx="0">
+            <a:scrgbClr r="0" g="0" b="0"/>
+          </a:lnRef>
+          <a:fillRef idx="0">
+            <a:scrgbClr r="0" g="0" b="0"/>
+          </a:fillRef>
+          <a:effectRef idx="0">
+            <a:scrgbClr r="0" g="0" b="0"/>
+          </a:effectRef>
+          <a:fontRef idx="none"/>
+        </p:style>
+      </p:cxnSp>
+      <p:cxnSp>
+        <p:nvCxnSpPr>
+          <p:cNvPr id="17" name="Straight Connector 16"/>
+          <p:cNvCxnSpPr/>
+          <p:nvPr/>
+        </p:nvCxnSpPr>
+        <p:spPr>
+          <a:xfrm>
+            <a:off x="4505728" y="6176938"/>
+            <a:ext cx="4638272" cy="2692742"/>
+          </a:xfrm>
+          <a:prstGeom prst="line">
+            <a:avLst/>
+          </a:prstGeom>
+          <a:noFill/>
+          <a:ln w="25400" cap="flat">
+            <a:solidFill>
+              <a:srgbClr val="000000"/>
+            </a:solidFill>
+            <a:prstDash val="solid"/>
+            <a:miter lim="400000"/>
+          </a:ln>
+          <a:effectLst/>
+          <a:sp3d/>
+        </p:spPr>
+        <p:style>
+          <a:lnRef idx="0">
+            <a:scrgbClr r="0" g="0" b="0"/>
+          </a:lnRef>
+          <a:fillRef idx="0">
+            <a:scrgbClr r="0" g="0" b="0"/>
+          </a:fillRef>
+          <a:effectRef idx="0">
+            <a:scrgbClr r="0" g="0" b="0"/>
+          </a:effectRef>
+          <a:fontRef idx="none"/>
+        </p:style>
+      </p:cxnSp>
+    </p:spTree>
+    <p:extLst>
+      <p:ext uri="{BB962C8B-B14F-4D97-AF65-F5344CB8AC3E}">
+        <p14:creationId xmlns:p14="http://schemas.microsoft.com/office/powerpoint/2010/main" val="1894323198"/>
+      </p:ext>
+    </p:extLst>
+  </p:cSld>
+  <p:clrMapOvr>
+    <a:masterClrMapping/>
+  </p:clrMapOvr>
+  <p:transition spd="med"/>
+  <p:timing>
+    <p:tnLst>
+      <p:par>
+        <p:cTn id="1" dur="indefinite" restart="never" nodeType="tmRoot"/>
+      </p:par>
+    </p:tnLst>
+  </p:timing>
+</p:sld>
+</file>
+
+<file path=ppt/slides/slide11.xml><?xml version="1.0" encoding="utf-8"?>
+<p:sld xmlns:a="http://schemas.openxmlformats.org/drawingml/2006/main" xmlns:r="http://schemas.openxmlformats.org/officeDocument/2006/relationships" xmlns:p="http://schemas.openxmlformats.org/presentationml/2006/main">
+  <p:cSld>
+    <p:bg>
+      <p:bgPr>
+        <a:solidFill>
+          <a:srgbClr val="282828"/>
+        </a:solidFill>
+        <a:effectLst/>
+      </p:bgPr>
+    </p:bg>
+    <p:spTree>
+      <p:nvGrpSpPr>
+        <p:cNvPr id="1" name=""/>
+        <p:cNvGrpSpPr/>
+        <p:nvPr/>
+      </p:nvGrpSpPr>
+      <p:grpSpPr>
+        <a:xfrm>
+          <a:off x="0" y="0"/>
+          <a:ext cx="0" cy="0"/>
+          <a:chOff x="0" y="0"/>
+          <a:chExt cx="0" cy="0"/>
+        </a:xfrm>
+      </p:grpSpPr>
+      <p:sp>
+        <p:nvSpPr>
+          <p:cNvPr id="119" name="Shape 119"/>
+          <p:cNvSpPr/>
+          <p:nvPr/>
+        </p:nvSpPr>
+        <p:spPr>
+          <a:xfrm>
+            <a:off x="415367" y="575185"/>
+            <a:ext cx="17582147" cy="1683152"/>
+          </a:xfrm>
+          <a:prstGeom prst="rect">
+            <a:avLst/>
+          </a:prstGeom>
+          <a:ln w="12700">
+            <a:miter lim="400000"/>
+          </a:ln>
+          <a:extLst>
+            <a:ext uri="{C572A759-6A51-4108-AA02-DFA0A04FC94B}">
+              <ma14:wrappingTextBoxFlag xmlns:ma14="http://schemas.microsoft.com/office/mac/drawingml/2011/main" val="1"/>
+            </a:ext>
+          </a:extLst>
+        </p:spPr>
+        <p:txBody>
+          <a:bodyPr wrap="square" lIns="71437" tIns="71437" rIns="71437" bIns="71437" anchor="ctr">
+            <a:spAutoFit/>
+          </a:bodyPr>
+          <a:lstStyle/>
+          <a:p>
+            <a:pPr algn="l">
+              <a:defRPr sz="20000">
+                <a:solidFill>
+                  <a:srgbClr val="3EC7C0"/>
+                </a:solidFill>
+              </a:defRPr>
+            </a:pPr>
+            <a:r>
+              <a:rPr lang="nb-NO" sz="10000" dirty="0" smtClean="0">
+                <a:solidFill>
+                  <a:srgbClr val="17BDB4"/>
+                </a:solidFill>
+                <a:latin typeface="Calibri" charset="0"/>
+                <a:ea typeface="Calibri" charset="0"/>
+                <a:cs typeface="Calibri" charset="0"/>
+              </a:rPr>
+              <a:t>Men hva er det?</a:t>
+            </a:r>
+            <a:endParaRPr lang="nb-NO" sz="10000" dirty="0">
+              <a:solidFill>
+                <a:srgbClr val="17BDB4"/>
+              </a:solidFill>
+              <a:latin typeface="Calibri" charset="0"/>
+              <a:ea typeface="Calibri" charset="0"/>
+              <a:cs typeface="Calibri" charset="0"/>
+            </a:endParaRPr>
+          </a:p>
+        </p:txBody>
+      </p:sp>
+      <p:sp>
+        <p:nvSpPr>
+          <p:cNvPr id="3" name="Rectangle 2"/>
+          <p:cNvSpPr/>
+          <p:nvPr/>
+        </p:nvSpPr>
+        <p:spPr>
+          <a:xfrm>
+            <a:off x="14703552" y="2910371"/>
+            <a:ext cx="950976" cy="9196286"/>
+          </a:xfrm>
+          <a:prstGeom prst="rect">
+            <a:avLst/>
+          </a:prstGeom>
+          <a:solidFill>
+            <a:srgbClr val="17BDB4"/>
+          </a:solidFill>
+          <a:ln w="12700" cap="flat">
+            <a:noFill/>
+            <a:miter lim="400000"/>
+          </a:ln>
+          <a:effectLst>
+            <a:outerShdw blurRad="50800" dist="25400" dir="5400000" rotWithShape="0">
+              <a:srgbClr val="000000">
+                <a:alpha val="50000"/>
+              </a:srgbClr>
+            </a:outerShdw>
+          </a:effectLst>
+          <a:sp3d/>
+        </p:spPr>
+        <p:style>
+          <a:lnRef idx="0">
+            <a:scrgbClr r="0" g="0" b="0"/>
+          </a:lnRef>
+          <a:fillRef idx="0">
+            <a:scrgbClr r="0" g="0" b="0"/>
+          </a:fillRef>
+          <a:effectRef idx="0">
+            <a:scrgbClr r="0" g="0" b="0"/>
+          </a:effectRef>
+          <a:fontRef idx="none"/>
+        </p:style>
+        <p:txBody>
+          <a:bodyPr rot="0" spcFirstLastPara="1" vertOverflow="overflow" horzOverflow="overflow" vert="horz" wrap="square" lIns="71437" tIns="71437" rIns="71437" bIns="71437" numCol="1" spcCol="38100" rtlCol="0" anchor="ctr">
+            <a:spAutoFit/>
+          </a:bodyPr>
+          <a:lstStyle/>
+          <a:p>
+            <a:pPr marL="0" marR="0" indent="0" algn="ctr" defTabSz="821531" rtl="0" fontAlgn="auto" latinLnBrk="0" hangingPunct="0">
+              <a:lnSpc>
+                <a:spcPct val="100000"/>
+              </a:lnSpc>
+              <a:spcBef>
+                <a:spcPts val="0"/>
+              </a:spcBef>
+              <a:spcAft>
+                <a:spcPts val="0"/>
+              </a:spcAft>
+              <a:buClrTx/>
+              <a:buSzTx/>
+              <a:buFontTx/>
+              <a:buNone/>
+              <a:tabLst/>
+            </a:pPr>
+            <a:endParaRPr kumimoji="0" sz="4800" i="0" u="none" strike="noStrike" cap="none" spc="0" normalizeH="0" baseline="0" dirty="0">
+              <a:ln>
+                <a:noFill/>
+              </a:ln>
+              <a:solidFill>
+                <a:schemeClr val="bg2">
+                  <a:lumMod val="50000"/>
+                </a:schemeClr>
+              </a:solidFill>
+              <a:effectLst/>
+              <a:uFillTx/>
+              <a:latin typeface="Calibri" charset="0"/>
+              <a:ea typeface="Calibri" charset="0"/>
+              <a:cs typeface="Calibri" charset="0"/>
+              <a:sym typeface="Helvetica Light"/>
+            </a:endParaRPr>
+          </a:p>
+        </p:txBody>
+      </p:sp>
+      <p:sp>
+        <p:nvSpPr>
+          <p:cNvPr id="4" name="TextBox 3"/>
+          <p:cNvSpPr txBox="1"/>
+          <p:nvPr/>
+        </p:nvSpPr>
+        <p:spPr>
+          <a:xfrm>
+            <a:off x="13147916" y="2513498"/>
+            <a:ext cx="1445908" cy="913711"/>
+          </a:xfrm>
+          <a:prstGeom prst="rect">
+            <a:avLst/>
+          </a:prstGeom>
+          <a:noFill/>
+          <a:ln w="12700" cap="flat">
+            <a:noFill/>
+            <a:miter lim="400000"/>
+          </a:ln>
+          <a:effectLst/>
+          <a:sp3d/>
+        </p:spPr>
+        <p:style>
+          <a:lnRef idx="0">
+            <a:scrgbClr r="0" g="0" b="0"/>
+          </a:lnRef>
+          <a:fillRef idx="0">
+            <a:scrgbClr r="0" g="0" b="0"/>
+          </a:fillRef>
+          <a:effectRef idx="0">
+            <a:scrgbClr r="0" g="0" b="0"/>
+          </a:effectRef>
+          <a:fontRef idx="none"/>
+        </p:style>
+        <p:txBody>
+          <a:bodyPr rot="0" spcFirstLastPara="1" vertOverflow="overflow" horzOverflow="overflow" vert="horz" wrap="none" lIns="71437" tIns="71437" rIns="71437" bIns="71437" numCol="1" spcCol="38100" rtlCol="0" anchor="ctr">
+            <a:spAutoFit/>
+          </a:bodyPr>
+          <a:lstStyle/>
+          <a:p>
+            <a:pPr marL="0" marR="0" indent="0" algn="ctr" defTabSz="821531" rtl="0" fontAlgn="auto" latinLnBrk="0" hangingPunct="0">
+              <a:lnSpc>
+                <a:spcPct val="100000"/>
+              </a:lnSpc>
+              <a:spcBef>
+                <a:spcPts val="0"/>
+              </a:spcBef>
+              <a:spcAft>
+                <a:spcPts val="0"/>
+              </a:spcAft>
+              <a:buClrTx/>
+              <a:buSzTx/>
+              <a:buFontTx/>
+              <a:buNone/>
+              <a:tabLst/>
+            </a:pPr>
+            <a:r>
+              <a:rPr kumimoji="0" lang="nb-NO" sz="5000" b="0" i="0" u="none" strike="noStrike" cap="none" spc="0" normalizeH="0" baseline="0" dirty="0" smtClean="0">
+                <a:ln>
+                  <a:noFill/>
+                </a:ln>
+                <a:solidFill>
+                  <a:srgbClr val="FFFFFF"/>
+                </a:solidFill>
+                <a:effectLst/>
+                <a:uFillTx/>
+                <a:latin typeface="Calibri" charset="0"/>
+                <a:ea typeface="Calibri" charset="0"/>
+                <a:cs typeface="Calibri" charset="0"/>
+                <a:sym typeface="Conduit ITC Light"/>
+              </a:rPr>
+              <a:t>0000</a:t>
+            </a:r>
+            <a:endParaRPr kumimoji="0" sz="5000" b="0" i="0" u="none" strike="noStrike" cap="none" spc="0" normalizeH="0" baseline="0" dirty="0">
+              <a:ln>
+                <a:noFill/>
+              </a:ln>
+              <a:solidFill>
+                <a:srgbClr val="FFFFFF"/>
+              </a:solidFill>
+              <a:effectLst/>
+              <a:uFillTx/>
+              <a:latin typeface="Calibri" charset="0"/>
+              <a:ea typeface="Calibri" charset="0"/>
+              <a:cs typeface="Calibri" charset="0"/>
+              <a:sym typeface="Conduit ITC Light"/>
+            </a:endParaRPr>
+          </a:p>
+        </p:txBody>
+      </p:sp>
+      <p:sp>
+        <p:nvSpPr>
+          <p:cNvPr id="5" name="TextBox 4"/>
+          <p:cNvSpPr txBox="1"/>
+          <p:nvPr/>
+        </p:nvSpPr>
+        <p:spPr>
+          <a:xfrm>
+            <a:off x="13147916" y="11649801"/>
+            <a:ext cx="1324079" cy="913711"/>
+          </a:xfrm>
+          <a:prstGeom prst="rect">
+            <a:avLst/>
+          </a:prstGeom>
+          <a:noFill/>
+          <a:ln w="12700" cap="flat">
+            <a:noFill/>
+            <a:miter lim="400000"/>
+          </a:ln>
+          <a:effectLst/>
+          <a:sp3d/>
+        </p:spPr>
+        <p:style>
+          <a:lnRef idx="0">
+            <a:scrgbClr r="0" g="0" b="0"/>
+          </a:lnRef>
+          <a:fillRef idx="0">
+            <a:scrgbClr r="0" g="0" b="0"/>
+          </a:fillRef>
+          <a:effectRef idx="0">
+            <a:scrgbClr r="0" g="0" b="0"/>
+          </a:effectRef>
+          <a:fontRef idx="none"/>
+        </p:style>
+        <p:txBody>
+          <a:bodyPr rot="0" spcFirstLastPara="1" vertOverflow="overflow" horzOverflow="overflow" vert="horz" wrap="none" lIns="71437" tIns="71437" rIns="71437" bIns="71437" numCol="1" spcCol="38100" rtlCol="0" anchor="ctr">
+            <a:spAutoFit/>
+          </a:bodyPr>
+          <a:lstStyle/>
+          <a:p>
+            <a:pPr marL="0" marR="0" indent="0" algn="ctr" defTabSz="821531" rtl="0" fontAlgn="auto" latinLnBrk="0" hangingPunct="0">
+              <a:lnSpc>
+                <a:spcPct val="100000"/>
+              </a:lnSpc>
+              <a:spcBef>
+                <a:spcPts val="0"/>
+              </a:spcBef>
+              <a:spcAft>
+                <a:spcPts val="0"/>
+              </a:spcAft>
+              <a:buClrTx/>
+              <a:buSzTx/>
+              <a:buFontTx/>
+              <a:buNone/>
+              <a:tabLst/>
+            </a:pPr>
+            <a:r>
+              <a:rPr kumimoji="0" lang="nb-NO" sz="5000" b="0" i="0" u="none" strike="noStrike" cap="none" spc="0" normalizeH="0" baseline="0" dirty="0" smtClean="0">
+                <a:ln>
+                  <a:noFill/>
+                </a:ln>
+                <a:solidFill>
+                  <a:srgbClr val="FFFFFF"/>
+                </a:solidFill>
+                <a:effectLst/>
+                <a:uFillTx/>
+                <a:latin typeface="Calibri" charset="0"/>
+                <a:ea typeface="Calibri" charset="0"/>
+                <a:cs typeface="Calibri" charset="0"/>
+                <a:sym typeface="Conduit ITC Light"/>
+              </a:rPr>
+              <a:t>FFFF</a:t>
+            </a:r>
+            <a:endParaRPr kumimoji="0" sz="5000" b="0" i="0" u="none" strike="noStrike" cap="none" spc="0" normalizeH="0" baseline="0" dirty="0">
+              <a:ln>
+                <a:noFill/>
+              </a:ln>
+              <a:solidFill>
+                <a:srgbClr val="FFFFFF"/>
+              </a:solidFill>
+              <a:effectLst/>
+              <a:uFillTx/>
+              <a:latin typeface="Calibri" charset="0"/>
+              <a:ea typeface="Calibri" charset="0"/>
+              <a:cs typeface="Calibri" charset="0"/>
+              <a:sym typeface="Conduit ITC Light"/>
+            </a:endParaRPr>
+          </a:p>
+        </p:txBody>
+      </p:sp>
+      <p:sp>
+        <p:nvSpPr>
+          <p:cNvPr id="10" name="TextBox 9"/>
+          <p:cNvSpPr txBox="1"/>
+          <p:nvPr/>
+        </p:nvSpPr>
+        <p:spPr>
+          <a:xfrm>
+            <a:off x="415368" y="3220791"/>
+            <a:ext cx="11508408" cy="3606756"/>
+          </a:xfrm>
+          <a:prstGeom prst="rect">
+            <a:avLst/>
+          </a:prstGeom>
+          <a:noFill/>
+          <a:ln w="12700" cap="flat">
+            <a:noFill/>
+            <a:miter lim="400000"/>
+          </a:ln>
+          <a:effectLst/>
+          <a:sp3d/>
+        </p:spPr>
+        <p:style>
+          <a:lnRef idx="0">
+            <a:scrgbClr r="0" g="0" b="0"/>
+          </a:lnRef>
+          <a:fillRef idx="0">
+            <a:scrgbClr r="0" g="0" b="0"/>
+          </a:fillRef>
+          <a:effectRef idx="0">
+            <a:scrgbClr r="0" g="0" b="0"/>
+          </a:effectRef>
+          <a:fontRef idx="none"/>
+        </p:style>
+        <p:txBody>
+          <a:bodyPr rot="0" spcFirstLastPara="1" vertOverflow="overflow" horzOverflow="overflow" vert="horz" wrap="square" lIns="71437" tIns="71437" rIns="71437" bIns="71437" numCol="1" spcCol="38100" rtlCol="0" anchor="t" anchorCtr="0">
+            <a:spAutoFit/>
+          </a:bodyPr>
+          <a:lstStyle/>
+          <a:p>
+            <a:pPr marL="685800" indent="-685800" algn="l">
+              <a:lnSpc>
+                <a:spcPct val="150000"/>
+              </a:lnSpc>
+              <a:buFont typeface="Arial" charset="0"/>
+              <a:buChar char="•"/>
+            </a:pPr>
+            <a:r>
+              <a:rPr lang="en-US" dirty="0" err="1" smtClean="0">
+                <a:solidFill>
+                  <a:schemeClr val="tx1">
+                    <a:lumMod val="95000"/>
+                  </a:schemeClr>
+                </a:solidFill>
+                <a:latin typeface="Calisto MT" charset="0"/>
+                <a:ea typeface="Calisto MT" charset="0"/>
+                <a:cs typeface="Calisto MT" charset="0"/>
+              </a:rPr>
+              <a:t>Distribuert</a:t>
+            </a:r>
+            <a:endParaRPr lang="en-US" dirty="0" smtClean="0">
+              <a:solidFill>
+                <a:schemeClr val="tx1">
+                  <a:lumMod val="95000"/>
+                </a:schemeClr>
+              </a:solidFill>
+              <a:latin typeface="Calisto MT" charset="0"/>
+              <a:ea typeface="Calisto MT" charset="0"/>
+              <a:cs typeface="Calisto MT" charset="0"/>
+            </a:endParaRPr>
+          </a:p>
+          <a:p>
+            <a:pPr marL="685800" indent="-685800" algn="l">
+              <a:lnSpc>
+                <a:spcPct val="150000"/>
+              </a:lnSpc>
+              <a:buFont typeface="Arial" charset="0"/>
+              <a:buChar char="•"/>
+            </a:pPr>
+            <a:r>
+              <a:rPr lang="en-US" dirty="0" smtClean="0">
+                <a:solidFill>
+                  <a:schemeClr val="tx1">
+                    <a:lumMod val="95000"/>
+                  </a:schemeClr>
+                </a:solidFill>
+                <a:latin typeface="Calisto MT" charset="0"/>
+                <a:ea typeface="Calisto MT" charset="0"/>
+                <a:cs typeface="Calisto MT" charset="0"/>
+              </a:rPr>
+              <a:t>Record</a:t>
+            </a:r>
+          </a:p>
+          <a:p>
+            <a:pPr marL="685800" indent="-685800" algn="l">
+              <a:lnSpc>
+                <a:spcPct val="150000"/>
+              </a:lnSpc>
+              <a:buFont typeface="Arial" charset="0"/>
+              <a:buChar char="•"/>
+            </a:pPr>
+            <a:r>
+              <a:rPr lang="en-US" dirty="0" err="1" smtClean="0">
+                <a:solidFill>
+                  <a:schemeClr val="tx1">
+                    <a:lumMod val="95000"/>
+                  </a:schemeClr>
+                </a:solidFill>
+                <a:latin typeface="Calisto MT" charset="0"/>
+                <a:ea typeface="Calisto MT" charset="0"/>
+                <a:cs typeface="Calisto MT" charset="0"/>
+              </a:rPr>
+              <a:t>HashMap</a:t>
+            </a:r>
+            <a:endParaRPr lang="en-US" dirty="0">
+              <a:solidFill>
+                <a:schemeClr val="tx1">
+                  <a:lumMod val="95000"/>
+                </a:schemeClr>
+              </a:solidFill>
+              <a:latin typeface="Calisto MT" charset="0"/>
+              <a:ea typeface="Calisto MT" charset="0"/>
+              <a:cs typeface="Calisto MT" charset="0"/>
+            </a:endParaRPr>
+          </a:p>
+        </p:txBody>
+      </p:sp>
+    </p:spTree>
+    <p:extLst>
+      <p:ext uri="{BB962C8B-B14F-4D97-AF65-F5344CB8AC3E}">
+        <p14:creationId xmlns:p14="http://schemas.microsoft.com/office/powerpoint/2010/main" val="820270300"/>
+      </p:ext>
+    </p:extLst>
+  </p:cSld>
+  <p:clrMapOvr>
+    <a:masterClrMapping/>
+  </p:clrMapOvr>
+  <p:transition spd="med"/>
+  <p:timing>
+    <p:tnLst>
+      <p:par>
+        <p:cTn id="1" dur="indefinite" restart="never" nodeType="tmRoot"/>
+      </p:par>
+    </p:tnLst>
+  </p:timing>
+</p:sld>
+</file>
+
+<file path=ppt/slides/slide12.xml><?xml version="1.0" encoding="utf-8"?>
+<p:sld xmlns:a="http://schemas.openxmlformats.org/drawingml/2006/main" xmlns:r="http://schemas.openxmlformats.org/officeDocument/2006/relationships" xmlns:p="http://schemas.openxmlformats.org/presentationml/2006/main">
+  <p:cSld>
+    <p:bg>
+      <p:bgPr>
+        <a:solidFill>
+          <a:srgbClr val="282828"/>
+        </a:solidFill>
+        <a:effectLst/>
+      </p:bgPr>
+    </p:bg>
+    <p:spTree>
+      <p:nvGrpSpPr>
+        <p:cNvPr id="1" name=""/>
+        <p:cNvGrpSpPr/>
+        <p:nvPr/>
+      </p:nvGrpSpPr>
+      <p:grpSpPr>
+        <a:xfrm>
+          <a:off x="0" y="0"/>
+          <a:ext cx="0" cy="0"/>
+          <a:chOff x="0" y="0"/>
+          <a:chExt cx="0" cy="0"/>
+        </a:xfrm>
+      </p:grpSpPr>
+      <p:sp>
+        <p:nvSpPr>
+          <p:cNvPr id="2" name="TextBox 1"/>
+          <p:cNvSpPr txBox="1"/>
+          <p:nvPr/>
+        </p:nvSpPr>
+        <p:spPr>
+          <a:xfrm>
+            <a:off x="588195" y="4145666"/>
+            <a:ext cx="33461082" cy="7838683"/>
+          </a:xfrm>
+          <a:prstGeom prst="rect">
+            <a:avLst/>
+          </a:prstGeom>
+          <a:noFill/>
+          <a:ln w="12700" cap="flat">
+            <a:noFill/>
+            <a:miter lim="400000"/>
+          </a:ln>
+          <a:effectLst/>
+          <a:sp3d/>
+        </p:spPr>
+        <p:style>
+          <a:lnRef idx="0">
+            <a:scrgbClr r="0" g="0" b="0"/>
+          </a:lnRef>
+          <a:fillRef idx="0">
+            <a:scrgbClr r="0" g="0" b="0"/>
+          </a:fillRef>
+          <a:effectRef idx="0">
+            <a:scrgbClr r="0" g="0" b="0"/>
+          </a:effectRef>
+          <a:fontRef idx="none"/>
+        </p:style>
+        <p:txBody>
+          <a:bodyPr rot="0" spcFirstLastPara="1" vertOverflow="overflow" horzOverflow="overflow" vert="horz" wrap="none" lIns="71437" tIns="71437" rIns="71437" bIns="71437" numCol="1" spcCol="38100" rtlCol="0" anchor="ctr">
+            <a:spAutoFit/>
+          </a:bodyPr>
+          <a:lstStyle/>
+          <a:p>
+            <a:pPr marL="342900" lvl="2" indent="-342900" algn="l">
+              <a:buSzPct val="75000"/>
+              <a:buFont typeface="Arial" charset="0"/>
+              <a:buChar char="•"/>
+            </a:pPr>
+            <a:r>
+              <a:rPr lang="nb-NO" dirty="0">
+                <a:latin typeface="Calibri" charset="0"/>
+                <a:ea typeface="Calibri" charset="0"/>
+                <a:cs typeface="Calibri" charset="0"/>
+              </a:rPr>
+              <a:t>Vanlig DB skjema</a:t>
+            </a:r>
+          </a:p>
+          <a:p>
+            <a:pPr marL="342900" lvl="2" indent="-342900" algn="l">
+              <a:buSzPct val="75000"/>
+              <a:buFont typeface="Arial" charset="0"/>
+              <a:buChar char="•"/>
+            </a:pPr>
+            <a:r>
+              <a:rPr lang="nb-NO" dirty="0">
+                <a:latin typeface="Calibri" charset="0"/>
+                <a:ea typeface="Calibri" charset="0"/>
+                <a:cs typeface="Calibri" charset="0"/>
+              </a:rPr>
+              <a:t>Cassandra ser helt likt ut</a:t>
+            </a:r>
+          </a:p>
+          <a:p>
+            <a:pPr marL="342900" lvl="2" indent="-342900" algn="l">
+              <a:buSzPct val="75000"/>
+              <a:buFont typeface="Arial" charset="0"/>
+              <a:buChar char="•"/>
+            </a:pPr>
+            <a:r>
+              <a:rPr lang="nb-NO" dirty="0">
+                <a:latin typeface="Calibri" charset="0"/>
+                <a:ea typeface="Calibri" charset="0"/>
+                <a:cs typeface="Calibri" charset="0"/>
+              </a:rPr>
+              <a:t>PRIMARY KEY og CLUSTERING COLUMN</a:t>
+            </a:r>
+          </a:p>
+          <a:p>
+            <a:pPr marL="342900" lvl="2" indent="-342900" algn="l">
+              <a:buSzPct val="75000"/>
+              <a:buFont typeface="Arial" charset="0"/>
+              <a:buChar char="•"/>
+            </a:pPr>
+            <a:r>
+              <a:rPr lang="nb-NO" dirty="0">
+                <a:latin typeface="Calibri" charset="0"/>
+                <a:ea typeface="Calibri" charset="0"/>
+                <a:cs typeface="Calibri" charset="0"/>
+              </a:rPr>
+              <a:t>Det er bare første verdien som er ”nøkkelen” &gt; Finn frem med</a:t>
+            </a:r>
+          </a:p>
+          <a:p>
+            <a:pPr marL="342900" lvl="2" indent="-342900" algn="l">
+              <a:buSzPct val="75000"/>
+              <a:buFont typeface="Arial" charset="0"/>
+              <a:buChar char="•"/>
+            </a:pPr>
+            <a:r>
+              <a:rPr lang="nb-NO" dirty="0">
+                <a:latin typeface="Calibri" charset="0"/>
+                <a:ea typeface="Calibri" charset="0"/>
+                <a:cs typeface="Calibri" charset="0"/>
+              </a:rPr>
+              <a:t>Det holder å spørre bare på den</a:t>
+            </a:r>
+          </a:p>
+          <a:p>
+            <a:pPr marL="342900" lvl="2" indent="-342900" algn="l">
+              <a:buSzPct val="75000"/>
+              <a:buFont typeface="Arial" charset="0"/>
+              <a:buChar char="•"/>
+            </a:pPr>
+            <a:r>
+              <a:rPr lang="nb-NO" dirty="0">
+                <a:latin typeface="Calibri" charset="0"/>
+                <a:ea typeface="Calibri" charset="0"/>
+                <a:cs typeface="Calibri" charset="0"/>
+              </a:rPr>
+              <a:t>Man kan også legge til en eller flere ”</a:t>
+            </a:r>
+            <a:r>
+              <a:rPr lang="nb-NO" dirty="0" err="1">
+                <a:latin typeface="Calibri" charset="0"/>
+                <a:ea typeface="Calibri" charset="0"/>
+                <a:cs typeface="Calibri" charset="0"/>
+              </a:rPr>
+              <a:t>clustering</a:t>
+            </a:r>
+            <a:r>
+              <a:rPr lang="nb-NO" dirty="0">
+                <a:latin typeface="Calibri" charset="0"/>
+                <a:ea typeface="Calibri" charset="0"/>
+                <a:cs typeface="Calibri" charset="0"/>
+              </a:rPr>
+              <a:t> </a:t>
+            </a:r>
+            <a:r>
+              <a:rPr lang="nb-NO" dirty="0" err="1">
+                <a:latin typeface="Calibri" charset="0"/>
+                <a:ea typeface="Calibri" charset="0"/>
+                <a:cs typeface="Calibri" charset="0"/>
+              </a:rPr>
+              <a:t>columns</a:t>
+            </a:r>
+            <a:r>
+              <a:rPr lang="nb-NO" dirty="0">
+                <a:latin typeface="Calibri" charset="0"/>
+                <a:ea typeface="Calibri" charset="0"/>
+                <a:cs typeface="Calibri" charset="0"/>
+              </a:rPr>
+              <a:t>”.</a:t>
+            </a:r>
+          </a:p>
+          <a:p>
+            <a:pPr marL="342900" lvl="2" indent="-342900" algn="l">
+              <a:buSzPct val="75000"/>
+              <a:buFont typeface="Arial" charset="0"/>
+              <a:buChar char="•"/>
+            </a:pPr>
+            <a:r>
+              <a:rPr lang="nb-NO" dirty="0">
+                <a:latin typeface="Calibri" charset="0"/>
+                <a:ea typeface="Calibri" charset="0"/>
+                <a:cs typeface="Calibri" charset="0"/>
+              </a:rPr>
+              <a:t>Det betyr at man ”</a:t>
+            </a:r>
+            <a:r>
+              <a:rPr lang="nb-NO" dirty="0" err="1">
+                <a:latin typeface="Calibri" charset="0"/>
+                <a:ea typeface="Calibri" charset="0"/>
+                <a:cs typeface="Calibri" charset="0"/>
+              </a:rPr>
+              <a:t>clustrer</a:t>
+            </a:r>
+            <a:r>
+              <a:rPr lang="nb-NO" dirty="0">
+                <a:latin typeface="Calibri" charset="0"/>
+                <a:ea typeface="Calibri" charset="0"/>
+                <a:cs typeface="Calibri" charset="0"/>
+              </a:rPr>
+              <a:t>” data sammen på disk &gt; Ergo litt som en </a:t>
+            </a:r>
+            <a:r>
+              <a:rPr lang="nb-NO" dirty="0" err="1">
+                <a:latin typeface="Calibri" charset="0"/>
+                <a:ea typeface="Calibri" charset="0"/>
+                <a:cs typeface="Calibri" charset="0"/>
+              </a:rPr>
+              <a:t>column</a:t>
+            </a:r>
+            <a:r>
+              <a:rPr lang="nb-NO" dirty="0">
+                <a:latin typeface="Calibri" charset="0"/>
+                <a:ea typeface="Calibri" charset="0"/>
+                <a:cs typeface="Calibri" charset="0"/>
+              </a:rPr>
+              <a:t> store (se her. Eksempel)</a:t>
+            </a:r>
+          </a:p>
+          <a:p>
+            <a:pPr marL="342900" lvl="2" indent="-342900" algn="l">
+              <a:buSzPct val="75000"/>
+              <a:buFont typeface="Arial" charset="0"/>
+              <a:buChar char="•"/>
+            </a:pPr>
+            <a:r>
+              <a:rPr lang="nb-NO" dirty="0">
+                <a:latin typeface="Calibri" charset="0"/>
+                <a:ea typeface="Calibri" charset="0"/>
+                <a:cs typeface="Calibri" charset="0"/>
+              </a:rPr>
+              <a:t>Det betyr at man kan gjøre en SELECT med bare nøkkelen og få alt</a:t>
+            </a:r>
+          </a:p>
+          <a:p>
+            <a:pPr marL="342900" lvl="2" indent="-342900" algn="l">
+              <a:buSzPct val="75000"/>
+              <a:buFont typeface="Arial" charset="0"/>
+              <a:buChar char="•"/>
+            </a:pPr>
+            <a:r>
+              <a:rPr lang="nb-NO" dirty="0">
+                <a:latin typeface="Calibri" charset="0"/>
+                <a:ea typeface="Calibri" charset="0"/>
+                <a:cs typeface="Calibri" charset="0"/>
+              </a:rPr>
+              <a:t>Man kan også gjøre en SELECT med nøkkel og </a:t>
+            </a:r>
+            <a:r>
+              <a:rPr lang="nb-NO" dirty="0" err="1">
+                <a:latin typeface="Calibri" charset="0"/>
+                <a:ea typeface="Calibri" charset="0"/>
+                <a:cs typeface="Calibri" charset="0"/>
+              </a:rPr>
+              <a:t>clustering</a:t>
+            </a:r>
+            <a:r>
+              <a:rPr lang="nb-NO" dirty="0">
+                <a:latin typeface="Calibri" charset="0"/>
+                <a:ea typeface="Calibri" charset="0"/>
+                <a:cs typeface="Calibri" charset="0"/>
+              </a:rPr>
+              <a:t> </a:t>
+            </a:r>
+            <a:r>
+              <a:rPr lang="nb-NO" dirty="0" err="1">
+                <a:latin typeface="Calibri" charset="0"/>
+                <a:ea typeface="Calibri" charset="0"/>
+                <a:cs typeface="Calibri" charset="0"/>
+              </a:rPr>
+              <a:t>column</a:t>
+            </a:r>
+            <a:r>
+              <a:rPr lang="nb-NO" dirty="0">
+                <a:latin typeface="Calibri" charset="0"/>
+                <a:ea typeface="Calibri" charset="0"/>
+                <a:cs typeface="Calibri" charset="0"/>
+              </a:rPr>
+              <a:t> for å få en, eller flere ”</a:t>
+            </a:r>
+            <a:r>
+              <a:rPr lang="nb-NO" dirty="0" err="1">
+                <a:latin typeface="Calibri" charset="0"/>
+                <a:ea typeface="Calibri" charset="0"/>
+                <a:cs typeface="Calibri" charset="0"/>
+              </a:rPr>
+              <a:t>clustere</a:t>
+            </a:r>
+            <a:r>
+              <a:rPr lang="nb-NO" dirty="0">
+                <a:latin typeface="Calibri" charset="0"/>
+                <a:ea typeface="Calibri" charset="0"/>
+                <a:cs typeface="Calibri" charset="0"/>
+              </a:rPr>
+              <a:t>” av verdier. </a:t>
+            </a:r>
+            <a:r>
+              <a:rPr lang="nb-NO" dirty="0" err="1">
+                <a:latin typeface="Calibri" charset="0"/>
+                <a:ea typeface="Calibri" charset="0"/>
+                <a:cs typeface="Calibri" charset="0"/>
+              </a:rPr>
+              <a:t>Ref</a:t>
+            </a:r>
+            <a:r>
+              <a:rPr lang="nb-NO" dirty="0">
+                <a:latin typeface="Calibri" charset="0"/>
+                <a:ea typeface="Calibri" charset="0"/>
+                <a:cs typeface="Calibri" charset="0"/>
+              </a:rPr>
+              <a:t> </a:t>
+            </a:r>
+            <a:r>
+              <a:rPr lang="nb-NO" dirty="0" err="1">
+                <a:latin typeface="Calibri" charset="0"/>
+                <a:ea typeface="Calibri" charset="0"/>
+                <a:cs typeface="Calibri" charset="0"/>
+              </a:rPr>
+              <a:t>weather_data</a:t>
+            </a:r>
+            <a:endParaRPr lang="nb-NO" dirty="0">
+              <a:latin typeface="Calibri" charset="0"/>
+              <a:ea typeface="Calibri" charset="0"/>
+              <a:cs typeface="Calibri" charset="0"/>
+            </a:endParaRPr>
+          </a:p>
+          <a:p>
+            <a:pPr marL="0" marR="0" indent="0" algn="l" defTabSz="821531" rtl="0" fontAlgn="auto" latinLnBrk="0" hangingPunct="0">
+              <a:lnSpc>
+                <a:spcPct val="100000"/>
+              </a:lnSpc>
+              <a:spcBef>
+                <a:spcPts val="0"/>
+              </a:spcBef>
+              <a:spcAft>
+                <a:spcPts val="0"/>
+              </a:spcAft>
+              <a:buClrTx/>
+              <a:buSzTx/>
+              <a:buFontTx/>
+              <a:buNone/>
+              <a:tabLst/>
+            </a:pPr>
+            <a:endParaRPr kumimoji="0" sz="5000" b="0" i="0" u="none" strike="noStrike" cap="none" spc="0" normalizeH="0" baseline="0" dirty="0">
+              <a:ln>
+                <a:noFill/>
+              </a:ln>
+              <a:solidFill>
+                <a:srgbClr val="FFFFFF"/>
+              </a:solidFill>
+              <a:effectLst/>
+              <a:uFillTx/>
+              <a:latin typeface="Calibri" charset="0"/>
+              <a:ea typeface="Calibri" charset="0"/>
+              <a:cs typeface="Calibri" charset="0"/>
+              <a:sym typeface="Conduit ITC Light"/>
+            </a:endParaRPr>
+          </a:p>
+        </p:txBody>
+      </p:sp>
+      <p:sp>
+        <p:nvSpPr>
+          <p:cNvPr id="3" name="TextBox 2"/>
+          <p:cNvSpPr txBox="1"/>
+          <p:nvPr/>
+        </p:nvSpPr>
+        <p:spPr>
+          <a:xfrm>
+            <a:off x="1696812" y="1536536"/>
+            <a:ext cx="5201744" cy="913711"/>
+          </a:xfrm>
+          <a:prstGeom prst="rect">
+            <a:avLst/>
+          </a:prstGeom>
+          <a:noFill/>
+          <a:ln w="12700" cap="flat">
+            <a:noFill/>
+            <a:miter lim="400000"/>
+          </a:ln>
+          <a:effectLst/>
+          <a:sp3d/>
+        </p:spPr>
+        <p:style>
+          <a:lnRef idx="0">
+            <a:scrgbClr r="0" g="0" b="0"/>
+          </a:lnRef>
+          <a:fillRef idx="0">
+            <a:scrgbClr r="0" g="0" b="0"/>
+          </a:fillRef>
+          <a:effectRef idx="0">
+            <a:scrgbClr r="0" g="0" b="0"/>
+          </a:effectRef>
+          <a:fontRef idx="none"/>
+        </p:style>
+        <p:txBody>
+          <a:bodyPr rot="0" spcFirstLastPara="1" vertOverflow="overflow" horzOverflow="overflow" vert="horz" wrap="none" lIns="71437" tIns="71437" rIns="71437" bIns="71437" numCol="1" spcCol="38100" rtlCol="0" anchor="ctr">
+            <a:spAutoFit/>
+          </a:bodyPr>
+          <a:lstStyle/>
+          <a:p>
+            <a:pPr marL="0" marR="0" indent="0" algn="ctr" defTabSz="821531" rtl="0" fontAlgn="auto" latinLnBrk="0" hangingPunct="0">
+              <a:lnSpc>
+                <a:spcPct val="100000"/>
+              </a:lnSpc>
+              <a:spcBef>
+                <a:spcPts val="0"/>
+              </a:spcBef>
+              <a:spcAft>
+                <a:spcPts val="0"/>
+              </a:spcAft>
+              <a:buClrTx/>
+              <a:buSzTx/>
+              <a:buFontTx/>
+              <a:buNone/>
+              <a:tabLst/>
+            </a:pPr>
+            <a:r>
+              <a:rPr kumimoji="0" lang="nb-NO" sz="5000" b="0" i="0" u="none" strike="noStrike" cap="none" spc="0" normalizeH="0" baseline="0" dirty="0" smtClean="0">
+                <a:ln>
+                  <a:noFill/>
+                </a:ln>
+                <a:solidFill>
+                  <a:srgbClr val="FFFFFF"/>
+                </a:solidFill>
+                <a:effectLst/>
+                <a:uFillTx/>
+                <a:latin typeface="Conduit ITC Light"/>
+                <a:ea typeface="Conduit ITC Light"/>
+                <a:cs typeface="Conduit ITC Light"/>
+                <a:sym typeface="Conduit ITC Light"/>
+              </a:rPr>
+              <a:t>HUSK PÅ DENNE</a:t>
+            </a:r>
+            <a:endParaRPr kumimoji="0" sz="5000" b="0" i="0" u="none" strike="noStrike" cap="none" spc="0" normalizeH="0" baseline="0" dirty="0">
+              <a:ln>
+                <a:noFill/>
+              </a:ln>
+              <a:solidFill>
+                <a:srgbClr val="FFFFFF"/>
+              </a:solidFill>
+              <a:effectLst/>
+              <a:uFillTx/>
+              <a:latin typeface="Conduit ITC Light"/>
+              <a:ea typeface="Conduit ITC Light"/>
+              <a:cs typeface="Conduit ITC Light"/>
+              <a:sym typeface="Conduit ITC Light"/>
+            </a:endParaRPr>
+          </a:p>
+        </p:txBody>
+      </p:sp>
+    </p:spTree>
+    <p:extLst>
+      <p:ext uri="{BB962C8B-B14F-4D97-AF65-F5344CB8AC3E}">
+        <p14:creationId xmlns:p14="http://schemas.microsoft.com/office/powerpoint/2010/main" val="1135696616"/>
+      </p:ext>
+    </p:extLst>
+  </p:cSld>
+  <p:clrMapOvr>
+    <a:masterClrMapping/>
+  </p:clrMapOvr>
+  <p:transition spd="med"/>
+  <p:timing>
+    <p:tnLst>
+      <p:par>
+        <p:cTn id="1" dur="indefinite" restart="never" nodeType="tmRoot"/>
+      </p:par>
+    </p:tnLst>
+  </p:timing>
 </p:sld>
 </file>
 
@@ -3792,7 +6741,20 @@
                 <a:ea typeface="Calisto MT" charset="0"/>
                 <a:cs typeface="Calisto MT" charset="0"/>
               </a:rPr>
-              <a:t>Prosjekt: Datainn</a:t>
+              <a:t>Prosjekt</a:t>
+            </a:r>
+            <a:r>
+              <a:rPr lang="en-US" dirty="0" smtClean="0">
+                <a:solidFill>
+                  <a:schemeClr val="tx1">
+                    <a:lumMod val="95000"/>
+                  </a:schemeClr>
+                </a:solidFill>
+                <a:latin typeface="Calisto MT" charset="0"/>
+                <a:ea typeface="Calisto MT" charset="0"/>
+                <a:cs typeface="Calisto MT" charset="0"/>
+              </a:rPr>
+              <a:t>: Datainn</a:t>
             </a:r>
           </a:p>
           <a:p>
@@ -4194,6 +7156,2970 @@
     <a:masterClrMapping/>
   </p:clrMapOvr>
   <p:transition spd="med"/>
+</p:sld>
+</file>
+
+<file path=ppt/slides/slide5.xml><?xml version="1.0" encoding="utf-8"?>
+<p:sld xmlns:a="http://schemas.openxmlformats.org/drawingml/2006/main" xmlns:r="http://schemas.openxmlformats.org/officeDocument/2006/relationships" xmlns:p="http://schemas.openxmlformats.org/presentationml/2006/main">
+  <p:cSld>
+    <p:bg>
+      <p:bgPr>
+        <a:solidFill>
+          <a:srgbClr val="282828"/>
+        </a:solidFill>
+        <a:effectLst/>
+      </p:bgPr>
+    </p:bg>
+    <p:spTree>
+      <p:nvGrpSpPr>
+        <p:cNvPr id="1" name=""/>
+        <p:cNvGrpSpPr/>
+        <p:nvPr/>
+      </p:nvGrpSpPr>
+      <p:grpSpPr>
+        <a:xfrm>
+          <a:off x="0" y="0"/>
+          <a:ext cx="0" cy="0"/>
+          <a:chOff x="0" y="0"/>
+          <a:chExt cx="0" cy="0"/>
+        </a:xfrm>
+      </p:grpSpPr>
+      <p:sp>
+        <p:nvSpPr>
+          <p:cNvPr id="119" name="Shape 119"/>
+          <p:cNvSpPr/>
+          <p:nvPr/>
+        </p:nvSpPr>
+        <p:spPr>
+          <a:xfrm>
+            <a:off x="329184" y="4805183"/>
+            <a:ext cx="17739360" cy="3222035"/>
+          </a:xfrm>
+          <a:prstGeom prst="rect">
+            <a:avLst/>
+          </a:prstGeom>
+          <a:ln w="12700">
+            <a:miter lim="400000"/>
+          </a:ln>
+          <a:extLst>
+            <a:ext uri="{C572A759-6A51-4108-AA02-DFA0A04FC94B}">
+              <ma14:wrappingTextBoxFlag xmlns:ma14="http://schemas.microsoft.com/office/mac/drawingml/2011/main" val="1"/>
+            </a:ext>
+          </a:extLst>
+        </p:spPr>
+        <p:txBody>
+          <a:bodyPr wrap="square" lIns="71437" tIns="71437" rIns="71437" bIns="71437" anchor="ctr">
+            <a:spAutoFit/>
+          </a:bodyPr>
+          <a:lstStyle/>
+          <a:p>
+            <a:pPr>
+              <a:defRPr sz="20000">
+                <a:solidFill>
+                  <a:srgbClr val="3EC7C0"/>
+                </a:solidFill>
+              </a:defRPr>
+            </a:pPr>
+            <a:r>
+              <a:rPr lang="nb-NO" sz="20000" b="1" dirty="0" err="1" smtClean="0">
+                <a:solidFill>
+                  <a:srgbClr val="17BDB4"/>
+                </a:solidFill>
+                <a:latin typeface="Calibri" charset="0"/>
+                <a:ea typeface="Calibri" charset="0"/>
+                <a:cs typeface="Calibri" charset="0"/>
+              </a:rPr>
+              <a:t>Column</a:t>
+            </a:r>
+            <a:r>
+              <a:rPr lang="nb-NO" sz="20000" b="1" dirty="0" smtClean="0">
+                <a:solidFill>
+                  <a:srgbClr val="17BDB4"/>
+                </a:solidFill>
+                <a:latin typeface="Calibri" charset="0"/>
+                <a:ea typeface="Calibri" charset="0"/>
+                <a:cs typeface="Calibri" charset="0"/>
+              </a:rPr>
+              <a:t> </a:t>
+            </a:r>
+            <a:r>
+              <a:rPr lang="nb-NO" sz="20000" b="1" dirty="0" smtClean="0">
+                <a:solidFill>
+                  <a:schemeClr val="bg1">
+                    <a:lumMod val="85000"/>
+                  </a:schemeClr>
+                </a:solidFill>
+                <a:latin typeface="Calibri" charset="0"/>
+                <a:ea typeface="Calibri" charset="0"/>
+                <a:cs typeface="Calibri" charset="0"/>
+              </a:rPr>
+              <a:t>Stores</a:t>
+            </a:r>
+            <a:endParaRPr lang="nb-NO" sz="20000" b="1" dirty="0">
+              <a:solidFill>
+                <a:schemeClr val="bg1">
+                  <a:lumMod val="85000"/>
+                </a:schemeClr>
+              </a:solidFill>
+              <a:latin typeface="Calibri" charset="0"/>
+              <a:ea typeface="Calibri" charset="0"/>
+              <a:cs typeface="Calibri" charset="0"/>
+            </a:endParaRPr>
+          </a:p>
+        </p:txBody>
+      </p:sp>
+    </p:spTree>
+    <p:extLst>
+      <p:ext uri="{BB962C8B-B14F-4D97-AF65-F5344CB8AC3E}">
+        <p14:creationId xmlns:p14="http://schemas.microsoft.com/office/powerpoint/2010/main" val="513762835"/>
+      </p:ext>
+    </p:extLst>
+  </p:cSld>
+  <p:clrMapOvr>
+    <a:masterClrMapping/>
+  </p:clrMapOvr>
+  <p:transition spd="med"/>
+</p:sld>
+</file>
+
+<file path=ppt/slides/slide6.xml><?xml version="1.0" encoding="utf-8"?>
+<p:sld xmlns:a="http://schemas.openxmlformats.org/drawingml/2006/main" xmlns:r="http://schemas.openxmlformats.org/officeDocument/2006/relationships" xmlns:p="http://schemas.openxmlformats.org/presentationml/2006/main">
+  <p:cSld>
+    <p:bg>
+      <p:bgPr>
+        <a:solidFill>
+          <a:srgbClr val="282828"/>
+        </a:solidFill>
+        <a:effectLst/>
+      </p:bgPr>
+    </p:bg>
+    <p:spTree>
+      <p:nvGrpSpPr>
+        <p:cNvPr id="1" name=""/>
+        <p:cNvGrpSpPr/>
+        <p:nvPr/>
+      </p:nvGrpSpPr>
+      <p:grpSpPr>
+        <a:xfrm>
+          <a:off x="0" y="0"/>
+          <a:ext cx="0" cy="0"/>
+          <a:chOff x="0" y="0"/>
+          <a:chExt cx="0" cy="0"/>
+        </a:xfrm>
+      </p:grpSpPr>
+      <p:sp>
+        <p:nvSpPr>
+          <p:cNvPr id="119" name="Shape 119"/>
+          <p:cNvSpPr/>
+          <p:nvPr/>
+        </p:nvSpPr>
+        <p:spPr>
+          <a:xfrm>
+            <a:off x="415367" y="575185"/>
+            <a:ext cx="8289721" cy="1683152"/>
+          </a:xfrm>
+          <a:prstGeom prst="rect">
+            <a:avLst/>
+          </a:prstGeom>
+          <a:ln w="12700">
+            <a:miter lim="400000"/>
+          </a:ln>
+          <a:extLst>
+            <a:ext uri="{C572A759-6A51-4108-AA02-DFA0A04FC94B}">
+              <ma14:wrappingTextBoxFlag xmlns:ma14="http://schemas.microsoft.com/office/mac/drawingml/2011/main" val="1"/>
+            </a:ext>
+          </a:extLst>
+        </p:spPr>
+        <p:txBody>
+          <a:bodyPr wrap="square" lIns="71437" tIns="71437" rIns="71437" bIns="71437" anchor="ctr">
+            <a:spAutoFit/>
+          </a:bodyPr>
+          <a:lstStyle/>
+          <a:p>
+            <a:pPr algn="l">
+              <a:defRPr sz="20000">
+                <a:solidFill>
+                  <a:srgbClr val="3EC7C0"/>
+                </a:solidFill>
+              </a:defRPr>
+            </a:pPr>
+            <a:r>
+              <a:rPr lang="nb-NO" sz="10000" noProof="1" smtClean="0">
+                <a:solidFill>
+                  <a:srgbClr val="17BDB4"/>
+                </a:solidFill>
+                <a:latin typeface="Calibri" charset="0"/>
+                <a:ea typeface="Calibri" charset="0"/>
+                <a:cs typeface="Calibri" charset="0"/>
+              </a:rPr>
+              <a:t>Column Store</a:t>
+            </a:r>
+            <a:endParaRPr lang="nb-NO" sz="10000" noProof="1">
+              <a:solidFill>
+                <a:srgbClr val="17BDB4"/>
+              </a:solidFill>
+              <a:latin typeface="Calibri" charset="0"/>
+              <a:ea typeface="Calibri" charset="0"/>
+              <a:cs typeface="Calibri" charset="0"/>
+            </a:endParaRPr>
+          </a:p>
+        </p:txBody>
+      </p:sp>
+      <p:sp>
+        <p:nvSpPr>
+          <p:cNvPr id="5" name="Shape 119"/>
+          <p:cNvSpPr/>
+          <p:nvPr/>
+        </p:nvSpPr>
+        <p:spPr>
+          <a:xfrm>
+            <a:off x="9473185" y="575185"/>
+            <a:ext cx="8162544" cy="1683152"/>
+          </a:xfrm>
+          <a:prstGeom prst="rect">
+            <a:avLst/>
+          </a:prstGeom>
+          <a:ln w="12700">
+            <a:miter lim="400000"/>
+          </a:ln>
+          <a:extLst>
+            <a:ext uri="{C572A759-6A51-4108-AA02-DFA0A04FC94B}">
+              <ma14:wrappingTextBoxFlag xmlns:ma14="http://schemas.microsoft.com/office/mac/drawingml/2011/main" val="1"/>
+            </a:ext>
+          </a:extLst>
+        </p:spPr>
+        <p:txBody>
+          <a:bodyPr wrap="square" lIns="71437" tIns="71437" rIns="71437" bIns="71437" anchor="ctr">
+            <a:spAutoFit/>
+          </a:bodyPr>
+          <a:lstStyle/>
+          <a:p>
+            <a:pPr algn="l">
+              <a:defRPr sz="20000">
+                <a:solidFill>
+                  <a:srgbClr val="3EC7C0"/>
+                </a:solidFill>
+              </a:defRPr>
+            </a:pPr>
+            <a:r>
+              <a:rPr lang="nb-NO" sz="10000" noProof="1" smtClean="0">
+                <a:solidFill>
+                  <a:srgbClr val="17BDB4"/>
+                </a:solidFill>
+                <a:latin typeface="Calibri" charset="0"/>
+                <a:ea typeface="Calibri" charset="0"/>
+                <a:cs typeface="Calibri" charset="0"/>
+              </a:rPr>
+              <a:t>Row Store</a:t>
+            </a:r>
+            <a:endParaRPr lang="nb-NO" sz="10000" noProof="1">
+              <a:solidFill>
+                <a:srgbClr val="17BDB4"/>
+              </a:solidFill>
+              <a:latin typeface="Calibri" charset="0"/>
+              <a:ea typeface="Calibri" charset="0"/>
+              <a:cs typeface="Calibri" charset="0"/>
+            </a:endParaRPr>
+          </a:p>
+        </p:txBody>
+      </p:sp>
+      <p:sp>
+        <p:nvSpPr>
+          <p:cNvPr id="4" name="TextBox 3"/>
+          <p:cNvSpPr txBox="1"/>
+          <p:nvPr/>
+        </p:nvSpPr>
+        <p:spPr>
+          <a:xfrm>
+            <a:off x="415367" y="2806978"/>
+            <a:ext cx="8289721" cy="4760918"/>
+          </a:xfrm>
+          <a:prstGeom prst="rect">
+            <a:avLst/>
+          </a:prstGeom>
+          <a:noFill/>
+          <a:ln w="12700" cap="flat">
+            <a:noFill/>
+            <a:miter lim="400000"/>
+          </a:ln>
+          <a:effectLst/>
+          <a:sp3d/>
+        </p:spPr>
+        <p:style>
+          <a:lnRef idx="0">
+            <a:scrgbClr r="0" g="0" b="0"/>
+          </a:lnRef>
+          <a:fillRef idx="0">
+            <a:scrgbClr r="0" g="0" b="0"/>
+          </a:fillRef>
+          <a:effectRef idx="0">
+            <a:scrgbClr r="0" g="0" b="0"/>
+          </a:effectRef>
+          <a:fontRef idx="none"/>
+        </p:style>
+        <p:txBody>
+          <a:bodyPr rot="0" spcFirstLastPara="1" vertOverflow="overflow" horzOverflow="overflow" vert="horz" wrap="square" lIns="71437" tIns="71437" rIns="71437" bIns="71437" numCol="1" spcCol="38100" rtlCol="0" anchor="ctr">
+            <a:spAutoFit/>
+          </a:bodyPr>
+          <a:lstStyle/>
+          <a:p>
+            <a:pPr marL="685800" marR="0" lvl="0" indent="-685800" algn="l" defTabSz="914400" eaLnBrk="1" fontAlgn="auto" latinLnBrk="0" hangingPunct="1">
+              <a:lnSpc>
+                <a:spcPct val="100000"/>
+              </a:lnSpc>
+              <a:spcBef>
+                <a:spcPts val="0"/>
+              </a:spcBef>
+              <a:spcAft>
+                <a:spcPts val="0"/>
+              </a:spcAft>
+              <a:buClrTx/>
+              <a:buSzTx/>
+              <a:buFont typeface="Arial" charset="0"/>
+              <a:buNone/>
+              <a:tabLst/>
+              <a:defRPr/>
+            </a:pPr>
+            <a:r>
+              <a:rPr kumimoji="0" lang="en-US" sz="5000" b="0" i="0" u="none" strike="noStrike" cap="none" spc="0" normalizeH="0" baseline="0" noProof="1" smtClean="0">
+                <a:ln>
+                  <a:noFill/>
+                </a:ln>
+                <a:solidFill>
+                  <a:srgbClr val="FFFFFF"/>
+                </a:solidFill>
+                <a:effectLst/>
+                <a:uFillTx/>
+                <a:latin typeface="Calisto MT" charset="0"/>
+                <a:ea typeface="Calisto MT" charset="0"/>
+                <a:cs typeface="Calisto MT" charset="0"/>
+                <a:sym typeface="Conduit ITC Light"/>
+              </a:rPr>
+              <a:t>Data</a:t>
+            </a:r>
+            <a:r>
+              <a:rPr kumimoji="0" lang="en-US" sz="5000" b="0" i="0" u="none" strike="noStrike" cap="none" spc="0" normalizeH="0" noProof="1" smtClean="0">
+                <a:ln>
+                  <a:noFill/>
+                </a:ln>
+                <a:solidFill>
+                  <a:srgbClr val="FFFFFF"/>
+                </a:solidFill>
+                <a:effectLst/>
+                <a:uFillTx/>
+                <a:latin typeface="Calisto MT" charset="0"/>
+                <a:ea typeface="Calisto MT" charset="0"/>
+                <a:cs typeface="Calisto MT" charset="0"/>
+                <a:sym typeface="Conduit ITC Light"/>
+              </a:rPr>
+              <a:t> fra samme </a:t>
+            </a:r>
+            <a:r>
+              <a:rPr kumimoji="0" lang="en-US" sz="5000" b="1" i="0" u="none" strike="noStrike" cap="none" spc="0" normalizeH="0" noProof="1" smtClean="0">
+                <a:ln>
+                  <a:noFill/>
+                </a:ln>
+                <a:solidFill>
+                  <a:srgbClr val="17BDB4"/>
+                </a:solidFill>
+                <a:effectLst/>
+                <a:uFillTx/>
+                <a:latin typeface="Calisto MT" charset="0"/>
+                <a:ea typeface="Calisto MT" charset="0"/>
+                <a:cs typeface="Calisto MT" charset="0"/>
+                <a:sym typeface="Conduit ITC Light"/>
+              </a:rPr>
+              <a:t>kolonne</a:t>
+            </a:r>
+            <a:endParaRPr lang="en-US" b="1" noProof="1" smtClean="0">
+              <a:solidFill>
+                <a:srgbClr val="17BDB4"/>
+              </a:solidFill>
+              <a:latin typeface="Calisto MT" charset="0"/>
+              <a:ea typeface="Calisto MT" charset="0"/>
+              <a:cs typeface="Calisto MT" charset="0"/>
+            </a:endParaRPr>
+          </a:p>
+          <a:p>
+            <a:pPr marL="685800" marR="0" lvl="0" indent="-685800" algn="l" defTabSz="914400" eaLnBrk="1" fontAlgn="auto" latinLnBrk="0" hangingPunct="1">
+              <a:lnSpc>
+                <a:spcPct val="100000"/>
+              </a:lnSpc>
+              <a:spcBef>
+                <a:spcPts val="0"/>
+              </a:spcBef>
+              <a:spcAft>
+                <a:spcPts val="0"/>
+              </a:spcAft>
+              <a:buClrTx/>
+              <a:buSzTx/>
+              <a:buFont typeface="Arial" charset="0"/>
+              <a:buNone/>
+              <a:tabLst/>
+              <a:defRPr/>
+            </a:pPr>
+            <a:r>
+              <a:rPr kumimoji="0" lang="en-US" sz="5000" b="0" i="0" u="none" strike="noStrike" cap="none" spc="0" normalizeH="0" noProof="1" smtClean="0">
+                <a:ln>
+                  <a:noFill/>
+                </a:ln>
+                <a:solidFill>
+                  <a:srgbClr val="FFFFFF"/>
+                </a:solidFill>
+                <a:effectLst/>
+                <a:uFillTx/>
+                <a:latin typeface="Calisto MT" charset="0"/>
+                <a:ea typeface="Calisto MT" charset="0"/>
+                <a:cs typeface="Calisto MT" charset="0"/>
+                <a:sym typeface="Conduit ITC Light"/>
+              </a:rPr>
+              <a:t>lagres sammen på disk.</a:t>
+            </a:r>
+          </a:p>
+          <a:p>
+            <a:pPr marL="685800" marR="0" lvl="0" indent="-685800" algn="l" defTabSz="914400" eaLnBrk="1" fontAlgn="auto" latinLnBrk="0" hangingPunct="1">
+              <a:lnSpc>
+                <a:spcPct val="100000"/>
+              </a:lnSpc>
+              <a:spcBef>
+                <a:spcPts val="0"/>
+              </a:spcBef>
+              <a:spcAft>
+                <a:spcPts val="0"/>
+              </a:spcAft>
+              <a:buClrTx/>
+              <a:buSzTx/>
+              <a:buFont typeface="Arial" charset="0"/>
+              <a:buNone/>
+              <a:tabLst/>
+              <a:defRPr/>
+            </a:pPr>
+            <a:endParaRPr lang="en-US" noProof="1">
+              <a:latin typeface="Calisto MT" charset="0"/>
+              <a:ea typeface="Calisto MT" charset="0"/>
+              <a:cs typeface="Calisto MT" charset="0"/>
+            </a:endParaRPr>
+          </a:p>
+          <a:p>
+            <a:pPr marL="685800" marR="0" lvl="0" indent="-685800" algn="l" defTabSz="914400" eaLnBrk="1" fontAlgn="auto" latinLnBrk="0" hangingPunct="1">
+              <a:lnSpc>
+                <a:spcPct val="100000"/>
+              </a:lnSpc>
+              <a:spcBef>
+                <a:spcPts val="0"/>
+              </a:spcBef>
+              <a:spcAft>
+                <a:spcPts val="0"/>
+              </a:spcAft>
+              <a:buClrTx/>
+              <a:buSzTx/>
+              <a:buFont typeface="Arial" charset="0"/>
+              <a:buNone/>
+              <a:tabLst/>
+              <a:defRPr/>
+            </a:pPr>
+            <a:r>
+              <a:rPr lang="en-US" baseline="0" noProof="1" smtClean="0">
+                <a:latin typeface="Calisto MT" charset="0"/>
+                <a:ea typeface="Calisto MT" charset="0"/>
+                <a:cs typeface="Calisto MT" charset="0"/>
+              </a:rPr>
+              <a:t>Bruk:</a:t>
+            </a:r>
+          </a:p>
+          <a:p>
+            <a:pPr marL="685800" marR="0" lvl="0" indent="-685800" algn="l" defTabSz="914400" eaLnBrk="1" fontAlgn="auto" latinLnBrk="0" hangingPunct="1">
+              <a:lnSpc>
+                <a:spcPct val="100000"/>
+              </a:lnSpc>
+              <a:spcBef>
+                <a:spcPts val="0"/>
+              </a:spcBef>
+              <a:spcAft>
+                <a:spcPts val="0"/>
+              </a:spcAft>
+              <a:buClrTx/>
+              <a:buSzTx/>
+              <a:buFont typeface="Arial" charset="0"/>
+              <a:buNone/>
+              <a:tabLst/>
+              <a:defRPr/>
+            </a:pPr>
+            <a:r>
+              <a:rPr lang="en-US" noProof="1" smtClean="0">
+                <a:latin typeface="Calisto MT" charset="0"/>
+                <a:ea typeface="Calisto MT" charset="0"/>
+                <a:cs typeface="Calisto MT" charset="0"/>
+              </a:rPr>
+              <a:t>Datavarehus og Business</a:t>
+            </a:r>
+          </a:p>
+          <a:p>
+            <a:pPr marL="685800" marR="0" lvl="0" indent="-685800" algn="l" defTabSz="914400" eaLnBrk="1" fontAlgn="auto" latinLnBrk="0" hangingPunct="1">
+              <a:lnSpc>
+                <a:spcPct val="100000"/>
+              </a:lnSpc>
+              <a:spcBef>
+                <a:spcPts val="0"/>
+              </a:spcBef>
+              <a:spcAft>
+                <a:spcPts val="0"/>
+              </a:spcAft>
+              <a:buClrTx/>
+              <a:buSzTx/>
+              <a:buFont typeface="Arial" charset="0"/>
+              <a:buNone/>
+              <a:tabLst/>
+              <a:defRPr/>
+            </a:pPr>
+            <a:r>
+              <a:rPr lang="en-US" noProof="1" smtClean="0">
+                <a:latin typeface="Calisto MT" charset="0"/>
+                <a:ea typeface="Calisto MT" charset="0"/>
+                <a:cs typeface="Calisto MT" charset="0"/>
+              </a:rPr>
+              <a:t>Intelligence </a:t>
+            </a:r>
+            <a:r>
+              <a:rPr lang="en-US" noProof="1" smtClean="0">
+                <a:latin typeface="Calisto MT" charset="0"/>
+                <a:ea typeface="Calisto MT" charset="0"/>
+                <a:cs typeface="Calisto MT" charset="0"/>
+              </a:rPr>
+              <a:t>løsninger</a:t>
+            </a:r>
+          </a:p>
+        </p:txBody>
+      </p:sp>
+      <p:sp>
+        <p:nvSpPr>
+          <p:cNvPr id="7" name="TextBox 6"/>
+          <p:cNvSpPr txBox="1"/>
+          <p:nvPr/>
+        </p:nvSpPr>
+        <p:spPr>
+          <a:xfrm>
+            <a:off x="9473186" y="2806977"/>
+            <a:ext cx="8162543" cy="4760918"/>
+          </a:xfrm>
+          <a:prstGeom prst="rect">
+            <a:avLst/>
+          </a:prstGeom>
+          <a:noFill/>
+          <a:ln w="12700" cap="flat">
+            <a:noFill/>
+            <a:miter lim="400000"/>
+          </a:ln>
+          <a:effectLst/>
+          <a:sp3d/>
+        </p:spPr>
+        <p:style>
+          <a:lnRef idx="0">
+            <a:scrgbClr r="0" g="0" b="0"/>
+          </a:lnRef>
+          <a:fillRef idx="0">
+            <a:scrgbClr r="0" g="0" b="0"/>
+          </a:fillRef>
+          <a:effectRef idx="0">
+            <a:scrgbClr r="0" g="0" b="0"/>
+          </a:effectRef>
+          <a:fontRef idx="none"/>
+        </p:style>
+        <p:txBody>
+          <a:bodyPr rot="0" spcFirstLastPara="1" vertOverflow="overflow" horzOverflow="overflow" vert="horz" wrap="square" lIns="71437" tIns="71437" rIns="71437" bIns="71437" numCol="1" spcCol="38100" rtlCol="0" anchor="ctr">
+            <a:spAutoFit/>
+          </a:bodyPr>
+          <a:lstStyle/>
+          <a:p>
+            <a:pPr marL="0" marR="0" indent="0" algn="l" defTabSz="821531" rtl="0" fontAlgn="auto" latinLnBrk="0" hangingPunct="0">
+              <a:lnSpc>
+                <a:spcPct val="100000"/>
+              </a:lnSpc>
+              <a:spcBef>
+                <a:spcPts val="0"/>
+              </a:spcBef>
+              <a:spcAft>
+                <a:spcPts val="0"/>
+              </a:spcAft>
+              <a:buClrTx/>
+              <a:buSzTx/>
+              <a:buFontTx/>
+              <a:buNone/>
+              <a:tabLst/>
+            </a:pPr>
+            <a:r>
+              <a:rPr lang="en-US" noProof="1" smtClean="0">
+                <a:latin typeface="Calisto MT" charset="0"/>
+                <a:ea typeface="Calisto MT" charset="0"/>
+                <a:cs typeface="Calisto MT" charset="0"/>
+              </a:rPr>
+              <a:t>Data fra samme </a:t>
+            </a:r>
+            <a:r>
+              <a:rPr lang="en-US" b="1" noProof="1" smtClean="0">
+                <a:solidFill>
+                  <a:srgbClr val="17BDB4"/>
+                </a:solidFill>
+                <a:latin typeface="Calisto MT" charset="0"/>
+                <a:ea typeface="Calisto MT" charset="0"/>
+                <a:cs typeface="Calisto MT" charset="0"/>
+              </a:rPr>
+              <a:t>rad</a:t>
+            </a:r>
+            <a:r>
+              <a:rPr lang="en-US" noProof="1" smtClean="0">
+                <a:solidFill>
+                  <a:srgbClr val="17BDB4"/>
+                </a:solidFill>
+                <a:latin typeface="Calisto MT" charset="0"/>
+                <a:ea typeface="Calisto MT" charset="0"/>
+                <a:cs typeface="Calisto MT" charset="0"/>
+              </a:rPr>
+              <a:t> </a:t>
+            </a:r>
+            <a:r>
+              <a:rPr lang="en-US" noProof="1" smtClean="0">
+                <a:latin typeface="Calisto MT" charset="0"/>
+                <a:ea typeface="Calisto MT" charset="0"/>
+                <a:cs typeface="Calisto MT" charset="0"/>
+              </a:rPr>
+              <a:t>lagres sammen på disk.</a:t>
+            </a:r>
+          </a:p>
+          <a:p>
+            <a:pPr marL="0" marR="0" indent="0" algn="l" defTabSz="821531" rtl="0" fontAlgn="auto" latinLnBrk="0" hangingPunct="0">
+              <a:lnSpc>
+                <a:spcPct val="100000"/>
+              </a:lnSpc>
+              <a:spcBef>
+                <a:spcPts val="0"/>
+              </a:spcBef>
+              <a:spcAft>
+                <a:spcPts val="0"/>
+              </a:spcAft>
+              <a:buClrTx/>
+              <a:buSzTx/>
+              <a:buFontTx/>
+              <a:buNone/>
+              <a:tabLst/>
+            </a:pPr>
+            <a:endParaRPr kumimoji="0" lang="en-US" sz="5000" b="0" i="0" u="none" strike="noStrike" cap="none" spc="0" normalizeH="0" baseline="0" noProof="1">
+              <a:ln>
+                <a:noFill/>
+              </a:ln>
+              <a:solidFill>
+                <a:srgbClr val="FFFFFF"/>
+              </a:solidFill>
+              <a:effectLst/>
+              <a:uFillTx/>
+              <a:latin typeface="Calisto MT" charset="0"/>
+              <a:ea typeface="Calisto MT" charset="0"/>
+              <a:cs typeface="Calisto MT" charset="0"/>
+              <a:sym typeface="Conduit ITC Light"/>
+            </a:endParaRPr>
+          </a:p>
+          <a:p>
+            <a:pPr marL="0" marR="0" indent="0" algn="l" defTabSz="821531" rtl="0" fontAlgn="auto" latinLnBrk="0" hangingPunct="0">
+              <a:lnSpc>
+                <a:spcPct val="100000"/>
+              </a:lnSpc>
+              <a:spcBef>
+                <a:spcPts val="0"/>
+              </a:spcBef>
+              <a:spcAft>
+                <a:spcPts val="0"/>
+              </a:spcAft>
+              <a:buClrTx/>
+              <a:buSzTx/>
+              <a:buFontTx/>
+              <a:buNone/>
+              <a:tabLst/>
+            </a:pPr>
+            <a:r>
+              <a:rPr lang="en-US" noProof="1" smtClean="0">
+                <a:latin typeface="Calisto MT" charset="0"/>
+                <a:ea typeface="Calisto MT" charset="0"/>
+                <a:cs typeface="Calisto MT" charset="0"/>
+              </a:rPr>
+              <a:t>Bruk:</a:t>
+            </a:r>
+          </a:p>
+          <a:p>
+            <a:pPr marL="0" marR="0" indent="0" algn="l" defTabSz="821531" rtl="0" fontAlgn="auto" latinLnBrk="0" hangingPunct="0">
+              <a:lnSpc>
+                <a:spcPct val="100000"/>
+              </a:lnSpc>
+              <a:spcBef>
+                <a:spcPts val="0"/>
+              </a:spcBef>
+              <a:spcAft>
+                <a:spcPts val="0"/>
+              </a:spcAft>
+              <a:buClrTx/>
+              <a:buSzTx/>
+              <a:buFontTx/>
+              <a:buNone/>
+              <a:tabLst/>
+            </a:pPr>
+            <a:r>
+              <a:rPr kumimoji="0" lang="en-US" sz="5000" b="0" i="0" u="none" strike="noStrike" cap="none" spc="0" normalizeH="0" baseline="0" noProof="1" smtClean="0">
+                <a:ln>
+                  <a:noFill/>
+                </a:ln>
+                <a:solidFill>
+                  <a:srgbClr val="FFFFFF"/>
+                </a:solidFill>
+                <a:effectLst/>
+                <a:uFillTx/>
+                <a:latin typeface="Calisto MT" charset="0"/>
+                <a:ea typeface="Calisto MT" charset="0"/>
+                <a:cs typeface="Calisto MT" charset="0"/>
+                <a:sym typeface="Conduit ITC Light"/>
+              </a:rPr>
+              <a:t>“Vanlige” relasjonsdatabaser</a:t>
+            </a:r>
+            <a:r>
+              <a:rPr kumimoji="0" lang="en-US" sz="5000" b="0" i="0" u="none" strike="noStrike" cap="none" spc="0" normalizeH="0" noProof="1" smtClean="0">
+                <a:ln>
+                  <a:noFill/>
+                </a:ln>
+                <a:solidFill>
+                  <a:srgbClr val="FFFFFF"/>
+                </a:solidFill>
+                <a:effectLst/>
+                <a:uFillTx/>
+                <a:latin typeface="Calisto MT" charset="0"/>
+                <a:ea typeface="Calisto MT" charset="0"/>
+                <a:cs typeface="Calisto MT" charset="0"/>
+                <a:sym typeface="Conduit ITC Light"/>
+              </a:rPr>
+              <a:t> som MySQL, PostgreSQL</a:t>
+            </a:r>
+            <a:endParaRPr kumimoji="0" lang="en-US" sz="5000" b="0" i="0" u="none" strike="noStrike" cap="none" spc="0" normalizeH="0" baseline="0" noProof="1">
+              <a:ln>
+                <a:noFill/>
+              </a:ln>
+              <a:solidFill>
+                <a:srgbClr val="FFFFFF"/>
+              </a:solidFill>
+              <a:effectLst/>
+              <a:uFillTx/>
+              <a:latin typeface="Calisto MT" charset="0"/>
+              <a:ea typeface="Calisto MT" charset="0"/>
+              <a:cs typeface="Calisto MT" charset="0"/>
+              <a:sym typeface="Conduit ITC Light"/>
+            </a:endParaRPr>
+          </a:p>
+        </p:txBody>
+      </p:sp>
+    </p:spTree>
+    <p:extLst>
+      <p:ext uri="{BB962C8B-B14F-4D97-AF65-F5344CB8AC3E}">
+        <p14:creationId xmlns:p14="http://schemas.microsoft.com/office/powerpoint/2010/main" val="1203900293"/>
+      </p:ext>
+    </p:extLst>
+  </p:cSld>
+  <p:clrMapOvr>
+    <a:masterClrMapping/>
+  </p:clrMapOvr>
+  <p:transition spd="med"/>
+</p:sld>
+</file>
+
+<file path=ppt/slides/slide7.xml><?xml version="1.0" encoding="utf-8"?>
+<p:sld xmlns:a="http://schemas.openxmlformats.org/drawingml/2006/main" xmlns:r="http://schemas.openxmlformats.org/officeDocument/2006/relationships" xmlns:p="http://schemas.openxmlformats.org/presentationml/2006/main">
+  <p:cSld>
+    <p:bg>
+      <p:bgPr>
+        <a:solidFill>
+          <a:srgbClr val="282828"/>
+        </a:solidFill>
+        <a:effectLst/>
+      </p:bgPr>
+    </p:bg>
+    <p:spTree>
+      <p:nvGrpSpPr>
+        <p:cNvPr id="1" name=""/>
+        <p:cNvGrpSpPr/>
+        <p:nvPr/>
+      </p:nvGrpSpPr>
+      <p:grpSpPr>
+        <a:xfrm>
+          <a:off x="0" y="0"/>
+          <a:ext cx="0" cy="0"/>
+          <a:chOff x="0" y="0"/>
+          <a:chExt cx="0" cy="0"/>
+        </a:xfrm>
+      </p:grpSpPr>
+      <p:graphicFrame>
+        <p:nvGraphicFramePr>
+          <p:cNvPr id="2" name="Table 1"/>
+          <p:cNvGraphicFramePr>
+            <a:graphicFrameLocks noGrp="1"/>
+          </p:cNvGraphicFramePr>
+          <p:nvPr>
+            <p:extLst>
+              <p:ext uri="{D42A27DB-BD31-4B8C-83A1-F6EECF244321}">
+                <p14:modId xmlns:p14="http://schemas.microsoft.com/office/powerpoint/2010/main" val="493933404"/>
+              </p:ext>
+            </p:extLst>
+          </p:nvPr>
+        </p:nvGraphicFramePr>
+        <p:xfrm>
+          <a:off x="3073907" y="1243584"/>
+          <a:ext cx="12214861" cy="3075070"/>
+        </p:xfrm>
+        <a:graphic>
+          <a:graphicData uri="http://schemas.openxmlformats.org/drawingml/2006/table">
+            <a:tbl>
+              <a:tblPr/>
+              <a:tblGrid>
+                <a:gridCol w="2781919"/>
+                <a:gridCol w="2973775"/>
+                <a:gridCol w="3677248"/>
+                <a:gridCol w="2781919"/>
+              </a:tblGrid>
+              <a:tr h="1025023">
+                <a:tc>
+                  <a:txBody>
+                    <a:bodyPr/>
+                    <a:lstStyle/>
+                    <a:p>
+                      <a:pPr algn="l" fontAlgn="b"/>
+                      <a:r>
+                        <a:rPr lang="en-US" sz="6100" b="1" i="0" u="none" strike="noStrike">
+                          <a:solidFill>
+                            <a:srgbClr val="000000"/>
+                          </a:solidFill>
+                          <a:effectLst/>
+                          <a:latin typeface="Calibri" charset="0"/>
+                        </a:rPr>
+                        <a:t>ID</a:t>
+                      </a:r>
+                    </a:p>
+                  </a:txBody>
+                  <a:tcPr marL="42709" marR="42709" marT="42709" marB="0" anchor="b">
+                    <a:lnL w="6350" cap="flat" cmpd="sng" algn="ctr">
+                      <a:solidFill>
+                        <a:srgbClr val="000000"/>
+                      </a:solidFill>
+                      <a:prstDash val="solid"/>
+                      <a:round/>
+                      <a:headEnd type="none" w="med" len="med"/>
+                      <a:tailEnd type="none" w="med" len="med"/>
+                    </a:lnL>
+                    <a:lnR w="6350" cap="flat" cmpd="sng" algn="ctr">
+                      <a:solidFill>
+                        <a:srgbClr val="000000"/>
+                      </a:solidFill>
+                      <a:prstDash val="solid"/>
+                      <a:round/>
+                      <a:headEnd type="none" w="med" len="med"/>
+                      <a:tailEnd type="none" w="med" len="med"/>
+                    </a:lnR>
+                    <a:lnT w="6350" cap="flat" cmpd="sng" algn="ctr">
+                      <a:solidFill>
+                        <a:srgbClr val="000000"/>
+                      </a:solidFill>
+                      <a:prstDash val="solid"/>
+                      <a:round/>
+                      <a:headEnd type="none" w="med" len="med"/>
+                      <a:tailEnd type="none" w="med" len="med"/>
+                    </a:lnT>
+                    <a:lnB w="6350" cap="flat" cmpd="sng" algn="ctr">
+                      <a:solidFill>
+                        <a:srgbClr val="000000"/>
+                      </a:solidFill>
+                      <a:prstDash val="solid"/>
+                      <a:round/>
+                      <a:headEnd type="none" w="med" len="med"/>
+                      <a:tailEnd type="none" w="med" len="med"/>
+                    </a:lnB>
+                    <a:solidFill>
+                      <a:srgbClr val="F2F2F2"/>
+                    </a:solidFill>
+                  </a:tcPr>
+                </a:tc>
+                <a:tc>
+                  <a:txBody>
+                    <a:bodyPr/>
+                    <a:lstStyle/>
+                    <a:p>
+                      <a:pPr algn="l" fontAlgn="b"/>
+                      <a:r>
+                        <a:rPr lang="en-US" sz="6100" b="1" i="0" u="none" strike="noStrike" dirty="0" err="1">
+                          <a:solidFill>
+                            <a:srgbClr val="000000"/>
+                          </a:solidFill>
+                          <a:effectLst/>
+                          <a:latin typeface="Calibri" charset="0"/>
+                        </a:rPr>
+                        <a:t>Fornavn</a:t>
+                      </a:r>
+                      <a:endParaRPr lang="en-US" sz="6100" b="1" i="0" u="none" strike="noStrike" dirty="0">
+                        <a:solidFill>
+                          <a:srgbClr val="000000"/>
+                        </a:solidFill>
+                        <a:effectLst/>
+                        <a:latin typeface="Calibri" charset="0"/>
+                      </a:endParaRPr>
+                    </a:p>
+                  </a:txBody>
+                  <a:tcPr marL="42709" marR="42709" marT="42709" marB="0" anchor="b">
+                    <a:lnL w="6350" cap="flat" cmpd="sng" algn="ctr">
+                      <a:solidFill>
+                        <a:srgbClr val="000000"/>
+                      </a:solidFill>
+                      <a:prstDash val="solid"/>
+                      <a:round/>
+                      <a:headEnd type="none" w="med" len="med"/>
+                      <a:tailEnd type="none" w="med" len="med"/>
+                    </a:lnL>
+                    <a:lnR w="6350" cap="flat" cmpd="sng" algn="ctr">
+                      <a:solidFill>
+                        <a:srgbClr val="000000"/>
+                      </a:solidFill>
+                      <a:prstDash val="solid"/>
+                      <a:round/>
+                      <a:headEnd type="none" w="med" len="med"/>
+                      <a:tailEnd type="none" w="med" len="med"/>
+                    </a:lnR>
+                    <a:lnT w="6350" cap="flat" cmpd="sng" algn="ctr">
+                      <a:solidFill>
+                        <a:srgbClr val="000000"/>
+                      </a:solidFill>
+                      <a:prstDash val="solid"/>
+                      <a:round/>
+                      <a:headEnd type="none" w="med" len="med"/>
+                      <a:tailEnd type="none" w="med" len="med"/>
+                    </a:lnT>
+                    <a:lnB w="6350" cap="flat" cmpd="sng" algn="ctr">
+                      <a:solidFill>
+                        <a:srgbClr val="000000"/>
+                      </a:solidFill>
+                      <a:prstDash val="solid"/>
+                      <a:round/>
+                      <a:headEnd type="none" w="med" len="med"/>
+                      <a:tailEnd type="none" w="med" len="med"/>
+                    </a:lnB>
+                    <a:solidFill>
+                      <a:srgbClr val="F2F2F2"/>
+                    </a:solidFill>
+                  </a:tcPr>
+                </a:tc>
+                <a:tc>
+                  <a:txBody>
+                    <a:bodyPr/>
+                    <a:lstStyle/>
+                    <a:p>
+                      <a:pPr algn="l" fontAlgn="b"/>
+                      <a:r>
+                        <a:rPr lang="en-US" sz="6100" b="1" i="0" u="none" strike="noStrike">
+                          <a:solidFill>
+                            <a:srgbClr val="000000"/>
+                          </a:solidFill>
+                          <a:effectLst/>
+                          <a:latin typeface="Calibri" charset="0"/>
+                        </a:rPr>
+                        <a:t>Etternavn </a:t>
+                      </a:r>
+                    </a:p>
+                  </a:txBody>
+                  <a:tcPr marL="42709" marR="42709" marT="42709" marB="0" anchor="b">
+                    <a:lnL w="6350" cap="flat" cmpd="sng" algn="ctr">
+                      <a:solidFill>
+                        <a:srgbClr val="000000"/>
+                      </a:solidFill>
+                      <a:prstDash val="solid"/>
+                      <a:round/>
+                      <a:headEnd type="none" w="med" len="med"/>
+                      <a:tailEnd type="none" w="med" len="med"/>
+                    </a:lnL>
+                    <a:lnR w="6350" cap="flat" cmpd="sng" algn="ctr">
+                      <a:solidFill>
+                        <a:srgbClr val="000000"/>
+                      </a:solidFill>
+                      <a:prstDash val="solid"/>
+                      <a:round/>
+                      <a:headEnd type="none" w="med" len="med"/>
+                      <a:tailEnd type="none" w="med" len="med"/>
+                    </a:lnR>
+                    <a:lnT w="6350" cap="flat" cmpd="sng" algn="ctr">
+                      <a:solidFill>
+                        <a:srgbClr val="000000"/>
+                      </a:solidFill>
+                      <a:prstDash val="solid"/>
+                      <a:round/>
+                      <a:headEnd type="none" w="med" len="med"/>
+                      <a:tailEnd type="none" w="med" len="med"/>
+                    </a:lnT>
+                    <a:lnB w="6350" cap="flat" cmpd="sng" algn="ctr">
+                      <a:solidFill>
+                        <a:srgbClr val="000000"/>
+                      </a:solidFill>
+                      <a:prstDash val="solid"/>
+                      <a:round/>
+                      <a:headEnd type="none" w="med" len="med"/>
+                      <a:tailEnd type="none" w="med" len="med"/>
+                    </a:lnB>
+                    <a:solidFill>
+                      <a:srgbClr val="F2F2F2"/>
+                    </a:solidFill>
+                  </a:tcPr>
+                </a:tc>
+                <a:tc>
+                  <a:txBody>
+                    <a:bodyPr/>
+                    <a:lstStyle/>
+                    <a:p>
+                      <a:pPr algn="l" fontAlgn="b"/>
+                      <a:r>
+                        <a:rPr lang="en-US" sz="6100" b="1" i="0" u="none" strike="noStrike">
+                          <a:solidFill>
+                            <a:srgbClr val="000000"/>
+                          </a:solidFill>
+                          <a:effectLst/>
+                          <a:latin typeface="Calibri" charset="0"/>
+                        </a:rPr>
+                        <a:t>Alder</a:t>
+                      </a:r>
+                    </a:p>
+                  </a:txBody>
+                  <a:tcPr marL="42709" marR="42709" marT="42709" marB="0" anchor="b">
+                    <a:lnL w="6350" cap="flat" cmpd="sng" algn="ctr">
+                      <a:solidFill>
+                        <a:srgbClr val="000000"/>
+                      </a:solidFill>
+                      <a:prstDash val="solid"/>
+                      <a:round/>
+                      <a:headEnd type="none" w="med" len="med"/>
+                      <a:tailEnd type="none" w="med" len="med"/>
+                    </a:lnL>
+                    <a:lnR w="6350" cap="flat" cmpd="sng" algn="ctr">
+                      <a:solidFill>
+                        <a:srgbClr val="000000"/>
+                      </a:solidFill>
+                      <a:prstDash val="solid"/>
+                      <a:round/>
+                      <a:headEnd type="none" w="med" len="med"/>
+                      <a:tailEnd type="none" w="med" len="med"/>
+                    </a:lnR>
+                    <a:lnT w="6350" cap="flat" cmpd="sng" algn="ctr">
+                      <a:solidFill>
+                        <a:srgbClr val="000000"/>
+                      </a:solidFill>
+                      <a:prstDash val="solid"/>
+                      <a:round/>
+                      <a:headEnd type="none" w="med" len="med"/>
+                      <a:tailEnd type="none" w="med" len="med"/>
+                    </a:lnT>
+                    <a:lnB w="6350" cap="flat" cmpd="sng" algn="ctr">
+                      <a:solidFill>
+                        <a:srgbClr val="000000"/>
+                      </a:solidFill>
+                      <a:prstDash val="solid"/>
+                      <a:round/>
+                      <a:headEnd type="none" w="med" len="med"/>
+                      <a:tailEnd type="none" w="med" len="med"/>
+                    </a:lnB>
+                    <a:solidFill>
+                      <a:srgbClr val="F2F2F2"/>
+                    </a:solidFill>
+                  </a:tcPr>
+                </a:tc>
+              </a:tr>
+              <a:tr h="683349">
+                <a:tc>
+                  <a:txBody>
+                    <a:bodyPr/>
+                    <a:lstStyle/>
+                    <a:p>
+                      <a:pPr algn="r" fontAlgn="b"/>
+                      <a:r>
+                        <a:rPr lang="en-US" sz="4000" b="0" i="0" u="none" strike="noStrike" dirty="0">
+                          <a:solidFill>
+                            <a:srgbClr val="000000"/>
+                          </a:solidFill>
+                          <a:effectLst/>
+                          <a:latin typeface="Calibri" charset="0"/>
+                        </a:rPr>
+                        <a:t>1</a:t>
+                      </a:r>
+                    </a:p>
+                  </a:txBody>
+                  <a:tcPr marL="42709" marR="42709" marT="42709" marB="0" anchor="b">
+                    <a:lnL w="6350" cap="flat" cmpd="sng" algn="ctr">
+                      <a:solidFill>
+                        <a:srgbClr val="000000"/>
+                      </a:solidFill>
+                      <a:prstDash val="solid"/>
+                      <a:round/>
+                      <a:headEnd type="none" w="med" len="med"/>
+                      <a:tailEnd type="none" w="med" len="med"/>
+                    </a:lnL>
+                    <a:lnR w="6350" cap="flat" cmpd="sng" algn="ctr">
+                      <a:solidFill>
+                        <a:srgbClr val="000000"/>
+                      </a:solidFill>
+                      <a:prstDash val="solid"/>
+                      <a:round/>
+                      <a:headEnd type="none" w="med" len="med"/>
+                      <a:tailEnd type="none" w="med" len="med"/>
+                    </a:lnR>
+                    <a:lnT w="6350" cap="flat" cmpd="sng" algn="ctr">
+                      <a:solidFill>
+                        <a:srgbClr val="000000"/>
+                      </a:solidFill>
+                      <a:prstDash val="solid"/>
+                      <a:round/>
+                      <a:headEnd type="none" w="med" len="med"/>
+                      <a:tailEnd type="none" w="med" len="med"/>
+                    </a:lnT>
+                    <a:lnB w="6350" cap="flat" cmpd="sng" algn="ctr">
+                      <a:solidFill>
+                        <a:srgbClr val="000000"/>
+                      </a:solidFill>
+                      <a:prstDash val="solid"/>
+                      <a:round/>
+                      <a:headEnd type="none" w="med" len="med"/>
+                      <a:tailEnd type="none" w="med" len="med"/>
+                    </a:lnB>
+                    <a:solidFill>
+                      <a:srgbClr val="FFFFFF"/>
+                    </a:solidFill>
+                  </a:tcPr>
+                </a:tc>
+                <a:tc>
+                  <a:txBody>
+                    <a:bodyPr/>
+                    <a:lstStyle/>
+                    <a:p>
+                      <a:pPr algn="l" fontAlgn="b"/>
+                      <a:r>
+                        <a:rPr lang="en-US" sz="4000" b="0" i="0" u="none" strike="noStrike">
+                          <a:solidFill>
+                            <a:srgbClr val="000000"/>
+                          </a:solidFill>
+                          <a:effectLst/>
+                          <a:latin typeface="Calibri" charset="0"/>
+                        </a:rPr>
+                        <a:t>Ola</a:t>
+                      </a:r>
+                    </a:p>
+                  </a:txBody>
+                  <a:tcPr marL="42709" marR="42709" marT="42709" marB="0" anchor="b">
+                    <a:lnL w="6350" cap="flat" cmpd="sng" algn="ctr">
+                      <a:solidFill>
+                        <a:srgbClr val="000000"/>
+                      </a:solidFill>
+                      <a:prstDash val="solid"/>
+                      <a:round/>
+                      <a:headEnd type="none" w="med" len="med"/>
+                      <a:tailEnd type="none" w="med" len="med"/>
+                    </a:lnL>
+                    <a:lnR w="6350" cap="flat" cmpd="sng" algn="ctr">
+                      <a:solidFill>
+                        <a:srgbClr val="000000"/>
+                      </a:solidFill>
+                      <a:prstDash val="solid"/>
+                      <a:round/>
+                      <a:headEnd type="none" w="med" len="med"/>
+                      <a:tailEnd type="none" w="med" len="med"/>
+                    </a:lnR>
+                    <a:lnT w="6350" cap="flat" cmpd="sng" algn="ctr">
+                      <a:solidFill>
+                        <a:srgbClr val="000000"/>
+                      </a:solidFill>
+                      <a:prstDash val="solid"/>
+                      <a:round/>
+                      <a:headEnd type="none" w="med" len="med"/>
+                      <a:tailEnd type="none" w="med" len="med"/>
+                    </a:lnT>
+                    <a:lnB w="6350" cap="flat" cmpd="sng" algn="ctr">
+                      <a:solidFill>
+                        <a:srgbClr val="000000"/>
+                      </a:solidFill>
+                      <a:prstDash val="solid"/>
+                      <a:round/>
+                      <a:headEnd type="none" w="med" len="med"/>
+                      <a:tailEnd type="none" w="med" len="med"/>
+                    </a:lnB>
+                    <a:solidFill>
+                      <a:srgbClr val="FFFFFF"/>
+                    </a:solidFill>
+                  </a:tcPr>
+                </a:tc>
+                <a:tc>
+                  <a:txBody>
+                    <a:bodyPr/>
+                    <a:lstStyle/>
+                    <a:p>
+                      <a:pPr algn="l" fontAlgn="b"/>
+                      <a:r>
+                        <a:rPr lang="en-US" sz="4000" b="0" i="0" u="none" strike="noStrike">
+                          <a:solidFill>
+                            <a:srgbClr val="000000"/>
+                          </a:solidFill>
+                          <a:effectLst/>
+                          <a:latin typeface="Calibri" charset="0"/>
+                        </a:rPr>
+                        <a:t>Nordmann</a:t>
+                      </a:r>
+                    </a:p>
+                  </a:txBody>
+                  <a:tcPr marL="42709" marR="42709" marT="42709" marB="0" anchor="b">
+                    <a:lnL w="6350" cap="flat" cmpd="sng" algn="ctr">
+                      <a:solidFill>
+                        <a:srgbClr val="000000"/>
+                      </a:solidFill>
+                      <a:prstDash val="solid"/>
+                      <a:round/>
+                      <a:headEnd type="none" w="med" len="med"/>
+                      <a:tailEnd type="none" w="med" len="med"/>
+                    </a:lnL>
+                    <a:lnR w="6350" cap="flat" cmpd="sng" algn="ctr">
+                      <a:solidFill>
+                        <a:srgbClr val="000000"/>
+                      </a:solidFill>
+                      <a:prstDash val="solid"/>
+                      <a:round/>
+                      <a:headEnd type="none" w="med" len="med"/>
+                      <a:tailEnd type="none" w="med" len="med"/>
+                    </a:lnR>
+                    <a:lnT w="6350" cap="flat" cmpd="sng" algn="ctr">
+                      <a:solidFill>
+                        <a:srgbClr val="000000"/>
+                      </a:solidFill>
+                      <a:prstDash val="solid"/>
+                      <a:round/>
+                      <a:headEnd type="none" w="med" len="med"/>
+                      <a:tailEnd type="none" w="med" len="med"/>
+                    </a:lnT>
+                    <a:lnB w="6350" cap="flat" cmpd="sng" algn="ctr">
+                      <a:solidFill>
+                        <a:srgbClr val="000000"/>
+                      </a:solidFill>
+                      <a:prstDash val="solid"/>
+                      <a:round/>
+                      <a:headEnd type="none" w="med" len="med"/>
+                      <a:tailEnd type="none" w="med" len="med"/>
+                    </a:lnB>
+                    <a:solidFill>
+                      <a:srgbClr val="FFFFFF"/>
+                    </a:solidFill>
+                  </a:tcPr>
+                </a:tc>
+                <a:tc>
+                  <a:txBody>
+                    <a:bodyPr/>
+                    <a:lstStyle/>
+                    <a:p>
+                      <a:pPr algn="r" fontAlgn="b"/>
+                      <a:r>
+                        <a:rPr lang="en-US" sz="4000" b="0" i="0" u="none" strike="noStrike">
+                          <a:solidFill>
+                            <a:srgbClr val="000000"/>
+                          </a:solidFill>
+                          <a:effectLst/>
+                          <a:latin typeface="Calibri" charset="0"/>
+                        </a:rPr>
+                        <a:t>30</a:t>
+                      </a:r>
+                    </a:p>
+                  </a:txBody>
+                  <a:tcPr marL="42709" marR="42709" marT="42709" marB="0" anchor="b">
+                    <a:lnL w="6350" cap="flat" cmpd="sng" algn="ctr">
+                      <a:solidFill>
+                        <a:srgbClr val="000000"/>
+                      </a:solidFill>
+                      <a:prstDash val="solid"/>
+                      <a:round/>
+                      <a:headEnd type="none" w="med" len="med"/>
+                      <a:tailEnd type="none" w="med" len="med"/>
+                    </a:lnL>
+                    <a:lnR w="6350" cap="flat" cmpd="sng" algn="ctr">
+                      <a:solidFill>
+                        <a:srgbClr val="000000"/>
+                      </a:solidFill>
+                      <a:prstDash val="solid"/>
+                      <a:round/>
+                      <a:headEnd type="none" w="med" len="med"/>
+                      <a:tailEnd type="none" w="med" len="med"/>
+                    </a:lnR>
+                    <a:lnT w="6350" cap="flat" cmpd="sng" algn="ctr">
+                      <a:solidFill>
+                        <a:srgbClr val="000000"/>
+                      </a:solidFill>
+                      <a:prstDash val="solid"/>
+                      <a:round/>
+                      <a:headEnd type="none" w="med" len="med"/>
+                      <a:tailEnd type="none" w="med" len="med"/>
+                    </a:lnT>
+                    <a:lnB w="6350" cap="flat" cmpd="sng" algn="ctr">
+                      <a:solidFill>
+                        <a:srgbClr val="000000"/>
+                      </a:solidFill>
+                      <a:prstDash val="solid"/>
+                      <a:round/>
+                      <a:headEnd type="none" w="med" len="med"/>
+                      <a:tailEnd type="none" w="med" len="med"/>
+                    </a:lnB>
+                    <a:solidFill>
+                      <a:srgbClr val="FFFFFF"/>
+                    </a:solidFill>
+                  </a:tcPr>
+                </a:tc>
+              </a:tr>
+              <a:tr h="683349">
+                <a:tc>
+                  <a:txBody>
+                    <a:bodyPr/>
+                    <a:lstStyle/>
+                    <a:p>
+                      <a:pPr algn="r" fontAlgn="b"/>
+                      <a:r>
+                        <a:rPr lang="is-IS" sz="4000" b="0" i="0" u="none" strike="noStrike" dirty="0">
+                          <a:solidFill>
+                            <a:srgbClr val="000000"/>
+                          </a:solidFill>
+                          <a:effectLst/>
+                          <a:latin typeface="Calibri" charset="0"/>
+                        </a:rPr>
+                        <a:t>2</a:t>
+                      </a:r>
+                    </a:p>
+                  </a:txBody>
+                  <a:tcPr marL="42709" marR="42709" marT="42709" marB="0" anchor="b">
+                    <a:lnL w="6350" cap="flat" cmpd="sng" algn="ctr">
+                      <a:solidFill>
+                        <a:srgbClr val="000000"/>
+                      </a:solidFill>
+                      <a:prstDash val="solid"/>
+                      <a:round/>
+                      <a:headEnd type="none" w="med" len="med"/>
+                      <a:tailEnd type="none" w="med" len="med"/>
+                    </a:lnL>
+                    <a:lnR w="6350" cap="flat" cmpd="sng" algn="ctr">
+                      <a:solidFill>
+                        <a:srgbClr val="000000"/>
+                      </a:solidFill>
+                      <a:prstDash val="solid"/>
+                      <a:round/>
+                      <a:headEnd type="none" w="med" len="med"/>
+                      <a:tailEnd type="none" w="med" len="med"/>
+                    </a:lnR>
+                    <a:lnT w="6350" cap="flat" cmpd="sng" algn="ctr">
+                      <a:solidFill>
+                        <a:srgbClr val="000000"/>
+                      </a:solidFill>
+                      <a:prstDash val="solid"/>
+                      <a:round/>
+                      <a:headEnd type="none" w="med" len="med"/>
+                      <a:tailEnd type="none" w="med" len="med"/>
+                    </a:lnT>
+                    <a:lnB w="6350" cap="flat" cmpd="sng" algn="ctr">
+                      <a:solidFill>
+                        <a:srgbClr val="000000"/>
+                      </a:solidFill>
+                      <a:prstDash val="solid"/>
+                      <a:round/>
+                      <a:headEnd type="none" w="med" len="med"/>
+                      <a:tailEnd type="none" w="med" len="med"/>
+                    </a:lnB>
+                    <a:solidFill>
+                      <a:srgbClr val="FFFFFF"/>
+                    </a:solidFill>
+                  </a:tcPr>
+                </a:tc>
+                <a:tc>
+                  <a:txBody>
+                    <a:bodyPr/>
+                    <a:lstStyle/>
+                    <a:p>
+                      <a:pPr algn="l" fontAlgn="b"/>
+                      <a:r>
+                        <a:rPr lang="en-US" sz="4000" b="0" i="0" u="none" strike="noStrike" dirty="0">
+                          <a:solidFill>
+                            <a:srgbClr val="000000"/>
+                          </a:solidFill>
+                          <a:effectLst/>
+                          <a:latin typeface="Calibri" charset="0"/>
+                        </a:rPr>
+                        <a:t>Kari</a:t>
+                      </a:r>
+                    </a:p>
+                  </a:txBody>
+                  <a:tcPr marL="42709" marR="42709" marT="42709" marB="0" anchor="b">
+                    <a:lnL w="6350" cap="flat" cmpd="sng" algn="ctr">
+                      <a:solidFill>
+                        <a:srgbClr val="000000"/>
+                      </a:solidFill>
+                      <a:prstDash val="solid"/>
+                      <a:round/>
+                      <a:headEnd type="none" w="med" len="med"/>
+                      <a:tailEnd type="none" w="med" len="med"/>
+                    </a:lnL>
+                    <a:lnR w="6350" cap="flat" cmpd="sng" algn="ctr">
+                      <a:solidFill>
+                        <a:srgbClr val="000000"/>
+                      </a:solidFill>
+                      <a:prstDash val="solid"/>
+                      <a:round/>
+                      <a:headEnd type="none" w="med" len="med"/>
+                      <a:tailEnd type="none" w="med" len="med"/>
+                    </a:lnR>
+                    <a:lnT w="6350" cap="flat" cmpd="sng" algn="ctr">
+                      <a:solidFill>
+                        <a:srgbClr val="000000"/>
+                      </a:solidFill>
+                      <a:prstDash val="solid"/>
+                      <a:round/>
+                      <a:headEnd type="none" w="med" len="med"/>
+                      <a:tailEnd type="none" w="med" len="med"/>
+                    </a:lnT>
+                    <a:lnB w="6350" cap="flat" cmpd="sng" algn="ctr">
+                      <a:solidFill>
+                        <a:srgbClr val="000000"/>
+                      </a:solidFill>
+                      <a:prstDash val="solid"/>
+                      <a:round/>
+                      <a:headEnd type="none" w="med" len="med"/>
+                      <a:tailEnd type="none" w="med" len="med"/>
+                    </a:lnB>
+                    <a:solidFill>
+                      <a:srgbClr val="FFFFFF"/>
+                    </a:solidFill>
+                  </a:tcPr>
+                </a:tc>
+                <a:tc>
+                  <a:txBody>
+                    <a:bodyPr/>
+                    <a:lstStyle/>
+                    <a:p>
+                      <a:pPr algn="l" fontAlgn="b"/>
+                      <a:r>
+                        <a:rPr lang="en-US" sz="4000" b="0" i="0" u="none" strike="noStrike">
+                          <a:solidFill>
+                            <a:srgbClr val="000000"/>
+                          </a:solidFill>
+                          <a:effectLst/>
+                          <a:latin typeface="Calibri" charset="0"/>
+                        </a:rPr>
+                        <a:t>Nordmann</a:t>
+                      </a:r>
+                    </a:p>
+                  </a:txBody>
+                  <a:tcPr marL="42709" marR="42709" marT="42709" marB="0" anchor="b">
+                    <a:lnL w="6350" cap="flat" cmpd="sng" algn="ctr">
+                      <a:solidFill>
+                        <a:srgbClr val="000000"/>
+                      </a:solidFill>
+                      <a:prstDash val="solid"/>
+                      <a:round/>
+                      <a:headEnd type="none" w="med" len="med"/>
+                      <a:tailEnd type="none" w="med" len="med"/>
+                    </a:lnL>
+                    <a:lnR w="6350" cap="flat" cmpd="sng" algn="ctr">
+                      <a:solidFill>
+                        <a:srgbClr val="000000"/>
+                      </a:solidFill>
+                      <a:prstDash val="solid"/>
+                      <a:round/>
+                      <a:headEnd type="none" w="med" len="med"/>
+                      <a:tailEnd type="none" w="med" len="med"/>
+                    </a:lnR>
+                    <a:lnT w="6350" cap="flat" cmpd="sng" algn="ctr">
+                      <a:solidFill>
+                        <a:srgbClr val="000000"/>
+                      </a:solidFill>
+                      <a:prstDash val="solid"/>
+                      <a:round/>
+                      <a:headEnd type="none" w="med" len="med"/>
+                      <a:tailEnd type="none" w="med" len="med"/>
+                    </a:lnT>
+                    <a:lnB w="6350" cap="flat" cmpd="sng" algn="ctr">
+                      <a:solidFill>
+                        <a:srgbClr val="000000"/>
+                      </a:solidFill>
+                      <a:prstDash val="solid"/>
+                      <a:round/>
+                      <a:headEnd type="none" w="med" len="med"/>
+                      <a:tailEnd type="none" w="med" len="med"/>
+                    </a:lnB>
+                    <a:solidFill>
+                      <a:srgbClr val="FFFFFF"/>
+                    </a:solidFill>
+                  </a:tcPr>
+                </a:tc>
+                <a:tc>
+                  <a:txBody>
+                    <a:bodyPr/>
+                    <a:lstStyle/>
+                    <a:p>
+                      <a:pPr algn="r" fontAlgn="b"/>
+                      <a:r>
+                        <a:rPr lang="is-IS" sz="4000" b="0" i="0" u="none" strike="noStrike">
+                          <a:solidFill>
+                            <a:srgbClr val="000000"/>
+                          </a:solidFill>
+                          <a:effectLst/>
+                          <a:latin typeface="Calibri" charset="0"/>
+                        </a:rPr>
+                        <a:t>28</a:t>
+                      </a:r>
+                    </a:p>
+                  </a:txBody>
+                  <a:tcPr marL="42709" marR="42709" marT="42709" marB="0" anchor="b">
+                    <a:lnL w="6350" cap="flat" cmpd="sng" algn="ctr">
+                      <a:solidFill>
+                        <a:srgbClr val="000000"/>
+                      </a:solidFill>
+                      <a:prstDash val="solid"/>
+                      <a:round/>
+                      <a:headEnd type="none" w="med" len="med"/>
+                      <a:tailEnd type="none" w="med" len="med"/>
+                    </a:lnL>
+                    <a:lnR w="6350" cap="flat" cmpd="sng" algn="ctr">
+                      <a:solidFill>
+                        <a:srgbClr val="000000"/>
+                      </a:solidFill>
+                      <a:prstDash val="solid"/>
+                      <a:round/>
+                      <a:headEnd type="none" w="med" len="med"/>
+                      <a:tailEnd type="none" w="med" len="med"/>
+                    </a:lnR>
+                    <a:lnT w="6350" cap="flat" cmpd="sng" algn="ctr">
+                      <a:solidFill>
+                        <a:srgbClr val="000000"/>
+                      </a:solidFill>
+                      <a:prstDash val="solid"/>
+                      <a:round/>
+                      <a:headEnd type="none" w="med" len="med"/>
+                      <a:tailEnd type="none" w="med" len="med"/>
+                    </a:lnT>
+                    <a:lnB w="6350" cap="flat" cmpd="sng" algn="ctr">
+                      <a:solidFill>
+                        <a:srgbClr val="000000"/>
+                      </a:solidFill>
+                      <a:prstDash val="solid"/>
+                      <a:round/>
+                      <a:headEnd type="none" w="med" len="med"/>
+                      <a:tailEnd type="none" w="med" len="med"/>
+                    </a:lnB>
+                    <a:solidFill>
+                      <a:srgbClr val="FFFFFF"/>
+                    </a:solidFill>
+                  </a:tcPr>
+                </a:tc>
+              </a:tr>
+              <a:tr h="683349">
+                <a:tc>
+                  <a:txBody>
+                    <a:bodyPr/>
+                    <a:lstStyle/>
+                    <a:p>
+                      <a:pPr algn="r" fontAlgn="b"/>
+                      <a:r>
+                        <a:rPr lang="en-US" sz="4000" b="0" i="0" u="none" strike="noStrike" dirty="0">
+                          <a:solidFill>
+                            <a:srgbClr val="000000"/>
+                          </a:solidFill>
+                          <a:effectLst/>
+                          <a:latin typeface="Calibri" charset="0"/>
+                        </a:rPr>
+                        <a:t>3</a:t>
+                      </a:r>
+                    </a:p>
+                  </a:txBody>
+                  <a:tcPr marL="42709" marR="42709" marT="42709" marB="0" anchor="b">
+                    <a:lnL w="6350" cap="flat" cmpd="sng" algn="ctr">
+                      <a:solidFill>
+                        <a:srgbClr val="000000"/>
+                      </a:solidFill>
+                      <a:prstDash val="solid"/>
+                      <a:round/>
+                      <a:headEnd type="none" w="med" len="med"/>
+                      <a:tailEnd type="none" w="med" len="med"/>
+                    </a:lnL>
+                    <a:lnR w="6350" cap="flat" cmpd="sng" algn="ctr">
+                      <a:solidFill>
+                        <a:srgbClr val="000000"/>
+                      </a:solidFill>
+                      <a:prstDash val="solid"/>
+                      <a:round/>
+                      <a:headEnd type="none" w="med" len="med"/>
+                      <a:tailEnd type="none" w="med" len="med"/>
+                    </a:lnR>
+                    <a:lnT w="6350" cap="flat" cmpd="sng" algn="ctr">
+                      <a:solidFill>
+                        <a:srgbClr val="000000"/>
+                      </a:solidFill>
+                      <a:prstDash val="solid"/>
+                      <a:round/>
+                      <a:headEnd type="none" w="med" len="med"/>
+                      <a:tailEnd type="none" w="med" len="med"/>
+                    </a:lnT>
+                    <a:lnB w="6350" cap="flat" cmpd="sng" algn="ctr">
+                      <a:solidFill>
+                        <a:srgbClr val="000000"/>
+                      </a:solidFill>
+                      <a:prstDash val="solid"/>
+                      <a:round/>
+                      <a:headEnd type="none" w="med" len="med"/>
+                      <a:tailEnd type="none" w="med" len="med"/>
+                    </a:lnB>
+                    <a:solidFill>
+                      <a:srgbClr val="FFFFFF"/>
+                    </a:solidFill>
+                  </a:tcPr>
+                </a:tc>
+                <a:tc>
+                  <a:txBody>
+                    <a:bodyPr/>
+                    <a:lstStyle/>
+                    <a:p>
+                      <a:pPr algn="l" fontAlgn="b"/>
+                      <a:r>
+                        <a:rPr lang="en-US" sz="4000" b="0" i="0" u="none" strike="noStrike">
+                          <a:solidFill>
+                            <a:srgbClr val="000000"/>
+                          </a:solidFill>
+                          <a:effectLst/>
+                          <a:latin typeface="Calibri" charset="0"/>
+                        </a:rPr>
+                        <a:t>Ole</a:t>
+                      </a:r>
+                    </a:p>
+                  </a:txBody>
+                  <a:tcPr marL="42709" marR="42709" marT="42709" marB="0" anchor="b">
+                    <a:lnL w="6350" cap="flat" cmpd="sng" algn="ctr">
+                      <a:solidFill>
+                        <a:srgbClr val="000000"/>
+                      </a:solidFill>
+                      <a:prstDash val="solid"/>
+                      <a:round/>
+                      <a:headEnd type="none" w="med" len="med"/>
+                      <a:tailEnd type="none" w="med" len="med"/>
+                    </a:lnL>
+                    <a:lnR w="6350" cap="flat" cmpd="sng" algn="ctr">
+                      <a:solidFill>
+                        <a:srgbClr val="000000"/>
+                      </a:solidFill>
+                      <a:prstDash val="solid"/>
+                      <a:round/>
+                      <a:headEnd type="none" w="med" len="med"/>
+                      <a:tailEnd type="none" w="med" len="med"/>
+                    </a:lnR>
+                    <a:lnT w="6350" cap="flat" cmpd="sng" algn="ctr">
+                      <a:solidFill>
+                        <a:srgbClr val="000000"/>
+                      </a:solidFill>
+                      <a:prstDash val="solid"/>
+                      <a:round/>
+                      <a:headEnd type="none" w="med" len="med"/>
+                      <a:tailEnd type="none" w="med" len="med"/>
+                    </a:lnT>
+                    <a:lnB w="6350" cap="flat" cmpd="sng" algn="ctr">
+                      <a:solidFill>
+                        <a:srgbClr val="000000"/>
+                      </a:solidFill>
+                      <a:prstDash val="solid"/>
+                      <a:round/>
+                      <a:headEnd type="none" w="med" len="med"/>
+                      <a:tailEnd type="none" w="med" len="med"/>
+                    </a:lnB>
+                    <a:solidFill>
+                      <a:srgbClr val="FFFFFF"/>
+                    </a:solidFill>
+                  </a:tcPr>
+                </a:tc>
+                <a:tc>
+                  <a:txBody>
+                    <a:bodyPr/>
+                    <a:lstStyle/>
+                    <a:p>
+                      <a:pPr algn="l" fontAlgn="b"/>
+                      <a:r>
+                        <a:rPr lang="en-US" sz="4000" b="0" i="0" u="none" strike="noStrike">
+                          <a:solidFill>
+                            <a:srgbClr val="000000"/>
+                          </a:solidFill>
+                          <a:effectLst/>
+                          <a:latin typeface="Calibri" charset="0"/>
+                        </a:rPr>
+                        <a:t>Olsen</a:t>
+                      </a:r>
+                    </a:p>
+                  </a:txBody>
+                  <a:tcPr marL="42709" marR="42709" marT="42709" marB="0" anchor="b">
+                    <a:lnL w="6350" cap="flat" cmpd="sng" algn="ctr">
+                      <a:solidFill>
+                        <a:srgbClr val="000000"/>
+                      </a:solidFill>
+                      <a:prstDash val="solid"/>
+                      <a:round/>
+                      <a:headEnd type="none" w="med" len="med"/>
+                      <a:tailEnd type="none" w="med" len="med"/>
+                    </a:lnL>
+                    <a:lnR w="6350" cap="flat" cmpd="sng" algn="ctr">
+                      <a:solidFill>
+                        <a:srgbClr val="000000"/>
+                      </a:solidFill>
+                      <a:prstDash val="solid"/>
+                      <a:round/>
+                      <a:headEnd type="none" w="med" len="med"/>
+                      <a:tailEnd type="none" w="med" len="med"/>
+                    </a:lnR>
+                    <a:lnT w="6350" cap="flat" cmpd="sng" algn="ctr">
+                      <a:solidFill>
+                        <a:srgbClr val="000000"/>
+                      </a:solidFill>
+                      <a:prstDash val="solid"/>
+                      <a:round/>
+                      <a:headEnd type="none" w="med" len="med"/>
+                      <a:tailEnd type="none" w="med" len="med"/>
+                    </a:lnT>
+                    <a:lnB w="6350" cap="flat" cmpd="sng" algn="ctr">
+                      <a:solidFill>
+                        <a:srgbClr val="000000"/>
+                      </a:solidFill>
+                      <a:prstDash val="solid"/>
+                      <a:round/>
+                      <a:headEnd type="none" w="med" len="med"/>
+                      <a:tailEnd type="none" w="med" len="med"/>
+                    </a:lnB>
+                    <a:solidFill>
+                      <a:srgbClr val="FFFFFF"/>
+                    </a:solidFill>
+                  </a:tcPr>
+                </a:tc>
+                <a:tc>
+                  <a:txBody>
+                    <a:bodyPr/>
+                    <a:lstStyle/>
+                    <a:p>
+                      <a:pPr algn="r" fontAlgn="b"/>
+                      <a:r>
+                        <a:rPr lang="is-IS" sz="4000" b="0" i="0" u="none" strike="noStrike" dirty="0">
+                          <a:solidFill>
+                            <a:srgbClr val="000000"/>
+                          </a:solidFill>
+                          <a:effectLst/>
+                          <a:latin typeface="Calibri" charset="0"/>
+                        </a:rPr>
+                        <a:t>29</a:t>
+                      </a:r>
+                    </a:p>
+                  </a:txBody>
+                  <a:tcPr marL="42709" marR="42709" marT="42709" marB="0" anchor="b">
+                    <a:lnL w="6350" cap="flat" cmpd="sng" algn="ctr">
+                      <a:solidFill>
+                        <a:srgbClr val="000000"/>
+                      </a:solidFill>
+                      <a:prstDash val="solid"/>
+                      <a:round/>
+                      <a:headEnd type="none" w="med" len="med"/>
+                      <a:tailEnd type="none" w="med" len="med"/>
+                    </a:lnL>
+                    <a:lnR w="6350" cap="flat" cmpd="sng" algn="ctr">
+                      <a:solidFill>
+                        <a:srgbClr val="000000"/>
+                      </a:solidFill>
+                      <a:prstDash val="solid"/>
+                      <a:round/>
+                      <a:headEnd type="none" w="med" len="med"/>
+                      <a:tailEnd type="none" w="med" len="med"/>
+                    </a:lnR>
+                    <a:lnT w="6350" cap="flat" cmpd="sng" algn="ctr">
+                      <a:solidFill>
+                        <a:srgbClr val="000000"/>
+                      </a:solidFill>
+                      <a:prstDash val="solid"/>
+                      <a:round/>
+                      <a:headEnd type="none" w="med" len="med"/>
+                      <a:tailEnd type="none" w="med" len="med"/>
+                    </a:lnT>
+                    <a:lnB w="6350" cap="flat" cmpd="sng" algn="ctr">
+                      <a:solidFill>
+                        <a:srgbClr val="000000"/>
+                      </a:solidFill>
+                      <a:prstDash val="solid"/>
+                      <a:round/>
+                      <a:headEnd type="none" w="med" len="med"/>
+                      <a:tailEnd type="none" w="med" len="med"/>
+                    </a:lnB>
+                    <a:solidFill>
+                      <a:srgbClr val="FFFFFF"/>
+                    </a:solidFill>
+                  </a:tcPr>
+                </a:tc>
+              </a:tr>
+            </a:tbl>
+          </a:graphicData>
+        </a:graphic>
+      </p:graphicFrame>
+      <p:sp>
+        <p:nvSpPr>
+          <p:cNvPr id="9" name="Shape 119"/>
+          <p:cNvSpPr/>
+          <p:nvPr/>
+        </p:nvSpPr>
+        <p:spPr>
+          <a:xfrm>
+            <a:off x="8287930" y="5339440"/>
+            <a:ext cx="9612554" cy="1683152"/>
+          </a:xfrm>
+          <a:prstGeom prst="rect">
+            <a:avLst/>
+          </a:prstGeom>
+          <a:ln w="12700">
+            <a:miter lim="400000"/>
+          </a:ln>
+          <a:extLst>
+            <a:ext uri="{C572A759-6A51-4108-AA02-DFA0A04FC94B}">
+              <ma14:wrappingTextBoxFlag xmlns:ma14="http://schemas.microsoft.com/office/mac/drawingml/2011/main" val="1"/>
+            </a:ext>
+          </a:extLst>
+        </p:spPr>
+        <p:txBody>
+          <a:bodyPr wrap="square" lIns="71437" tIns="71437" rIns="71437" bIns="71437" anchor="ctr">
+            <a:spAutoFit/>
+          </a:bodyPr>
+          <a:lstStyle/>
+          <a:p>
+            <a:pPr algn="l">
+              <a:defRPr sz="20000">
+                <a:solidFill>
+                  <a:srgbClr val="3EC7C0"/>
+                </a:solidFill>
+              </a:defRPr>
+            </a:pPr>
+            <a:r>
+              <a:rPr lang="nb-NO" sz="10000" noProof="1" smtClean="0">
+                <a:solidFill>
+                  <a:srgbClr val="17BDB4"/>
+                </a:solidFill>
+                <a:latin typeface="Calibri" charset="0"/>
+                <a:ea typeface="Calibri" charset="0"/>
+                <a:cs typeface="Calibri" charset="0"/>
+              </a:rPr>
+              <a:t>Column Store</a:t>
+            </a:r>
+            <a:endParaRPr lang="nb-NO" sz="10000" noProof="1">
+              <a:solidFill>
+                <a:srgbClr val="17BDB4"/>
+              </a:solidFill>
+              <a:latin typeface="Calibri" charset="0"/>
+              <a:ea typeface="Calibri" charset="0"/>
+              <a:cs typeface="Calibri" charset="0"/>
+            </a:endParaRPr>
+          </a:p>
+        </p:txBody>
+      </p:sp>
+      <p:sp>
+        <p:nvSpPr>
+          <p:cNvPr id="10" name="Shape 119"/>
+          <p:cNvSpPr/>
+          <p:nvPr/>
+        </p:nvSpPr>
+        <p:spPr>
+          <a:xfrm>
+            <a:off x="694944" y="5339440"/>
+            <a:ext cx="6766560" cy="1683152"/>
+          </a:xfrm>
+          <a:prstGeom prst="rect">
+            <a:avLst/>
+          </a:prstGeom>
+          <a:ln w="12700">
+            <a:miter lim="400000"/>
+          </a:ln>
+          <a:extLst>
+            <a:ext uri="{C572A759-6A51-4108-AA02-DFA0A04FC94B}">
+              <ma14:wrappingTextBoxFlag xmlns:ma14="http://schemas.microsoft.com/office/mac/drawingml/2011/main" val="1"/>
+            </a:ext>
+          </a:extLst>
+        </p:spPr>
+        <p:txBody>
+          <a:bodyPr wrap="square" lIns="71437" tIns="71437" rIns="71437" bIns="71437" anchor="ctr">
+            <a:spAutoFit/>
+          </a:bodyPr>
+          <a:lstStyle/>
+          <a:p>
+            <a:pPr algn="l">
+              <a:defRPr sz="20000">
+                <a:solidFill>
+                  <a:srgbClr val="3EC7C0"/>
+                </a:solidFill>
+              </a:defRPr>
+            </a:pPr>
+            <a:r>
+              <a:rPr lang="nb-NO" sz="10000" noProof="1" smtClean="0">
+                <a:solidFill>
+                  <a:srgbClr val="17BDB4"/>
+                </a:solidFill>
+                <a:latin typeface="Calibri" charset="0"/>
+                <a:ea typeface="Calibri" charset="0"/>
+                <a:cs typeface="Calibri" charset="0"/>
+              </a:rPr>
+              <a:t>Row Store</a:t>
+            </a:r>
+            <a:endParaRPr lang="nb-NO" sz="10000" noProof="1">
+              <a:solidFill>
+                <a:srgbClr val="17BDB4"/>
+              </a:solidFill>
+              <a:latin typeface="Calibri" charset="0"/>
+              <a:ea typeface="Calibri" charset="0"/>
+              <a:cs typeface="Calibri" charset="0"/>
+            </a:endParaRPr>
+          </a:p>
+        </p:txBody>
+      </p:sp>
+      <p:sp>
+        <p:nvSpPr>
+          <p:cNvPr id="11" name="TextBox 10"/>
+          <p:cNvSpPr txBox="1"/>
+          <p:nvPr/>
+        </p:nvSpPr>
+        <p:spPr>
+          <a:xfrm flipH="1">
+            <a:off x="8287928" y="7400099"/>
+            <a:ext cx="9612554" cy="2844000"/>
+          </a:xfrm>
+          <a:prstGeom prst="rect">
+            <a:avLst/>
+          </a:prstGeom>
+          <a:solidFill>
+            <a:schemeClr val="bg1"/>
+          </a:solidFill>
+          <a:ln w="12700" cap="flat">
+            <a:noFill/>
+            <a:miter lim="400000"/>
+          </a:ln>
+          <a:effectLst/>
+          <a:sp3d/>
+        </p:spPr>
+        <p:style>
+          <a:lnRef idx="0">
+            <a:scrgbClr r="0" g="0" b="0"/>
+          </a:lnRef>
+          <a:fillRef idx="0">
+            <a:scrgbClr r="0" g="0" b="0"/>
+          </a:fillRef>
+          <a:effectRef idx="0">
+            <a:scrgbClr r="0" g="0" b="0"/>
+          </a:effectRef>
+          <a:fontRef idx="none"/>
+        </p:style>
+        <p:txBody>
+          <a:bodyPr rot="0" spcFirstLastPara="1" vertOverflow="overflow" horzOverflow="overflow" vert="horz" wrap="square" lIns="71437" tIns="71437" rIns="71437" bIns="71437" numCol="1" spcCol="38100" rtlCol="0" anchor="ctr">
+            <a:spAutoFit/>
+          </a:bodyPr>
+          <a:lstStyle/>
+          <a:p>
+            <a:pPr marL="0" marR="0" indent="0" algn="l" defTabSz="821531" rtl="0" fontAlgn="auto" latinLnBrk="0" hangingPunct="0">
+              <a:lnSpc>
+                <a:spcPct val="100000"/>
+              </a:lnSpc>
+              <a:spcBef>
+                <a:spcPts val="0"/>
+              </a:spcBef>
+              <a:spcAft>
+                <a:spcPts val="0"/>
+              </a:spcAft>
+              <a:buClrTx/>
+              <a:buSzTx/>
+              <a:buFontTx/>
+              <a:buNone/>
+              <a:tabLst/>
+            </a:pPr>
+            <a:r>
+              <a:rPr kumimoji="0" lang="en-US" sz="4500" b="0" i="0" u="none" strike="noStrike" cap="none" spc="0" normalizeH="0" baseline="0" dirty="0" smtClean="0">
+                <a:ln>
+                  <a:noFill/>
+                </a:ln>
+                <a:solidFill>
+                  <a:schemeClr val="bg2"/>
+                </a:solidFill>
+                <a:effectLst/>
+                <a:uFillTx/>
+                <a:latin typeface="Consolas" charset="0"/>
+                <a:ea typeface="Consolas" charset="0"/>
+                <a:cs typeface="Consolas" charset="0"/>
+                <a:sym typeface="Conduit ITC Light"/>
+              </a:rPr>
+              <a:t>Ola:1,Kari:2,Ole:3;</a:t>
+            </a:r>
+            <a:br>
+              <a:rPr kumimoji="0" lang="en-US" sz="4500" b="0" i="0" u="none" strike="noStrike" cap="none" spc="0" normalizeH="0" baseline="0" dirty="0" smtClean="0">
+                <a:ln>
+                  <a:noFill/>
+                </a:ln>
+                <a:solidFill>
+                  <a:schemeClr val="bg2"/>
+                </a:solidFill>
+                <a:effectLst/>
+                <a:uFillTx/>
+                <a:latin typeface="Consolas" charset="0"/>
+                <a:ea typeface="Consolas" charset="0"/>
+                <a:cs typeface="Consolas" charset="0"/>
+                <a:sym typeface="Conduit ITC Light"/>
+              </a:rPr>
+            </a:br>
+            <a:r>
+              <a:rPr kumimoji="0" lang="en-US" sz="4500" b="0" i="0" u="none" strike="noStrike" cap="none" spc="0" normalizeH="0" baseline="0" dirty="0" smtClean="0">
+                <a:ln>
+                  <a:noFill/>
+                </a:ln>
+                <a:solidFill>
+                  <a:schemeClr val="bg2"/>
+                </a:solidFill>
+                <a:effectLst/>
+                <a:uFillTx/>
+                <a:latin typeface="Consolas" charset="0"/>
+                <a:ea typeface="Consolas" charset="0"/>
+                <a:cs typeface="Consolas" charset="0"/>
+                <a:sym typeface="Conduit ITC Light"/>
+              </a:rPr>
+              <a:t>Nordmann:1,Nordmann:2,Olsen:3;</a:t>
+            </a:r>
+            <a:br>
+              <a:rPr kumimoji="0" lang="en-US" sz="4500" b="0" i="0" u="none" strike="noStrike" cap="none" spc="0" normalizeH="0" baseline="0" dirty="0" smtClean="0">
+                <a:ln>
+                  <a:noFill/>
+                </a:ln>
+                <a:solidFill>
+                  <a:schemeClr val="bg2"/>
+                </a:solidFill>
+                <a:effectLst/>
+                <a:uFillTx/>
+                <a:latin typeface="Consolas" charset="0"/>
+                <a:ea typeface="Consolas" charset="0"/>
+                <a:cs typeface="Consolas" charset="0"/>
+                <a:sym typeface="Conduit ITC Light"/>
+              </a:rPr>
+            </a:br>
+            <a:r>
+              <a:rPr kumimoji="0" lang="en-US" sz="4500" b="0" i="0" u="none" strike="noStrike" cap="none" spc="0" normalizeH="0" baseline="0" dirty="0" smtClean="0">
+                <a:ln>
+                  <a:noFill/>
+                </a:ln>
+                <a:solidFill>
+                  <a:schemeClr val="bg2"/>
+                </a:solidFill>
+                <a:effectLst/>
+                <a:uFillTx/>
+                <a:latin typeface="Consolas" charset="0"/>
+                <a:ea typeface="Consolas" charset="0"/>
+                <a:cs typeface="Consolas" charset="0"/>
+                <a:sym typeface="Conduit ITC Light"/>
+              </a:rPr>
+              <a:t>30:1,28:2,29:3;</a:t>
+            </a:r>
+            <a:endParaRPr kumimoji="0" lang="en-US" sz="4500" b="0" i="0" u="none" strike="noStrike" cap="none" spc="0" normalizeH="0" baseline="0" dirty="0">
+              <a:ln>
+                <a:noFill/>
+              </a:ln>
+              <a:solidFill>
+                <a:schemeClr val="bg2"/>
+              </a:solidFill>
+              <a:effectLst/>
+              <a:uFillTx/>
+              <a:latin typeface="Consolas" charset="0"/>
+              <a:ea typeface="Consolas" charset="0"/>
+              <a:cs typeface="Consolas" charset="0"/>
+              <a:sym typeface="Conduit ITC Light"/>
+            </a:endParaRPr>
+          </a:p>
+        </p:txBody>
+      </p:sp>
+      <p:sp>
+        <p:nvSpPr>
+          <p:cNvPr id="12" name="TextBox 11"/>
+          <p:cNvSpPr txBox="1"/>
+          <p:nvPr/>
+        </p:nvSpPr>
+        <p:spPr>
+          <a:xfrm flipH="1">
+            <a:off x="694943" y="7400099"/>
+            <a:ext cx="6766559" cy="2844000"/>
+          </a:xfrm>
+          <a:prstGeom prst="rect">
+            <a:avLst/>
+          </a:prstGeom>
+          <a:solidFill>
+            <a:schemeClr val="bg1"/>
+          </a:solidFill>
+          <a:ln w="12700" cap="flat">
+            <a:noFill/>
+            <a:miter lim="400000"/>
+          </a:ln>
+          <a:effectLst/>
+          <a:sp3d/>
+        </p:spPr>
+        <p:style>
+          <a:lnRef idx="0">
+            <a:scrgbClr r="0" g="0" b="0"/>
+          </a:lnRef>
+          <a:fillRef idx="0">
+            <a:scrgbClr r="0" g="0" b="0"/>
+          </a:fillRef>
+          <a:effectRef idx="0">
+            <a:scrgbClr r="0" g="0" b="0"/>
+          </a:effectRef>
+          <a:fontRef idx="none"/>
+        </p:style>
+        <p:txBody>
+          <a:bodyPr rot="0" spcFirstLastPara="1" vertOverflow="overflow" horzOverflow="overflow" vert="horz" wrap="square" lIns="71437" tIns="71437" rIns="71437" bIns="71437" numCol="1" spcCol="38100" rtlCol="0" anchor="ctr">
+            <a:spAutoFit/>
+          </a:bodyPr>
+          <a:lstStyle/>
+          <a:p>
+            <a:pPr marL="0" marR="0" indent="0" algn="l" defTabSz="821531" rtl="0" fontAlgn="auto" latinLnBrk="0" hangingPunct="0">
+              <a:lnSpc>
+                <a:spcPct val="100000"/>
+              </a:lnSpc>
+              <a:spcBef>
+                <a:spcPts val="0"/>
+              </a:spcBef>
+              <a:spcAft>
+                <a:spcPts val="0"/>
+              </a:spcAft>
+              <a:buClrTx/>
+              <a:buSzTx/>
+              <a:buFontTx/>
+              <a:buNone/>
+              <a:tabLst/>
+            </a:pPr>
+            <a:r>
+              <a:rPr kumimoji="0" lang="en-US" sz="4500" b="0" i="0" u="none" strike="noStrike" cap="none" spc="0" normalizeH="0" baseline="0" dirty="0" smtClean="0">
+                <a:ln>
+                  <a:noFill/>
+                </a:ln>
+                <a:solidFill>
+                  <a:schemeClr val="bg2">
+                    <a:lumMod val="50000"/>
+                  </a:schemeClr>
+                </a:solidFill>
+                <a:effectLst/>
+                <a:uFillTx/>
+                <a:latin typeface="Consolas" charset="0"/>
+                <a:ea typeface="Consolas" charset="0"/>
+                <a:cs typeface="Consolas" charset="0"/>
+                <a:sym typeface="Conduit ITC Light"/>
+              </a:rPr>
+              <a:t>1,Ola,Nordmann,30;</a:t>
+            </a:r>
+            <a:br>
+              <a:rPr kumimoji="0" lang="en-US" sz="4500" b="0" i="0" u="none" strike="noStrike" cap="none" spc="0" normalizeH="0" baseline="0" dirty="0" smtClean="0">
+                <a:ln>
+                  <a:noFill/>
+                </a:ln>
+                <a:solidFill>
+                  <a:schemeClr val="bg2">
+                    <a:lumMod val="50000"/>
+                  </a:schemeClr>
+                </a:solidFill>
+                <a:effectLst/>
+                <a:uFillTx/>
+                <a:latin typeface="Consolas" charset="0"/>
+                <a:ea typeface="Consolas" charset="0"/>
+                <a:cs typeface="Consolas" charset="0"/>
+                <a:sym typeface="Conduit ITC Light"/>
+              </a:rPr>
+            </a:br>
+            <a:r>
+              <a:rPr kumimoji="0" lang="en-US" sz="4500" b="0" i="0" u="none" strike="noStrike" cap="none" spc="0" normalizeH="0" baseline="0" dirty="0" smtClean="0">
+                <a:ln>
+                  <a:noFill/>
+                </a:ln>
+                <a:solidFill>
+                  <a:schemeClr val="bg2">
+                    <a:lumMod val="50000"/>
+                  </a:schemeClr>
+                </a:solidFill>
+                <a:effectLst/>
+                <a:uFillTx/>
+                <a:latin typeface="Consolas" charset="0"/>
+                <a:ea typeface="Consolas" charset="0"/>
+                <a:cs typeface="Consolas" charset="0"/>
+                <a:sym typeface="Conduit ITC Light"/>
+              </a:rPr>
+              <a:t>2,Kari,Nordmann,28;</a:t>
+            </a:r>
+          </a:p>
+          <a:p>
+            <a:pPr marL="0" marR="0" indent="0" algn="l" defTabSz="821531" rtl="0" fontAlgn="auto" latinLnBrk="0" hangingPunct="0">
+              <a:lnSpc>
+                <a:spcPct val="100000"/>
+              </a:lnSpc>
+              <a:spcBef>
+                <a:spcPts val="0"/>
+              </a:spcBef>
+              <a:spcAft>
+                <a:spcPts val="0"/>
+              </a:spcAft>
+              <a:buClrTx/>
+              <a:buSzTx/>
+              <a:buFontTx/>
+              <a:buNone/>
+              <a:tabLst/>
+            </a:pPr>
+            <a:r>
+              <a:rPr lang="en-US" sz="4500" dirty="0" smtClean="0">
+                <a:solidFill>
+                  <a:schemeClr val="bg2">
+                    <a:lumMod val="50000"/>
+                  </a:schemeClr>
+                </a:solidFill>
+                <a:latin typeface="Consolas" charset="0"/>
+                <a:ea typeface="Consolas" charset="0"/>
+                <a:cs typeface="Consolas" charset="0"/>
+              </a:rPr>
+              <a:t>3,Ole,Olsen,29;</a:t>
+            </a:r>
+            <a:endParaRPr kumimoji="0" lang="en-US" sz="4500" b="0" i="0" u="none" strike="noStrike" cap="none" spc="0" normalizeH="0" baseline="0" dirty="0">
+              <a:ln>
+                <a:noFill/>
+              </a:ln>
+              <a:solidFill>
+                <a:schemeClr val="bg2">
+                  <a:lumMod val="50000"/>
+                </a:schemeClr>
+              </a:solidFill>
+              <a:effectLst/>
+              <a:uFillTx/>
+              <a:latin typeface="Consolas" charset="0"/>
+              <a:ea typeface="Consolas" charset="0"/>
+              <a:cs typeface="Consolas" charset="0"/>
+              <a:sym typeface="Conduit ITC Light"/>
+            </a:endParaRPr>
+          </a:p>
+        </p:txBody>
+      </p:sp>
+    </p:spTree>
+    <p:extLst>
+      <p:ext uri="{BB962C8B-B14F-4D97-AF65-F5344CB8AC3E}">
+        <p14:creationId xmlns:p14="http://schemas.microsoft.com/office/powerpoint/2010/main" val="266283891"/>
+      </p:ext>
+    </p:extLst>
+  </p:cSld>
+  <p:clrMapOvr>
+    <a:masterClrMapping/>
+  </p:clrMapOvr>
+  <p:transition spd="med"/>
+</p:sld>
+</file>
+
+<file path=ppt/slides/slide8.xml><?xml version="1.0" encoding="utf-8"?>
+<p:sld xmlns:a="http://schemas.openxmlformats.org/drawingml/2006/main" xmlns:r="http://schemas.openxmlformats.org/officeDocument/2006/relationships" xmlns:p="http://schemas.openxmlformats.org/presentationml/2006/main">
+  <p:cSld>
+    <p:bg>
+      <p:bgPr>
+        <a:solidFill>
+          <a:srgbClr val="282828"/>
+        </a:solidFill>
+        <a:effectLst/>
+      </p:bgPr>
+    </p:bg>
+    <p:spTree>
+      <p:nvGrpSpPr>
+        <p:cNvPr id="1" name=""/>
+        <p:cNvGrpSpPr/>
+        <p:nvPr/>
+      </p:nvGrpSpPr>
+      <p:grpSpPr>
+        <a:xfrm>
+          <a:off x="0" y="0"/>
+          <a:ext cx="0" cy="0"/>
+          <a:chOff x="0" y="0"/>
+          <a:chExt cx="0" cy="0"/>
+        </a:xfrm>
+      </p:grpSpPr>
+      <p:sp>
+        <p:nvSpPr>
+          <p:cNvPr id="119" name="Shape 119"/>
+          <p:cNvSpPr/>
+          <p:nvPr/>
+        </p:nvSpPr>
+        <p:spPr>
+          <a:xfrm>
+            <a:off x="329184" y="4497406"/>
+            <a:ext cx="17739360" cy="3837588"/>
+          </a:xfrm>
+          <a:prstGeom prst="rect">
+            <a:avLst/>
+          </a:prstGeom>
+          <a:ln w="12700">
+            <a:miter lim="400000"/>
+          </a:ln>
+          <a:extLst>
+            <a:ext uri="{C572A759-6A51-4108-AA02-DFA0A04FC94B}">
+              <ma14:wrappingTextBoxFlag xmlns:ma14="http://schemas.microsoft.com/office/mac/drawingml/2011/main" val="1"/>
+            </a:ext>
+          </a:extLst>
+        </p:spPr>
+        <p:txBody>
+          <a:bodyPr wrap="square" lIns="71437" tIns="71437" rIns="71437" bIns="71437" anchor="ctr">
+            <a:spAutoFit/>
+          </a:bodyPr>
+          <a:lstStyle/>
+          <a:p>
+            <a:pPr>
+              <a:defRPr sz="20000">
+                <a:solidFill>
+                  <a:srgbClr val="3EC7C0"/>
+                </a:solidFill>
+              </a:defRPr>
+            </a:pPr>
+            <a:r>
+              <a:rPr lang="nb-NO" sz="12000" dirty="0" smtClean="0">
+                <a:solidFill>
+                  <a:schemeClr val="tx1">
+                    <a:lumMod val="95000"/>
+                  </a:schemeClr>
+                </a:solidFill>
+                <a:latin typeface="Calibri" charset="0"/>
+                <a:ea typeface="Calibri" charset="0"/>
+                <a:cs typeface="Calibri" charset="0"/>
+              </a:rPr>
+              <a:t>Hva er </a:t>
+            </a:r>
+            <a:br>
+              <a:rPr lang="nb-NO" sz="12000" dirty="0" smtClean="0">
+                <a:solidFill>
+                  <a:schemeClr val="tx1">
+                    <a:lumMod val="95000"/>
+                  </a:schemeClr>
+                </a:solidFill>
+                <a:latin typeface="Calibri" charset="0"/>
+                <a:ea typeface="Calibri" charset="0"/>
+                <a:cs typeface="Calibri" charset="0"/>
+              </a:rPr>
+            </a:br>
+            <a:r>
+              <a:rPr lang="nb-NO" sz="12000" dirty="0" err="1" smtClean="0">
+                <a:solidFill>
+                  <a:srgbClr val="17BDB4"/>
+                </a:solidFill>
+                <a:latin typeface="Calibri" charset="0"/>
+                <a:ea typeface="Calibri" charset="0"/>
+                <a:cs typeface="Calibri" charset="0"/>
+              </a:rPr>
+              <a:t>Wide</a:t>
+            </a:r>
+            <a:r>
+              <a:rPr lang="nb-NO" sz="12000" dirty="0" smtClean="0">
+                <a:solidFill>
+                  <a:srgbClr val="17BDB4"/>
+                </a:solidFill>
+                <a:latin typeface="Calibri" charset="0"/>
+                <a:ea typeface="Calibri" charset="0"/>
+                <a:cs typeface="Calibri" charset="0"/>
+              </a:rPr>
+              <a:t> </a:t>
+            </a:r>
+            <a:r>
+              <a:rPr lang="nb-NO" sz="12000" dirty="0" err="1" smtClean="0">
+                <a:solidFill>
+                  <a:schemeClr val="tx1">
+                    <a:lumMod val="95000"/>
+                  </a:schemeClr>
+                </a:solidFill>
+                <a:latin typeface="Calibri" charset="0"/>
+                <a:ea typeface="Calibri" charset="0"/>
+                <a:cs typeface="Calibri" charset="0"/>
+              </a:rPr>
+              <a:t>Column</a:t>
+            </a:r>
+            <a:r>
+              <a:rPr lang="nb-NO" sz="12000" dirty="0" smtClean="0">
+                <a:solidFill>
+                  <a:schemeClr val="tx1">
+                    <a:lumMod val="95000"/>
+                  </a:schemeClr>
+                </a:solidFill>
+                <a:latin typeface="Calibri" charset="0"/>
+                <a:ea typeface="Calibri" charset="0"/>
+                <a:cs typeface="Calibri" charset="0"/>
+              </a:rPr>
+              <a:t> Stores?</a:t>
+            </a:r>
+            <a:endParaRPr lang="nb-NO" sz="12000" dirty="0">
+              <a:solidFill>
+                <a:schemeClr val="tx1">
+                  <a:lumMod val="95000"/>
+                </a:schemeClr>
+              </a:solidFill>
+              <a:latin typeface="Calibri" charset="0"/>
+              <a:ea typeface="Calibri" charset="0"/>
+              <a:cs typeface="Calibri" charset="0"/>
+            </a:endParaRPr>
+          </a:p>
+        </p:txBody>
+      </p:sp>
+    </p:spTree>
+    <p:extLst>
+      <p:ext uri="{BB962C8B-B14F-4D97-AF65-F5344CB8AC3E}">
+        <p14:creationId xmlns:p14="http://schemas.microsoft.com/office/powerpoint/2010/main" val="587007514"/>
+      </p:ext>
+    </p:extLst>
+  </p:cSld>
+  <p:clrMapOvr>
+    <a:masterClrMapping/>
+  </p:clrMapOvr>
+  <p:transition spd="med"/>
+</p:sld>
+</file>
+
+<file path=ppt/slides/slide9.xml><?xml version="1.0" encoding="utf-8"?>
+<p:sld xmlns:a="http://schemas.openxmlformats.org/drawingml/2006/main" xmlns:r="http://schemas.openxmlformats.org/officeDocument/2006/relationships" xmlns:p="http://schemas.openxmlformats.org/presentationml/2006/main">
+  <p:cSld>
+    <p:bg>
+      <p:bgPr>
+        <a:solidFill>
+          <a:srgbClr val="282828"/>
+        </a:solidFill>
+        <a:effectLst/>
+      </p:bgPr>
+    </p:bg>
+    <p:spTree>
+      <p:nvGrpSpPr>
+        <p:cNvPr id="1" name=""/>
+        <p:cNvGrpSpPr/>
+        <p:nvPr/>
+      </p:nvGrpSpPr>
+      <p:grpSpPr>
+        <a:xfrm>
+          <a:off x="0" y="0"/>
+          <a:ext cx="0" cy="0"/>
+          <a:chOff x="0" y="0"/>
+          <a:chExt cx="0" cy="0"/>
+        </a:xfrm>
+      </p:grpSpPr>
+      <p:sp>
+        <p:nvSpPr>
+          <p:cNvPr id="119" name="Shape 119"/>
+          <p:cNvSpPr/>
+          <p:nvPr/>
+        </p:nvSpPr>
+        <p:spPr>
+          <a:xfrm>
+            <a:off x="415367" y="575185"/>
+            <a:ext cx="17582147" cy="1683152"/>
+          </a:xfrm>
+          <a:prstGeom prst="rect">
+            <a:avLst/>
+          </a:prstGeom>
+          <a:ln w="12700">
+            <a:miter lim="400000"/>
+          </a:ln>
+          <a:extLst>
+            <a:ext uri="{C572A759-6A51-4108-AA02-DFA0A04FC94B}">
+              <ma14:wrappingTextBoxFlag xmlns:ma14="http://schemas.microsoft.com/office/mac/drawingml/2011/main" val="1"/>
+            </a:ext>
+          </a:extLst>
+        </p:spPr>
+        <p:txBody>
+          <a:bodyPr wrap="square" lIns="71437" tIns="71437" rIns="71437" bIns="71437" anchor="ctr">
+            <a:spAutoFit/>
+          </a:bodyPr>
+          <a:lstStyle/>
+          <a:p>
+            <a:pPr algn="l">
+              <a:defRPr sz="20000">
+                <a:solidFill>
+                  <a:srgbClr val="3EC7C0"/>
+                </a:solidFill>
+              </a:defRPr>
+            </a:pPr>
+            <a:r>
+              <a:rPr lang="nb-NO" sz="10000" dirty="0" err="1" smtClean="0">
+                <a:solidFill>
+                  <a:srgbClr val="17BDB4"/>
+                </a:solidFill>
+                <a:latin typeface="Calibri" charset="0"/>
+                <a:ea typeface="Calibri" charset="0"/>
+                <a:cs typeface="Calibri" charset="0"/>
+              </a:rPr>
+              <a:t>Wide</a:t>
+            </a:r>
+            <a:r>
+              <a:rPr lang="nb-NO" sz="10000" dirty="0" smtClean="0">
+                <a:solidFill>
+                  <a:srgbClr val="17BDB4"/>
+                </a:solidFill>
+                <a:latin typeface="Calibri" charset="0"/>
+                <a:ea typeface="Calibri" charset="0"/>
+                <a:cs typeface="Calibri" charset="0"/>
+              </a:rPr>
+              <a:t> </a:t>
+            </a:r>
+            <a:r>
+              <a:rPr lang="nb-NO" sz="10000" dirty="0" err="1" smtClean="0">
+                <a:solidFill>
+                  <a:srgbClr val="17BDB4"/>
+                </a:solidFill>
+                <a:latin typeface="Calibri" charset="0"/>
+                <a:ea typeface="Calibri" charset="0"/>
+                <a:cs typeface="Calibri" charset="0"/>
+              </a:rPr>
+              <a:t>Column</a:t>
+            </a:r>
+            <a:r>
+              <a:rPr lang="nb-NO" sz="10000" dirty="0" smtClean="0">
+                <a:solidFill>
+                  <a:srgbClr val="17BDB4"/>
+                </a:solidFill>
+                <a:latin typeface="Calibri" charset="0"/>
+                <a:ea typeface="Calibri" charset="0"/>
+                <a:cs typeface="Calibri" charset="0"/>
+              </a:rPr>
+              <a:t> Store</a:t>
+            </a:r>
+            <a:endParaRPr lang="nb-NO" sz="10000" dirty="0">
+              <a:solidFill>
+                <a:srgbClr val="17BDB4"/>
+              </a:solidFill>
+              <a:latin typeface="Calibri" charset="0"/>
+              <a:ea typeface="Calibri" charset="0"/>
+              <a:cs typeface="Calibri" charset="0"/>
+            </a:endParaRPr>
+          </a:p>
+        </p:txBody>
+      </p:sp>
+      <p:sp>
+        <p:nvSpPr>
+          <p:cNvPr id="2" name="TextBox 1"/>
+          <p:cNvSpPr txBox="1"/>
+          <p:nvPr/>
+        </p:nvSpPr>
+        <p:spPr>
+          <a:xfrm>
+            <a:off x="415368" y="3220791"/>
+            <a:ext cx="17582146" cy="5915080"/>
+          </a:xfrm>
+          <a:prstGeom prst="rect">
+            <a:avLst/>
+          </a:prstGeom>
+          <a:noFill/>
+          <a:ln w="12700" cap="flat">
+            <a:noFill/>
+            <a:miter lim="400000"/>
+          </a:ln>
+          <a:effectLst/>
+          <a:sp3d/>
+        </p:spPr>
+        <p:style>
+          <a:lnRef idx="0">
+            <a:scrgbClr r="0" g="0" b="0"/>
+          </a:lnRef>
+          <a:fillRef idx="0">
+            <a:scrgbClr r="0" g="0" b="0"/>
+          </a:fillRef>
+          <a:effectRef idx="0">
+            <a:scrgbClr r="0" g="0" b="0"/>
+          </a:effectRef>
+          <a:fontRef idx="none"/>
+        </p:style>
+        <p:txBody>
+          <a:bodyPr rot="0" spcFirstLastPara="1" vertOverflow="overflow" horzOverflow="overflow" vert="horz" wrap="square" lIns="71437" tIns="71437" rIns="71437" bIns="71437" numCol="1" spcCol="38100" rtlCol="0" anchor="t" anchorCtr="0">
+            <a:spAutoFit/>
+          </a:bodyPr>
+          <a:lstStyle/>
+          <a:p>
+            <a:pPr marL="685800" indent="-685800" algn="l">
+              <a:lnSpc>
+                <a:spcPct val="150000"/>
+              </a:lnSpc>
+              <a:buFont typeface="Arial" charset="0"/>
+              <a:buChar char="•"/>
+            </a:pPr>
+            <a:r>
+              <a:rPr lang="en-US" dirty="0" err="1">
+                <a:solidFill>
+                  <a:schemeClr val="tx1">
+                    <a:lumMod val="95000"/>
+                  </a:schemeClr>
+                </a:solidFill>
+                <a:latin typeface="Calisto MT" charset="0"/>
+                <a:ea typeface="Calisto MT" charset="0"/>
+                <a:cs typeface="Calisto MT" charset="0"/>
+              </a:rPr>
+              <a:t>Analyse</a:t>
+            </a:r>
+            <a:r>
+              <a:rPr lang="en-US" dirty="0">
+                <a:solidFill>
+                  <a:schemeClr val="tx1">
+                    <a:lumMod val="95000"/>
+                  </a:schemeClr>
+                </a:solidFill>
+                <a:latin typeface="Calisto MT" charset="0"/>
+                <a:ea typeface="Calisto MT" charset="0"/>
+                <a:cs typeface="Calisto MT" charset="0"/>
+              </a:rPr>
+              <a:t> </a:t>
+            </a:r>
+            <a:r>
+              <a:rPr lang="en-US" dirty="0" err="1">
+                <a:solidFill>
+                  <a:schemeClr val="tx1">
+                    <a:lumMod val="95000"/>
+                  </a:schemeClr>
+                </a:solidFill>
+                <a:latin typeface="Calisto MT" charset="0"/>
+                <a:ea typeface="Calisto MT" charset="0"/>
+                <a:cs typeface="Calisto MT" charset="0"/>
+              </a:rPr>
+              <a:t>og</a:t>
+            </a:r>
+            <a:r>
+              <a:rPr lang="en-US" dirty="0">
+                <a:solidFill>
+                  <a:schemeClr val="tx1">
+                    <a:lumMod val="95000"/>
+                  </a:schemeClr>
+                </a:solidFill>
+                <a:latin typeface="Calisto MT" charset="0"/>
+                <a:ea typeface="Calisto MT" charset="0"/>
+                <a:cs typeface="Calisto MT" charset="0"/>
+              </a:rPr>
+              <a:t> </a:t>
+            </a:r>
+            <a:r>
+              <a:rPr lang="en-US" dirty="0" err="1">
+                <a:solidFill>
+                  <a:schemeClr val="tx1">
+                    <a:lumMod val="95000"/>
+                  </a:schemeClr>
+                </a:solidFill>
+                <a:latin typeface="Calisto MT" charset="0"/>
+                <a:ea typeface="Calisto MT" charset="0"/>
+                <a:cs typeface="Calisto MT" charset="0"/>
+              </a:rPr>
+              <a:t>aggregering</a:t>
+            </a:r>
+            <a:r>
+              <a:rPr lang="en-US" dirty="0">
+                <a:solidFill>
+                  <a:schemeClr val="tx1">
+                    <a:lumMod val="95000"/>
+                  </a:schemeClr>
+                </a:solidFill>
+                <a:latin typeface="Calisto MT" charset="0"/>
+                <a:ea typeface="Calisto MT" charset="0"/>
+                <a:cs typeface="Calisto MT" charset="0"/>
+              </a:rPr>
+              <a:t> </a:t>
+            </a:r>
+            <a:r>
+              <a:rPr lang="en-US" dirty="0" err="1">
+                <a:solidFill>
+                  <a:schemeClr val="tx1">
+                    <a:lumMod val="95000"/>
+                  </a:schemeClr>
+                </a:solidFill>
+                <a:latin typeface="Calisto MT" charset="0"/>
+                <a:ea typeface="Calisto MT" charset="0"/>
+                <a:cs typeface="Calisto MT" charset="0"/>
+              </a:rPr>
+              <a:t>av</a:t>
+            </a:r>
+            <a:r>
+              <a:rPr lang="en-US" dirty="0">
+                <a:solidFill>
+                  <a:schemeClr val="tx1">
+                    <a:lumMod val="95000"/>
+                  </a:schemeClr>
+                </a:solidFill>
+                <a:latin typeface="Calisto MT" charset="0"/>
+                <a:ea typeface="Calisto MT" charset="0"/>
+                <a:cs typeface="Calisto MT" charset="0"/>
+              </a:rPr>
+              <a:t> Big Data</a:t>
+            </a:r>
+          </a:p>
+          <a:p>
+            <a:pPr marL="685800" indent="-685800" algn="l">
+              <a:lnSpc>
+                <a:spcPct val="150000"/>
+              </a:lnSpc>
+              <a:buFont typeface="Arial" charset="0"/>
+              <a:buChar char="•"/>
+            </a:pPr>
+            <a:r>
+              <a:rPr lang="en-US" dirty="0" err="1">
+                <a:solidFill>
+                  <a:schemeClr val="tx1">
+                    <a:lumMod val="95000"/>
+                  </a:schemeClr>
+                </a:solidFill>
+                <a:latin typeface="Calisto MT" charset="0"/>
+                <a:ea typeface="Calisto MT" charset="0"/>
+                <a:cs typeface="Calisto MT" charset="0"/>
+              </a:rPr>
+              <a:t>Flere</a:t>
+            </a:r>
+            <a:r>
+              <a:rPr lang="en-US" dirty="0">
+                <a:solidFill>
+                  <a:schemeClr val="tx1">
+                    <a:lumMod val="95000"/>
+                  </a:schemeClr>
+                </a:solidFill>
+                <a:latin typeface="Calisto MT" charset="0"/>
+                <a:ea typeface="Calisto MT" charset="0"/>
+                <a:cs typeface="Calisto MT" charset="0"/>
+              </a:rPr>
+              <a:t> </a:t>
+            </a:r>
+            <a:r>
+              <a:rPr lang="en-US" dirty="0" err="1">
+                <a:solidFill>
+                  <a:schemeClr val="tx1">
+                    <a:lumMod val="95000"/>
+                  </a:schemeClr>
+                </a:solidFill>
+                <a:latin typeface="Calisto MT" charset="0"/>
+                <a:ea typeface="Calisto MT" charset="0"/>
+                <a:cs typeface="Calisto MT" charset="0"/>
+              </a:rPr>
+              <a:t>milliarder</a:t>
+            </a:r>
+            <a:r>
+              <a:rPr lang="en-US" dirty="0">
+                <a:solidFill>
+                  <a:schemeClr val="tx1">
+                    <a:lumMod val="95000"/>
+                  </a:schemeClr>
+                </a:solidFill>
+                <a:latin typeface="Calisto MT" charset="0"/>
+                <a:ea typeface="Calisto MT" charset="0"/>
+                <a:cs typeface="Calisto MT" charset="0"/>
+              </a:rPr>
+              <a:t> </a:t>
+            </a:r>
+            <a:r>
+              <a:rPr lang="en-US" dirty="0" err="1">
+                <a:solidFill>
+                  <a:schemeClr val="tx1">
+                    <a:lumMod val="95000"/>
+                  </a:schemeClr>
+                </a:solidFill>
+                <a:latin typeface="Calisto MT" charset="0"/>
+                <a:ea typeface="Calisto MT" charset="0"/>
+                <a:cs typeface="Calisto MT" charset="0"/>
+              </a:rPr>
+              <a:t>kolonner</a:t>
+            </a:r>
+            <a:r>
+              <a:rPr lang="en-US" dirty="0">
+                <a:solidFill>
+                  <a:schemeClr val="tx1">
+                    <a:lumMod val="95000"/>
+                  </a:schemeClr>
+                </a:solidFill>
+                <a:latin typeface="Calisto MT" charset="0"/>
+                <a:ea typeface="Calisto MT" charset="0"/>
+                <a:cs typeface="Calisto MT" charset="0"/>
+              </a:rPr>
+              <a:t> per rad </a:t>
+            </a:r>
+            <a:r>
+              <a:rPr lang="en-US" dirty="0" smtClean="0">
+                <a:solidFill>
+                  <a:schemeClr val="tx1">
+                    <a:lumMod val="95000"/>
+                  </a:schemeClr>
+                </a:solidFill>
+                <a:latin typeface="Calisto MT" charset="0"/>
+                <a:ea typeface="Calisto MT" charset="0"/>
+                <a:cs typeface="Calisto MT" charset="0"/>
+              </a:rPr>
+              <a:t>(!!)</a:t>
+            </a:r>
+          </a:p>
+          <a:p>
+            <a:pPr marL="685800" indent="-685800" algn="l">
+              <a:lnSpc>
+                <a:spcPct val="150000"/>
+              </a:lnSpc>
+              <a:buFont typeface="Arial" charset="0"/>
+              <a:buChar char="•"/>
+            </a:pPr>
+            <a:r>
+              <a:rPr lang="en-US" dirty="0" err="1" smtClean="0">
+                <a:solidFill>
+                  <a:schemeClr val="tx1">
+                    <a:lumMod val="95000"/>
+                  </a:schemeClr>
+                </a:solidFill>
+                <a:latin typeface="Calisto MT" charset="0"/>
+                <a:ea typeface="Calisto MT" charset="0"/>
+                <a:cs typeface="Calisto MT" charset="0"/>
+              </a:rPr>
+              <a:t>Ikke</a:t>
+            </a:r>
+            <a:r>
+              <a:rPr lang="en-US" dirty="0" smtClean="0">
+                <a:solidFill>
+                  <a:schemeClr val="tx1">
+                    <a:lumMod val="95000"/>
+                  </a:schemeClr>
+                </a:solidFill>
+                <a:latin typeface="Calisto MT" charset="0"/>
+                <a:ea typeface="Calisto MT" charset="0"/>
+                <a:cs typeface="Calisto MT" charset="0"/>
+              </a:rPr>
+              <a:t> </a:t>
+            </a:r>
+            <a:r>
+              <a:rPr lang="en-US" dirty="0" err="1" smtClean="0">
+                <a:solidFill>
+                  <a:schemeClr val="tx1">
+                    <a:lumMod val="95000"/>
+                  </a:schemeClr>
+                </a:solidFill>
+                <a:latin typeface="Calisto MT" charset="0"/>
+                <a:ea typeface="Calisto MT" charset="0"/>
+                <a:cs typeface="Calisto MT" charset="0"/>
+              </a:rPr>
+              <a:t>statiske</a:t>
+            </a:r>
+            <a:r>
+              <a:rPr lang="en-US" dirty="0" smtClean="0">
+                <a:solidFill>
+                  <a:schemeClr val="tx1">
+                    <a:lumMod val="95000"/>
+                  </a:schemeClr>
+                </a:solidFill>
+                <a:latin typeface="Calisto MT" charset="0"/>
+                <a:ea typeface="Calisto MT" charset="0"/>
+                <a:cs typeface="Calisto MT" charset="0"/>
+              </a:rPr>
+              <a:t> </a:t>
+            </a:r>
+            <a:r>
+              <a:rPr lang="en-US" dirty="0" err="1" smtClean="0">
+                <a:solidFill>
+                  <a:schemeClr val="tx1">
+                    <a:lumMod val="95000"/>
+                  </a:schemeClr>
+                </a:solidFill>
+                <a:latin typeface="Calisto MT" charset="0"/>
+                <a:ea typeface="Calisto MT" charset="0"/>
+                <a:cs typeface="Calisto MT" charset="0"/>
+              </a:rPr>
+              <a:t>kolonner</a:t>
+            </a:r>
+            <a:endParaRPr lang="en-US" dirty="0">
+              <a:solidFill>
+                <a:schemeClr val="tx1">
+                  <a:lumMod val="95000"/>
+                </a:schemeClr>
+              </a:solidFill>
+              <a:latin typeface="Calisto MT" charset="0"/>
+              <a:ea typeface="Calisto MT" charset="0"/>
+              <a:cs typeface="Calisto MT" charset="0"/>
+            </a:endParaRPr>
+          </a:p>
+          <a:p>
+            <a:pPr marL="685800" indent="-685800" algn="l">
+              <a:lnSpc>
+                <a:spcPct val="150000"/>
+              </a:lnSpc>
+              <a:buFont typeface="Arial" charset="0"/>
+              <a:buChar char="•"/>
+            </a:pPr>
+            <a:r>
+              <a:rPr lang="en-US" dirty="0" err="1">
+                <a:solidFill>
+                  <a:schemeClr val="tx1">
+                    <a:lumMod val="95000"/>
+                  </a:schemeClr>
+                </a:solidFill>
+                <a:latin typeface="Calisto MT" charset="0"/>
+                <a:ea typeface="Calisto MT" charset="0"/>
+                <a:cs typeface="Calisto MT" charset="0"/>
+              </a:rPr>
+              <a:t>Flere</a:t>
+            </a:r>
+            <a:r>
+              <a:rPr lang="en-US" dirty="0">
+                <a:solidFill>
+                  <a:schemeClr val="tx1">
+                    <a:lumMod val="95000"/>
+                  </a:schemeClr>
+                </a:solidFill>
+                <a:latin typeface="Calisto MT" charset="0"/>
+                <a:ea typeface="Calisto MT" charset="0"/>
+                <a:cs typeface="Calisto MT" charset="0"/>
+              </a:rPr>
+              <a:t> </a:t>
+            </a:r>
+            <a:r>
+              <a:rPr lang="en-US" dirty="0" err="1">
+                <a:solidFill>
+                  <a:schemeClr val="tx1">
+                    <a:lumMod val="95000"/>
+                  </a:schemeClr>
+                </a:solidFill>
+                <a:latin typeface="Calisto MT" charset="0"/>
+                <a:ea typeface="Calisto MT" charset="0"/>
+                <a:cs typeface="Calisto MT" charset="0"/>
+              </a:rPr>
+              <a:t>implementasjoner</a:t>
+            </a:r>
+            <a:endParaRPr lang="en-US" dirty="0">
+              <a:solidFill>
+                <a:schemeClr val="tx1">
+                  <a:lumMod val="95000"/>
+                </a:schemeClr>
+              </a:solidFill>
+              <a:latin typeface="Calisto MT" charset="0"/>
+              <a:ea typeface="Calisto MT" charset="0"/>
+              <a:cs typeface="Calisto MT" charset="0"/>
+            </a:endParaRPr>
+          </a:p>
+          <a:p>
+            <a:pPr marL="685800" indent="-685800" algn="l">
+              <a:lnSpc>
+                <a:spcPct val="150000"/>
+              </a:lnSpc>
+              <a:buFont typeface="Arial" charset="0"/>
+              <a:buChar char="•"/>
+            </a:pPr>
+            <a:endParaRPr lang="en-US" dirty="0">
+              <a:solidFill>
+                <a:schemeClr val="tx1">
+                  <a:lumMod val="95000"/>
+                </a:schemeClr>
+              </a:solidFill>
+              <a:latin typeface="Calisto MT" charset="0"/>
+              <a:ea typeface="Calisto MT" charset="0"/>
+              <a:cs typeface="Calisto MT" charset="0"/>
+            </a:endParaRPr>
+          </a:p>
+        </p:txBody>
+      </p:sp>
+    </p:spTree>
+    <p:extLst>
+      <p:ext uri="{BB962C8B-B14F-4D97-AF65-F5344CB8AC3E}">
+        <p14:creationId xmlns:p14="http://schemas.microsoft.com/office/powerpoint/2010/main" val="1326919296"/>
+      </p:ext>
+    </p:extLst>
+  </p:cSld>
+  <p:clrMapOvr>
+    <a:masterClrMapping/>
+  </p:clrMapOvr>
+  <p:transition spd="med"/>
+  <p:timing>
+    <p:tnLst>
+      <p:par>
+        <p:cTn id="1" dur="indefinite" restart="never" nodeType="tmRoot"/>
+      </p:par>
+    </p:tnLst>
+  </p:timing>
 </p:sld>
 </file>
 
